--- a/1Woche_Paketerkennung.pptx
+++ b/1Woche_Paketerkennung.pptx
@@ -110,6 +110,11 @@
       </a:defRPr>
     </a:lvl9pPr>
   </p:defaultTextStyle>
+  <p:extLst>
+    <p:ext uri="{EFAFB233-063F-42B5-8137-9DF3F51BA10A}">
+      <p15:sldGuideLst xmlns:p15="http://schemas.microsoft.com/office/powerpoint/2012/main"/>
+    </p:ext>
+  </p:extLst>
 </p:presentation>
 </file>
 
@@ -3354,9 +3359,10 @@
           <a:lstStyle/>
           <a:p>
             <a:r>
-              <a:rPr lang="de-DE" dirty="0"/>
+              <a:rPr lang="de-DE"/>
               <a:t>Paketerkennung</a:t>
             </a:r>
+            <a:endParaRPr lang="de-DE" dirty="0"/>
           </a:p>
         </p:txBody>
       </p:sp>
@@ -3381,10 +3387,12 @@
           <a:bodyPr/>
           <a:lstStyle/>
           <a:p>
-            <a:r>
-              <a:rPr lang="de-DE" dirty="0"/>
+            <a:pPr algn="l"/>
+            <a:r>
+              <a:rPr lang="de-DE"/>
               <a:t>Von: </a:t>
             </a:r>
+            <a:endParaRPr lang="de-DE" dirty="0"/>
           </a:p>
         </p:txBody>
       </p:sp>
@@ -3582,20 +3590,19 @@
           <a:p>
             <a:r>
               <a:rPr lang="de-DE" dirty="0"/>
-              <a:t>Klassifizierung von drei verschiedenen Paketgrößen</a:t>
-            </a:r>
-          </a:p>
-          <a:p>
+              <a:t>Erkennung von drei verschiedenen Paketgrößen</a:t>
+            </a:r>
+          </a:p>
+          <a:p>
+            <a:pPr lvl="1"/>
             <a:r>
               <a:rPr lang="de-DE" dirty="0"/>
-              <a:t>Teststand mit Kamera und Testfläche</a:t>
-            </a:r>
-          </a:p>
-          <a:p>
-            <a:r>
-              <a:rPr lang="de-DE" dirty="0"/>
-              <a:t>Ausgabe in Form von Leuchtdioden</a:t>
-            </a:r>
+              <a:t>Wodurch lässt sich ein Paket beschreiben?</a:t>
+            </a:r>
+          </a:p>
+          <a:p>
+            <a:pPr lvl="1"/>
+            <a:endParaRPr lang="de-DE" dirty="0"/>
           </a:p>
         </p:txBody>
       </p:sp>
@@ -3680,17 +3687,26 @@
           <a:p>
             <a:r>
               <a:rPr lang="de-DE" dirty="0"/>
-              <a:t>Foto machen durch neuronales Netzwerk jagen und Ergebnis auswerten</a:t>
+              <a:t>Teststand mit fixierter Kamera und Testfläche</a:t>
             </a:r>
           </a:p>
           <a:p>
             <a:r>
               <a:rPr lang="de-DE" dirty="0"/>
-              <a:t>Pixel zählen, Ecken und Kanten erkennen und im Zusammenhang der Testfläche </a:t>
-            </a:r>
-          </a:p>
-          <a:p>
-            <a:endParaRPr lang="de-DE" dirty="0"/>
+              <a:t>Foto machen</a:t>
+            </a:r>
+          </a:p>
+          <a:p>
+            <a:r>
+              <a:rPr lang="de-DE" dirty="0"/>
+              <a:t>Foto aufbereiten: Farbe erkennen, Pixel zählen, Ecken und Kanten erkennen</a:t>
+            </a:r>
+          </a:p>
+          <a:p>
+            <a:r>
+              <a:rPr lang="de-DE" dirty="0"/>
+              <a:t>Ausgabe durch Konsole und/oder Leuchtdioden</a:t>
+            </a:r>
           </a:p>
         </p:txBody>
       </p:sp>
@@ -3775,13 +3791,13 @@
           <a:p>
             <a:r>
               <a:rPr lang="de-DE" dirty="0"/>
-              <a:t>Testobjekte</a:t>
+              <a:t>Drei verschiedene DHL-Pakete</a:t>
             </a:r>
           </a:p>
           <a:p>
             <a:r>
               <a:rPr lang="de-DE" dirty="0"/>
-              <a:t>Mockup stand</a:t>
+              <a:t>Fester Teststand</a:t>
             </a:r>
           </a:p>
           <a:p>
@@ -4267,6 +4283,21 @@
 </file>
 
 <file path=customXml/item1.xml><?xml version="1.0" encoding="utf-8"?>
+<p:properties xmlns:p="http://schemas.microsoft.com/office/2006/metadata/properties" xmlns:xsi="http://www.w3.org/2001/XMLSchema-instance" xmlns:pc="http://schemas.microsoft.com/office/infopath/2007/PartnerControls">
+  <documentManagement/>
+</p:properties>
+</file>
+
+<file path=customXml/item2.xml><?xml version="1.0" encoding="utf-8"?>
+<?mso-contentType ?>
+<FormTemplates xmlns="http://schemas.microsoft.com/sharepoint/v3/contenttype/forms">
+  <Display>DocumentLibraryForm</Display>
+  <Edit>DocumentLibraryForm</Edit>
+  <New>DocumentLibraryForm</New>
+</FormTemplates>
+</file>
+
+<file path=customXml/item3.xml><?xml version="1.0" encoding="utf-8"?>
 <ct:contentTypeSchema xmlns:ct="http://schemas.microsoft.com/office/2006/metadata/contentType" xmlns:ma="http://schemas.microsoft.com/office/2006/metadata/properties/metaAttributes" ct:_="" ma:_="" ma:contentTypeName="Dokument" ma:contentTypeID="0x01010013DA34FFD23D724DA6D124D232B0C48B" ma:contentTypeVersion="2" ma:contentTypeDescription="Ein neues Dokument erstellen." ma:contentTypeScope="" ma:versionID="12faabf6fdc06e21e8350a32819c1539">
   <xsd:schema xmlns:xsd="http://www.w3.org/2001/XMLSchema" xmlns:xs="http://www.w3.org/2001/XMLSchema" xmlns:p="http://schemas.microsoft.com/office/2006/metadata/properties" xmlns:ns3="2f08a94a-169f-4fb0-94ff-23a1d20791ce" targetNamespace="http://schemas.microsoft.com/office/2006/metadata/properties" ma:root="true" ma:fieldsID="1b976c1922399edfe6145880681cfb33" ns3:_="">
     <xsd:import namespace="2f08a94a-169f-4fb0-94ff-23a1d20791ce"/>
@@ -4398,22 +4429,31 @@
 </ct:contentTypeSchema>
 </file>
 
-<file path=customXml/item2.xml><?xml version="1.0" encoding="utf-8"?>
-<?mso-contentType ?>
-<FormTemplates xmlns="http://schemas.microsoft.com/sharepoint/v3/contenttype/forms">
-  <Display>DocumentLibraryForm</Display>
-  <Edit>DocumentLibraryForm</Edit>
-  <New>DocumentLibraryForm</New>
-</FormTemplates>
+<file path=customXml/itemProps1.xml><?xml version="1.0" encoding="utf-8"?>
+<ds:datastoreItem xmlns:ds="http://schemas.openxmlformats.org/officeDocument/2006/customXml" ds:itemID="{FEEEB3F1-E176-4FC4-9649-E7AA324880EA}">
+  <ds:schemaRefs>
+    <ds:schemaRef ds:uri="http://purl.org/dc/dcmitype/"/>
+    <ds:schemaRef ds:uri="http://purl.org/dc/elements/1.1/"/>
+    <ds:schemaRef ds:uri="http://www.w3.org/XML/1998/namespace"/>
+    <ds:schemaRef ds:uri="2f08a94a-169f-4fb0-94ff-23a1d20791ce"/>
+    <ds:schemaRef ds:uri="http://purl.org/dc/terms/"/>
+    <ds:schemaRef ds:uri="http://schemas.microsoft.com/office/2006/documentManagement/types"/>
+    <ds:schemaRef ds:uri="http://schemas.microsoft.com/office/infopath/2007/PartnerControls"/>
+    <ds:schemaRef ds:uri="http://schemas.openxmlformats.org/package/2006/metadata/core-properties"/>
+    <ds:schemaRef ds:uri="http://schemas.microsoft.com/office/2006/metadata/properties"/>
+  </ds:schemaRefs>
+</ds:datastoreItem>
 </file>
 
-<file path=customXml/item3.xml><?xml version="1.0" encoding="utf-8"?>
-<p:properties xmlns:p="http://schemas.microsoft.com/office/2006/metadata/properties" xmlns:xsi="http://www.w3.org/2001/XMLSchema-instance" xmlns:pc="http://schemas.microsoft.com/office/infopath/2007/PartnerControls">
-  <documentManagement/>
-</p:properties>
+<file path=customXml/itemProps2.xml><?xml version="1.0" encoding="utf-8"?>
+<ds:datastoreItem xmlns:ds="http://schemas.openxmlformats.org/officeDocument/2006/customXml" ds:itemID="{1F8D0725-EF16-4B3D-999D-B89425DB8ECA}">
+  <ds:schemaRefs>
+    <ds:schemaRef ds:uri="http://schemas.microsoft.com/sharepoint/v3/contenttype/forms"/>
+  </ds:schemaRefs>
+</ds:datastoreItem>
 </file>
 
-<file path=customXml/itemProps1.xml><?xml version="1.0" encoding="utf-8"?>
+<file path=customXml/itemProps3.xml><?xml version="1.0" encoding="utf-8"?>
 <ds:datastoreItem xmlns:ds="http://schemas.openxmlformats.org/officeDocument/2006/customXml" ds:itemID="{587EC3BD-8604-4FBC-8E1A-76CDAA3DA85F}">
   <ds:schemaRefs>
     <ds:schemaRef ds:uri="http://schemas.microsoft.com/office/2006/metadata/contentType"/>
@@ -4429,28 +4469,4 @@
     <ds:schemaRef ds:uri="http://schemas.microsoft.com/internal/obd"/>
   </ds:schemaRefs>
 </ds:datastoreItem>
-</file>
-
-<file path=customXml/itemProps2.xml><?xml version="1.0" encoding="utf-8"?>
-<ds:datastoreItem xmlns:ds="http://schemas.openxmlformats.org/officeDocument/2006/customXml" ds:itemID="{1F8D0725-EF16-4B3D-999D-B89425DB8ECA}">
-  <ds:schemaRefs>
-    <ds:schemaRef ds:uri="http://schemas.microsoft.com/sharepoint/v3/contenttype/forms"/>
-  </ds:schemaRefs>
-</ds:datastoreItem>
-</file>
-
-<file path=customXml/itemProps3.xml><?xml version="1.0" encoding="utf-8"?>
-<ds:datastoreItem xmlns:ds="http://schemas.openxmlformats.org/officeDocument/2006/customXml" ds:itemID="{FEEEB3F1-E176-4FC4-9649-E7AA324880EA}">
-  <ds:schemaRefs>
-    <ds:schemaRef ds:uri="http://purl.org/dc/dcmitype/"/>
-    <ds:schemaRef ds:uri="http://purl.org/dc/elements/1.1/"/>
-    <ds:schemaRef ds:uri="http://www.w3.org/XML/1998/namespace"/>
-    <ds:schemaRef ds:uri="2f08a94a-169f-4fb0-94ff-23a1d20791ce"/>
-    <ds:schemaRef ds:uri="http://purl.org/dc/terms/"/>
-    <ds:schemaRef ds:uri="http://schemas.microsoft.com/office/2006/documentManagement/types"/>
-    <ds:schemaRef ds:uri="http://schemas.microsoft.com/office/infopath/2007/PartnerControls"/>
-    <ds:schemaRef ds:uri="http://schemas.openxmlformats.org/package/2006/metadata/core-properties"/>
-    <ds:schemaRef ds:uri="http://schemas.microsoft.com/office/2006/metadata/properties"/>
-  </ds:schemaRefs>
-</ds:datastoreItem>
 </file>
--- a/1Woche_Paketerkennung.pptx
+++ b/1Woche_Paketerkennung.pptx
@@ -13,6 +13,7 @@
     <p:sldId id="263" r:id="rId10"/>
     <p:sldId id="261" r:id="rId11"/>
     <p:sldId id="262" r:id="rId12"/>
+    <p:sldId id="264" r:id="rId13"/>
   </p:sldIdLst>
   <p:sldSz cx="12192000" cy="6858000"/>
   <p:notesSz cx="6858000" cy="9144000"/>
@@ -7335,7 +7336,7 @@
           <a:p>
             <a:fld id="{28556023-671E-42BF-A541-C4F920681D33}" type="datetimeFigureOut">
               <a:rPr lang="de-DE" smtClean="0"/>
-              <a:t>26.10.2022</a:t>
+              <a:t>28.10.2022</a:t>
             </a:fld>
             <a:endParaRPr lang="de-DE"/>
           </a:p>
@@ -7533,7 +7534,7 @@
           <a:p>
             <a:fld id="{28556023-671E-42BF-A541-C4F920681D33}" type="datetimeFigureOut">
               <a:rPr lang="de-DE" smtClean="0"/>
-              <a:t>26.10.2022</a:t>
+              <a:t>28.10.2022</a:t>
             </a:fld>
             <a:endParaRPr lang="de-DE"/>
           </a:p>
@@ -7741,7 +7742,7 @@
           <a:p>
             <a:fld id="{28556023-671E-42BF-A541-C4F920681D33}" type="datetimeFigureOut">
               <a:rPr lang="de-DE" smtClean="0"/>
-              <a:t>26.10.2022</a:t>
+              <a:t>28.10.2022</a:t>
             </a:fld>
             <a:endParaRPr lang="de-DE"/>
           </a:p>
@@ -7939,7 +7940,7 @@
           <a:p>
             <a:fld id="{28556023-671E-42BF-A541-C4F920681D33}" type="datetimeFigureOut">
               <a:rPr lang="de-DE" smtClean="0"/>
-              <a:t>26.10.2022</a:t>
+              <a:t>28.10.2022</a:t>
             </a:fld>
             <a:endParaRPr lang="de-DE"/>
           </a:p>
@@ -8214,7 +8215,7 @@
           <a:p>
             <a:fld id="{28556023-671E-42BF-A541-C4F920681D33}" type="datetimeFigureOut">
               <a:rPr lang="de-DE" smtClean="0"/>
-              <a:t>26.10.2022</a:t>
+              <a:t>28.10.2022</a:t>
             </a:fld>
             <a:endParaRPr lang="de-DE"/>
           </a:p>
@@ -8479,7 +8480,7 @@
           <a:p>
             <a:fld id="{28556023-671E-42BF-A541-C4F920681D33}" type="datetimeFigureOut">
               <a:rPr lang="de-DE" smtClean="0"/>
-              <a:t>26.10.2022</a:t>
+              <a:t>28.10.2022</a:t>
             </a:fld>
             <a:endParaRPr lang="de-DE"/>
           </a:p>
@@ -8891,7 +8892,7 @@
           <a:p>
             <a:fld id="{28556023-671E-42BF-A541-C4F920681D33}" type="datetimeFigureOut">
               <a:rPr lang="de-DE" smtClean="0"/>
-              <a:t>26.10.2022</a:t>
+              <a:t>28.10.2022</a:t>
             </a:fld>
             <a:endParaRPr lang="de-DE"/>
           </a:p>
@@ -9032,7 +9033,7 @@
           <a:p>
             <a:fld id="{28556023-671E-42BF-A541-C4F920681D33}" type="datetimeFigureOut">
               <a:rPr lang="de-DE" smtClean="0"/>
-              <a:t>26.10.2022</a:t>
+              <a:t>28.10.2022</a:t>
             </a:fld>
             <a:endParaRPr lang="de-DE"/>
           </a:p>
@@ -9145,7 +9146,7 @@
           <a:p>
             <a:fld id="{28556023-671E-42BF-A541-C4F920681D33}" type="datetimeFigureOut">
               <a:rPr lang="de-DE" smtClean="0"/>
-              <a:t>26.10.2022</a:t>
+              <a:t>28.10.2022</a:t>
             </a:fld>
             <a:endParaRPr lang="de-DE"/>
           </a:p>
@@ -9456,7 +9457,7 @@
           <a:p>
             <a:fld id="{28556023-671E-42BF-A541-C4F920681D33}" type="datetimeFigureOut">
               <a:rPr lang="de-DE" smtClean="0"/>
-              <a:t>26.10.2022</a:t>
+              <a:t>28.10.2022</a:t>
             </a:fld>
             <a:endParaRPr lang="de-DE"/>
           </a:p>
@@ -9744,7 +9745,7 @@
           <a:p>
             <a:fld id="{28556023-671E-42BF-A541-C4F920681D33}" type="datetimeFigureOut">
               <a:rPr lang="de-DE" smtClean="0"/>
-              <a:t>26.10.2022</a:t>
+              <a:t>28.10.2022</a:t>
             </a:fld>
             <a:endParaRPr lang="de-DE"/>
           </a:p>
@@ -9985,7 +9986,7 @@
           <a:p>
             <a:fld id="{28556023-671E-42BF-A541-C4F920681D33}" type="datetimeFigureOut">
               <a:rPr lang="de-DE" smtClean="0"/>
-              <a:t>26.10.2022</a:t>
+              <a:t>28.10.2022</a:t>
             </a:fld>
             <a:endParaRPr lang="de-DE"/>
           </a:p>
@@ -10460,13 +10461,21 @@
             <a:pPr algn="l"/>
             <a:r>
               <a:rPr lang="de-DE" dirty="0"/>
-              <a:t>Von: </a:t>
+              <a:t>Von: Martin Pause, Jan </a:t>
+            </a:r>
+            <a:r>
+              <a:rPr lang="de-DE" dirty="0" err="1"/>
+              <a:t>Hübchen</a:t>
+            </a:r>
+            <a:r>
+              <a:rPr lang="de-DE" dirty="0"/>
+              <a:t>, Max Roth</a:t>
             </a:r>
           </a:p>
         </p:txBody>
       </p:sp>
-      <mc:AlternateContent xmlns:mc="http://schemas.openxmlformats.org/markup-compatibility/2006">
-        <mc:Choice xmlns:p14="http://schemas.microsoft.com/office/powerpoint/2010/main" Requires="p14">
+      <mc:AlternateContent xmlns:mc="http://schemas.openxmlformats.org/markup-compatibility/2006" xmlns:p14="http://schemas.microsoft.com/office/powerpoint/2010/main">
+        <mc:Choice Requires="p14">
           <p:contentPart p14:bwMode="auto" r:id="rId2">
             <p14:nvContentPartPr>
               <p14:cNvPr id="5" name="Freihand 4">
@@ -10485,7 +10494,7 @@
             </p14:xfrm>
           </p:contentPart>
         </mc:Choice>
-        <mc:Fallback>
+        <mc:Fallback xmlns="">
           <p:pic>
             <p:nvPicPr>
               <p:cNvPr id="5" name="Freihand 4">
@@ -10784,8 +10793,8 @@
           </a:p>
         </p:txBody>
       </p:sp>
-      <mc:AlternateContent xmlns:mc="http://schemas.openxmlformats.org/markup-compatibility/2006">
-        <mc:Choice xmlns:p14="http://schemas.microsoft.com/office/powerpoint/2010/main" Requires="p14">
+      <mc:AlternateContent xmlns:mc="http://schemas.openxmlformats.org/markup-compatibility/2006" xmlns:p14="http://schemas.microsoft.com/office/powerpoint/2010/main">
+        <mc:Choice Requires="p14">
           <p:contentPart p14:bwMode="auto" r:id="rId2">
             <p14:nvContentPartPr>
               <p14:cNvPr id="16" name="Freihand 15">
@@ -10804,7 +10813,7 @@
             </p14:xfrm>
           </p:contentPart>
         </mc:Choice>
-        <mc:Fallback>
+        <mc:Fallback xmlns="">
           <p:pic>
             <p:nvPicPr>
               <p:cNvPr id="16" name="Freihand 15">
@@ -10835,8 +10844,8 @@
           </p:pic>
         </mc:Fallback>
       </mc:AlternateContent>
-      <mc:AlternateContent xmlns:mc="http://schemas.openxmlformats.org/markup-compatibility/2006">
-        <mc:Choice xmlns:p14="http://schemas.microsoft.com/office/powerpoint/2010/main" Requires="p14">
+      <mc:AlternateContent xmlns:mc="http://schemas.openxmlformats.org/markup-compatibility/2006" xmlns:p14="http://schemas.microsoft.com/office/powerpoint/2010/main">
+        <mc:Choice Requires="p14">
           <p:contentPart p14:bwMode="auto" r:id="rId4">
             <p14:nvContentPartPr>
               <p14:cNvPr id="112" name="Freihand 111">
@@ -10855,7 +10864,7 @@
             </p14:xfrm>
           </p:contentPart>
         </mc:Choice>
-        <mc:Fallback>
+        <mc:Fallback xmlns="">
           <p:pic>
             <p:nvPicPr>
               <p:cNvPr id="112" name="Freihand 111">
@@ -10886,8 +10895,8 @@
           </p:pic>
         </mc:Fallback>
       </mc:AlternateContent>
-      <mc:AlternateContent xmlns:mc="http://schemas.openxmlformats.org/markup-compatibility/2006">
-        <mc:Choice xmlns:p14="http://schemas.microsoft.com/office/powerpoint/2010/main" Requires="p14">
+      <mc:AlternateContent xmlns:mc="http://schemas.openxmlformats.org/markup-compatibility/2006" xmlns:p14="http://schemas.microsoft.com/office/powerpoint/2010/main">
+        <mc:Choice Requires="p14">
           <p:contentPart p14:bwMode="auto" r:id="rId6">
             <p14:nvContentPartPr>
               <p14:cNvPr id="162" name="Freihand 161">
@@ -10906,7 +10915,7 @@
             </p14:xfrm>
           </p:contentPart>
         </mc:Choice>
-        <mc:Fallback>
+        <mc:Fallback xmlns="">
           <p:pic>
             <p:nvPicPr>
               <p:cNvPr id="162" name="Freihand 161">
@@ -10937,8 +10946,8 @@
           </p:pic>
         </mc:Fallback>
       </mc:AlternateContent>
-      <mc:AlternateContent xmlns:mc="http://schemas.openxmlformats.org/markup-compatibility/2006">
-        <mc:Choice xmlns:p14="http://schemas.microsoft.com/office/powerpoint/2010/main" Requires="p14">
+      <mc:AlternateContent xmlns:mc="http://schemas.openxmlformats.org/markup-compatibility/2006" xmlns:p14="http://schemas.microsoft.com/office/powerpoint/2010/main">
+        <mc:Choice Requires="p14">
           <p:contentPart p14:bwMode="auto" r:id="rId8">
             <p14:nvContentPartPr>
               <p14:cNvPr id="175" name="Freihand 174">
@@ -10957,7 +10966,7 @@
             </p14:xfrm>
           </p:contentPart>
         </mc:Choice>
-        <mc:Fallback>
+        <mc:Fallback xmlns="">
           <p:pic>
             <p:nvPicPr>
               <p:cNvPr id="175" name="Freihand 174">
@@ -10988,8 +10997,8 @@
           </p:pic>
         </mc:Fallback>
       </mc:AlternateContent>
-      <mc:AlternateContent xmlns:mc="http://schemas.openxmlformats.org/markup-compatibility/2006">
-        <mc:Choice xmlns:p14="http://schemas.microsoft.com/office/powerpoint/2010/main" Requires="p14">
+      <mc:AlternateContent xmlns:mc="http://schemas.openxmlformats.org/markup-compatibility/2006" xmlns:p14="http://schemas.microsoft.com/office/powerpoint/2010/main">
+        <mc:Choice Requires="p14">
           <p:contentPart p14:bwMode="auto" r:id="rId10">
             <p14:nvContentPartPr>
               <p14:cNvPr id="317" name="Freihand 316">
@@ -11008,7 +11017,7 @@
             </p14:xfrm>
           </p:contentPart>
         </mc:Choice>
-        <mc:Fallback>
+        <mc:Fallback xmlns="">
           <p:pic>
             <p:nvPicPr>
               <p:cNvPr id="317" name="Freihand 316">
@@ -11039,8 +11048,8 @@
           </p:pic>
         </mc:Fallback>
       </mc:AlternateContent>
-      <mc:AlternateContent xmlns:mc="http://schemas.openxmlformats.org/markup-compatibility/2006">
-        <mc:Choice xmlns:p14="http://schemas.microsoft.com/office/powerpoint/2010/main" Requires="p14">
+      <mc:AlternateContent xmlns:mc="http://schemas.openxmlformats.org/markup-compatibility/2006" xmlns:p14="http://schemas.microsoft.com/office/powerpoint/2010/main">
+        <mc:Choice Requires="p14">
           <p:contentPart p14:bwMode="auto" r:id="rId12">
             <p14:nvContentPartPr>
               <p14:cNvPr id="320" name="Freihand 319">
@@ -11059,7 +11068,7 @@
             </p14:xfrm>
           </p:contentPart>
         </mc:Choice>
-        <mc:Fallback>
+        <mc:Fallback xmlns="">
           <p:pic>
             <p:nvPicPr>
               <p:cNvPr id="320" name="Freihand 319">
@@ -11110,8 +11119,8 @@
             <a:chExt cx="9095760" cy="5541120"/>
           </a:xfrm>
         </p:grpSpPr>
-        <mc:AlternateContent xmlns:mc="http://schemas.openxmlformats.org/markup-compatibility/2006">
-          <mc:Choice xmlns:p14="http://schemas.microsoft.com/office/powerpoint/2010/main" Requires="p14">
+        <mc:AlternateContent xmlns:mc="http://schemas.openxmlformats.org/markup-compatibility/2006" xmlns:p14="http://schemas.microsoft.com/office/powerpoint/2010/main">
+          <mc:Choice Requires="p14">
             <p:contentPart p14:bwMode="auto" r:id="rId14">
               <p14:nvContentPartPr>
                 <p14:cNvPr id="133" name="Freihand 132">
@@ -11130,7 +11139,7 @@
               </p14:xfrm>
             </p:contentPart>
           </mc:Choice>
-          <mc:Fallback>
+          <mc:Fallback xmlns="">
             <p:pic>
               <p:nvPicPr>
                 <p:cNvPr id="133" name="Freihand 132">
@@ -11161,8 +11170,8 @@
             </p:pic>
           </mc:Fallback>
         </mc:AlternateContent>
-        <mc:AlternateContent xmlns:mc="http://schemas.openxmlformats.org/markup-compatibility/2006">
-          <mc:Choice xmlns:p14="http://schemas.microsoft.com/office/powerpoint/2010/main" Requires="p14">
+        <mc:AlternateContent xmlns:mc="http://schemas.openxmlformats.org/markup-compatibility/2006" xmlns:p14="http://schemas.microsoft.com/office/powerpoint/2010/main">
+          <mc:Choice Requires="p14">
             <p:contentPart p14:bwMode="auto" r:id="rId16">
               <p14:nvContentPartPr>
                 <p14:cNvPr id="134" name="Freihand 133">
@@ -11181,7 +11190,7 @@
               </p14:xfrm>
             </p:contentPart>
           </mc:Choice>
-          <mc:Fallback>
+          <mc:Fallback xmlns="">
             <p:pic>
               <p:nvPicPr>
                 <p:cNvPr id="134" name="Freihand 133">
@@ -11212,8 +11221,8 @@
             </p:pic>
           </mc:Fallback>
         </mc:AlternateContent>
-        <mc:AlternateContent xmlns:mc="http://schemas.openxmlformats.org/markup-compatibility/2006">
-          <mc:Choice xmlns:p14="http://schemas.microsoft.com/office/powerpoint/2010/main" Requires="p14">
+        <mc:AlternateContent xmlns:mc="http://schemas.openxmlformats.org/markup-compatibility/2006" xmlns:p14="http://schemas.microsoft.com/office/powerpoint/2010/main">
+          <mc:Choice Requires="p14">
             <p:contentPart p14:bwMode="auto" r:id="rId18">
               <p14:nvContentPartPr>
                 <p14:cNvPr id="135" name="Freihand 134">
@@ -11232,7 +11241,7 @@
               </p14:xfrm>
             </p:contentPart>
           </mc:Choice>
-          <mc:Fallback>
+          <mc:Fallback xmlns="">
             <p:pic>
               <p:nvPicPr>
                 <p:cNvPr id="135" name="Freihand 134">
@@ -11263,8 +11272,8 @@
             </p:pic>
           </mc:Fallback>
         </mc:AlternateContent>
-        <mc:AlternateContent xmlns:mc="http://schemas.openxmlformats.org/markup-compatibility/2006">
-          <mc:Choice xmlns:p14="http://schemas.microsoft.com/office/powerpoint/2010/main" Requires="p14">
+        <mc:AlternateContent xmlns:mc="http://schemas.openxmlformats.org/markup-compatibility/2006" xmlns:p14="http://schemas.microsoft.com/office/powerpoint/2010/main">
+          <mc:Choice Requires="p14">
             <p:contentPart p14:bwMode="auto" r:id="rId20">
               <p14:nvContentPartPr>
                 <p14:cNvPr id="136" name="Freihand 135">
@@ -11283,7 +11292,7 @@
               </p14:xfrm>
             </p:contentPart>
           </mc:Choice>
-          <mc:Fallback>
+          <mc:Fallback xmlns="">
             <p:pic>
               <p:nvPicPr>
                 <p:cNvPr id="136" name="Freihand 135">
@@ -11314,8 +11323,8 @@
             </p:pic>
           </mc:Fallback>
         </mc:AlternateContent>
-        <mc:AlternateContent xmlns:mc="http://schemas.openxmlformats.org/markup-compatibility/2006">
-          <mc:Choice xmlns:p14="http://schemas.microsoft.com/office/powerpoint/2010/main" Requires="p14">
+        <mc:AlternateContent xmlns:mc="http://schemas.openxmlformats.org/markup-compatibility/2006" xmlns:p14="http://schemas.microsoft.com/office/powerpoint/2010/main">
+          <mc:Choice Requires="p14">
             <p:contentPart p14:bwMode="auto" r:id="rId22">
               <p14:nvContentPartPr>
                 <p14:cNvPr id="137" name="Freihand 136">
@@ -11334,7 +11343,7 @@
               </p14:xfrm>
             </p:contentPart>
           </mc:Choice>
-          <mc:Fallback>
+          <mc:Fallback xmlns="">
             <p:pic>
               <p:nvPicPr>
                 <p:cNvPr id="137" name="Freihand 136">
@@ -11365,8 +11374,8 @@
             </p:pic>
           </mc:Fallback>
         </mc:AlternateContent>
-        <mc:AlternateContent xmlns:mc="http://schemas.openxmlformats.org/markup-compatibility/2006">
-          <mc:Choice xmlns:p14="http://schemas.microsoft.com/office/powerpoint/2010/main" Requires="p14">
+        <mc:AlternateContent xmlns:mc="http://schemas.openxmlformats.org/markup-compatibility/2006" xmlns:p14="http://schemas.microsoft.com/office/powerpoint/2010/main">
+          <mc:Choice Requires="p14">
             <p:contentPart p14:bwMode="auto" r:id="rId24">
               <p14:nvContentPartPr>
                 <p14:cNvPr id="138" name="Freihand 137">
@@ -11385,7 +11394,7 @@
               </p14:xfrm>
             </p:contentPart>
           </mc:Choice>
-          <mc:Fallback>
+          <mc:Fallback xmlns="">
             <p:pic>
               <p:nvPicPr>
                 <p:cNvPr id="138" name="Freihand 137">
@@ -11416,8 +11425,8 @@
             </p:pic>
           </mc:Fallback>
         </mc:AlternateContent>
-        <mc:AlternateContent xmlns:mc="http://schemas.openxmlformats.org/markup-compatibility/2006">
-          <mc:Choice xmlns:p14="http://schemas.microsoft.com/office/powerpoint/2010/main" Requires="p14">
+        <mc:AlternateContent xmlns:mc="http://schemas.openxmlformats.org/markup-compatibility/2006" xmlns:p14="http://schemas.microsoft.com/office/powerpoint/2010/main">
+          <mc:Choice Requires="p14">
             <p:contentPart p14:bwMode="auto" r:id="rId26">
               <p14:nvContentPartPr>
                 <p14:cNvPr id="122" name="Freihand 121">
@@ -11436,7 +11445,7 @@
               </p14:xfrm>
             </p:contentPart>
           </mc:Choice>
-          <mc:Fallback>
+          <mc:Fallback xmlns="">
             <p:pic>
               <p:nvPicPr>
                 <p:cNvPr id="122" name="Freihand 121">
@@ -11467,8 +11476,8 @@
             </p:pic>
           </mc:Fallback>
         </mc:AlternateContent>
-        <mc:AlternateContent xmlns:mc="http://schemas.openxmlformats.org/markup-compatibility/2006">
-          <mc:Choice xmlns:p14="http://schemas.microsoft.com/office/powerpoint/2010/main" Requires="p14">
+        <mc:AlternateContent xmlns:mc="http://schemas.openxmlformats.org/markup-compatibility/2006" xmlns:p14="http://schemas.microsoft.com/office/powerpoint/2010/main">
+          <mc:Choice Requires="p14">
             <p:contentPart p14:bwMode="auto" r:id="rId28">
               <p14:nvContentPartPr>
                 <p14:cNvPr id="123" name="Freihand 122">
@@ -11487,7 +11496,7 @@
               </p14:xfrm>
             </p:contentPart>
           </mc:Choice>
-          <mc:Fallback>
+          <mc:Fallback xmlns="">
             <p:pic>
               <p:nvPicPr>
                 <p:cNvPr id="123" name="Freihand 122">
@@ -11518,8 +11527,8 @@
             </p:pic>
           </mc:Fallback>
         </mc:AlternateContent>
-        <mc:AlternateContent xmlns:mc="http://schemas.openxmlformats.org/markup-compatibility/2006">
-          <mc:Choice xmlns:p14="http://schemas.microsoft.com/office/powerpoint/2010/main" Requires="p14">
+        <mc:AlternateContent xmlns:mc="http://schemas.openxmlformats.org/markup-compatibility/2006" xmlns:p14="http://schemas.microsoft.com/office/powerpoint/2010/main">
+          <mc:Choice Requires="p14">
             <p:contentPart p14:bwMode="auto" r:id="rId30">
               <p14:nvContentPartPr>
                 <p14:cNvPr id="124" name="Freihand 123">
@@ -11538,7 +11547,7 @@
               </p14:xfrm>
             </p:contentPart>
           </mc:Choice>
-          <mc:Fallback>
+          <mc:Fallback xmlns="">
             <p:pic>
               <p:nvPicPr>
                 <p:cNvPr id="124" name="Freihand 123">
@@ -11569,8 +11578,8 @@
             </p:pic>
           </mc:Fallback>
         </mc:AlternateContent>
-        <mc:AlternateContent xmlns:mc="http://schemas.openxmlformats.org/markup-compatibility/2006">
-          <mc:Choice xmlns:p14="http://schemas.microsoft.com/office/powerpoint/2010/main" Requires="p14">
+        <mc:AlternateContent xmlns:mc="http://schemas.openxmlformats.org/markup-compatibility/2006" xmlns:p14="http://schemas.microsoft.com/office/powerpoint/2010/main">
+          <mc:Choice Requires="p14">
             <p:contentPart p14:bwMode="auto" r:id="rId32">
               <p14:nvContentPartPr>
                 <p14:cNvPr id="126" name="Freihand 125">
@@ -11589,7 +11598,7 @@
               </p14:xfrm>
             </p:contentPart>
           </mc:Choice>
-          <mc:Fallback>
+          <mc:Fallback xmlns="">
             <p:pic>
               <p:nvPicPr>
                 <p:cNvPr id="126" name="Freihand 125">
@@ -11620,8 +11629,8 @@
             </p:pic>
           </mc:Fallback>
         </mc:AlternateContent>
-        <mc:AlternateContent xmlns:mc="http://schemas.openxmlformats.org/markup-compatibility/2006">
-          <mc:Choice xmlns:p14="http://schemas.microsoft.com/office/powerpoint/2010/main" Requires="p14">
+        <mc:AlternateContent xmlns:mc="http://schemas.openxmlformats.org/markup-compatibility/2006" xmlns:p14="http://schemas.microsoft.com/office/powerpoint/2010/main">
+          <mc:Choice Requires="p14">
             <p:contentPart p14:bwMode="auto" r:id="rId34">
               <p14:nvContentPartPr>
                 <p14:cNvPr id="127" name="Freihand 126">
@@ -11640,7 +11649,7 @@
               </p14:xfrm>
             </p:contentPart>
           </mc:Choice>
-          <mc:Fallback>
+          <mc:Fallback xmlns="">
             <p:pic>
               <p:nvPicPr>
                 <p:cNvPr id="127" name="Freihand 126">
@@ -11671,8 +11680,8 @@
             </p:pic>
           </mc:Fallback>
         </mc:AlternateContent>
-        <mc:AlternateContent xmlns:mc="http://schemas.openxmlformats.org/markup-compatibility/2006">
-          <mc:Choice xmlns:p14="http://schemas.microsoft.com/office/powerpoint/2010/main" Requires="p14">
+        <mc:AlternateContent xmlns:mc="http://schemas.openxmlformats.org/markup-compatibility/2006" xmlns:p14="http://schemas.microsoft.com/office/powerpoint/2010/main">
+          <mc:Choice Requires="p14">
             <p:contentPart p14:bwMode="auto" r:id="rId36">
               <p14:nvContentPartPr>
                 <p14:cNvPr id="128" name="Freihand 127">
@@ -11691,7 +11700,7 @@
               </p14:xfrm>
             </p:contentPart>
           </mc:Choice>
-          <mc:Fallback>
+          <mc:Fallback xmlns="">
             <p:pic>
               <p:nvPicPr>
                 <p:cNvPr id="128" name="Freihand 127">
@@ -11722,8 +11731,8 @@
             </p:pic>
           </mc:Fallback>
         </mc:AlternateContent>
-        <mc:AlternateContent xmlns:mc="http://schemas.openxmlformats.org/markup-compatibility/2006">
-          <mc:Choice xmlns:p14="http://schemas.microsoft.com/office/powerpoint/2010/main" Requires="p14">
+        <mc:AlternateContent xmlns:mc="http://schemas.openxmlformats.org/markup-compatibility/2006" xmlns:p14="http://schemas.microsoft.com/office/powerpoint/2010/main">
+          <mc:Choice Requires="p14">
             <p:contentPart p14:bwMode="auto" r:id="rId38">
               <p14:nvContentPartPr>
                 <p14:cNvPr id="140" name="Freihand 139">
@@ -11742,7 +11751,7 @@
               </p14:xfrm>
             </p:contentPart>
           </mc:Choice>
-          <mc:Fallback>
+          <mc:Fallback xmlns="">
             <p:pic>
               <p:nvPicPr>
                 <p:cNvPr id="140" name="Freihand 139">
@@ -11773,8 +11782,8 @@
             </p:pic>
           </mc:Fallback>
         </mc:AlternateContent>
-        <mc:AlternateContent xmlns:mc="http://schemas.openxmlformats.org/markup-compatibility/2006">
-          <mc:Choice xmlns:p14="http://schemas.microsoft.com/office/powerpoint/2010/main" Requires="p14">
+        <mc:AlternateContent xmlns:mc="http://schemas.openxmlformats.org/markup-compatibility/2006" xmlns:p14="http://schemas.microsoft.com/office/powerpoint/2010/main">
+          <mc:Choice Requires="p14">
             <p:contentPart p14:bwMode="auto" r:id="rId40">
               <p14:nvContentPartPr>
                 <p14:cNvPr id="141" name="Freihand 140">
@@ -11793,7 +11802,7 @@
               </p14:xfrm>
             </p:contentPart>
           </mc:Choice>
-          <mc:Fallback>
+          <mc:Fallback xmlns="">
             <p:pic>
               <p:nvPicPr>
                 <p:cNvPr id="141" name="Freihand 140">
@@ -11824,8 +11833,8 @@
             </p:pic>
           </mc:Fallback>
         </mc:AlternateContent>
-        <mc:AlternateContent xmlns:mc="http://schemas.openxmlformats.org/markup-compatibility/2006">
-          <mc:Choice xmlns:p14="http://schemas.microsoft.com/office/powerpoint/2010/main" Requires="p14">
+        <mc:AlternateContent xmlns:mc="http://schemas.openxmlformats.org/markup-compatibility/2006" xmlns:p14="http://schemas.microsoft.com/office/powerpoint/2010/main">
+          <mc:Choice Requires="p14">
             <p:contentPart p14:bwMode="auto" r:id="rId42">
               <p14:nvContentPartPr>
                 <p14:cNvPr id="142" name="Freihand 141">
@@ -11844,7 +11853,7 @@
               </p14:xfrm>
             </p:contentPart>
           </mc:Choice>
-          <mc:Fallback>
+          <mc:Fallback xmlns="">
             <p:pic>
               <p:nvPicPr>
                 <p:cNvPr id="142" name="Freihand 141">
@@ -11875,8 +11884,8 @@
             </p:pic>
           </mc:Fallback>
         </mc:AlternateContent>
-        <mc:AlternateContent xmlns:mc="http://schemas.openxmlformats.org/markup-compatibility/2006">
-          <mc:Choice xmlns:p14="http://schemas.microsoft.com/office/powerpoint/2010/main" Requires="p14">
+        <mc:AlternateContent xmlns:mc="http://schemas.openxmlformats.org/markup-compatibility/2006" xmlns:p14="http://schemas.microsoft.com/office/powerpoint/2010/main">
+          <mc:Choice Requires="p14">
             <p:contentPart p14:bwMode="auto" r:id="rId44">
               <p14:nvContentPartPr>
                 <p14:cNvPr id="144" name="Freihand 143">
@@ -11895,7 +11904,7 @@
               </p14:xfrm>
             </p:contentPart>
           </mc:Choice>
-          <mc:Fallback>
+          <mc:Fallback xmlns="">
             <p:pic>
               <p:nvPicPr>
                 <p:cNvPr id="144" name="Freihand 143">
@@ -11926,8 +11935,8 @@
             </p:pic>
           </mc:Fallback>
         </mc:AlternateContent>
-        <mc:AlternateContent xmlns:mc="http://schemas.openxmlformats.org/markup-compatibility/2006">
-          <mc:Choice xmlns:p14="http://schemas.microsoft.com/office/powerpoint/2010/main" Requires="p14">
+        <mc:AlternateContent xmlns:mc="http://schemas.openxmlformats.org/markup-compatibility/2006" xmlns:p14="http://schemas.microsoft.com/office/powerpoint/2010/main">
+          <mc:Choice Requires="p14">
             <p:contentPart p14:bwMode="auto" r:id="rId46">
               <p14:nvContentPartPr>
                 <p14:cNvPr id="145" name="Freihand 144">
@@ -11946,7 +11955,7 @@
               </p14:xfrm>
             </p:contentPart>
           </mc:Choice>
-          <mc:Fallback>
+          <mc:Fallback xmlns="">
             <p:pic>
               <p:nvPicPr>
                 <p:cNvPr id="145" name="Freihand 144">
@@ -11977,8 +11986,8 @@
             </p:pic>
           </mc:Fallback>
         </mc:AlternateContent>
-        <mc:AlternateContent xmlns:mc="http://schemas.openxmlformats.org/markup-compatibility/2006">
-          <mc:Choice xmlns:p14="http://schemas.microsoft.com/office/powerpoint/2010/main" Requires="p14">
+        <mc:AlternateContent xmlns:mc="http://schemas.openxmlformats.org/markup-compatibility/2006" xmlns:p14="http://schemas.microsoft.com/office/powerpoint/2010/main">
+          <mc:Choice Requires="p14">
             <p:contentPart p14:bwMode="auto" r:id="rId48">
               <p14:nvContentPartPr>
                 <p14:cNvPr id="147" name="Freihand 146">
@@ -11997,7 +12006,7 @@
               </p14:xfrm>
             </p:contentPart>
           </mc:Choice>
-          <mc:Fallback>
+          <mc:Fallback xmlns="">
             <p:pic>
               <p:nvPicPr>
                 <p:cNvPr id="147" name="Freihand 146">
@@ -12028,8 +12037,8 @@
             </p:pic>
           </mc:Fallback>
         </mc:AlternateContent>
-        <mc:AlternateContent xmlns:mc="http://schemas.openxmlformats.org/markup-compatibility/2006">
-          <mc:Choice xmlns:p14="http://schemas.microsoft.com/office/powerpoint/2010/main" Requires="p14">
+        <mc:AlternateContent xmlns:mc="http://schemas.openxmlformats.org/markup-compatibility/2006" xmlns:p14="http://schemas.microsoft.com/office/powerpoint/2010/main">
+          <mc:Choice Requires="p14">
             <p:contentPart p14:bwMode="auto" r:id="rId50">
               <p14:nvContentPartPr>
                 <p14:cNvPr id="148" name="Freihand 147">
@@ -12048,7 +12057,7 @@
               </p14:xfrm>
             </p:contentPart>
           </mc:Choice>
-          <mc:Fallback>
+          <mc:Fallback xmlns="">
             <p:pic>
               <p:nvPicPr>
                 <p:cNvPr id="148" name="Freihand 147">
@@ -12079,8 +12088,8 @@
             </p:pic>
           </mc:Fallback>
         </mc:AlternateContent>
-        <mc:AlternateContent xmlns:mc="http://schemas.openxmlformats.org/markup-compatibility/2006">
-          <mc:Choice xmlns:p14="http://schemas.microsoft.com/office/powerpoint/2010/main" Requires="p14">
+        <mc:AlternateContent xmlns:mc="http://schemas.openxmlformats.org/markup-compatibility/2006" xmlns:p14="http://schemas.microsoft.com/office/powerpoint/2010/main">
+          <mc:Choice Requires="p14">
             <p:contentPart p14:bwMode="auto" r:id="rId52">
               <p14:nvContentPartPr>
                 <p14:cNvPr id="149" name="Freihand 148">
@@ -12099,7 +12108,7 @@
               </p14:xfrm>
             </p:contentPart>
           </mc:Choice>
-          <mc:Fallback>
+          <mc:Fallback xmlns="">
             <p:pic>
               <p:nvPicPr>
                 <p:cNvPr id="149" name="Freihand 148">
@@ -12130,8 +12139,8 @@
             </p:pic>
           </mc:Fallback>
         </mc:AlternateContent>
-        <mc:AlternateContent xmlns:mc="http://schemas.openxmlformats.org/markup-compatibility/2006">
-          <mc:Choice xmlns:p14="http://schemas.microsoft.com/office/powerpoint/2010/main" Requires="p14">
+        <mc:AlternateContent xmlns:mc="http://schemas.openxmlformats.org/markup-compatibility/2006" xmlns:p14="http://schemas.microsoft.com/office/powerpoint/2010/main">
+          <mc:Choice Requires="p14">
             <p:contentPart p14:bwMode="auto" r:id="rId54">
               <p14:nvContentPartPr>
                 <p14:cNvPr id="150" name="Freihand 149">
@@ -12150,7 +12159,7 @@
               </p14:xfrm>
             </p:contentPart>
           </mc:Choice>
-          <mc:Fallback>
+          <mc:Fallback xmlns="">
             <p:pic>
               <p:nvPicPr>
                 <p:cNvPr id="150" name="Freihand 149">
@@ -12181,8 +12190,8 @@
             </p:pic>
           </mc:Fallback>
         </mc:AlternateContent>
-        <mc:AlternateContent xmlns:mc="http://schemas.openxmlformats.org/markup-compatibility/2006">
-          <mc:Choice xmlns:p14="http://schemas.microsoft.com/office/powerpoint/2010/main" Requires="p14">
+        <mc:AlternateContent xmlns:mc="http://schemas.openxmlformats.org/markup-compatibility/2006" xmlns:p14="http://schemas.microsoft.com/office/powerpoint/2010/main">
+          <mc:Choice Requires="p14">
             <p:contentPart p14:bwMode="auto" r:id="rId56">
               <p14:nvContentPartPr>
                 <p14:cNvPr id="151" name="Freihand 150">
@@ -12201,7 +12210,7 @@
               </p14:xfrm>
             </p:contentPart>
           </mc:Choice>
-          <mc:Fallback>
+          <mc:Fallback xmlns="">
             <p:pic>
               <p:nvPicPr>
                 <p:cNvPr id="151" name="Freihand 150">
@@ -12232,8 +12241,8 @@
             </p:pic>
           </mc:Fallback>
         </mc:AlternateContent>
-        <mc:AlternateContent xmlns:mc="http://schemas.openxmlformats.org/markup-compatibility/2006">
-          <mc:Choice xmlns:p14="http://schemas.microsoft.com/office/powerpoint/2010/main" Requires="p14">
+        <mc:AlternateContent xmlns:mc="http://schemas.openxmlformats.org/markup-compatibility/2006" xmlns:p14="http://schemas.microsoft.com/office/powerpoint/2010/main">
+          <mc:Choice Requires="p14">
             <p:contentPart p14:bwMode="auto" r:id="rId58">
               <p14:nvContentPartPr>
                 <p14:cNvPr id="153" name="Freihand 152">
@@ -12252,7 +12261,7 @@
               </p14:xfrm>
             </p:contentPart>
           </mc:Choice>
-          <mc:Fallback>
+          <mc:Fallback xmlns="">
             <p:pic>
               <p:nvPicPr>
                 <p:cNvPr id="153" name="Freihand 152">
@@ -12283,8 +12292,8 @@
             </p:pic>
           </mc:Fallback>
         </mc:AlternateContent>
-        <mc:AlternateContent xmlns:mc="http://schemas.openxmlformats.org/markup-compatibility/2006">
-          <mc:Choice xmlns:p14="http://schemas.microsoft.com/office/powerpoint/2010/main" Requires="p14">
+        <mc:AlternateContent xmlns:mc="http://schemas.openxmlformats.org/markup-compatibility/2006" xmlns:p14="http://schemas.microsoft.com/office/powerpoint/2010/main">
+          <mc:Choice Requires="p14">
             <p:contentPart p14:bwMode="auto" r:id="rId60">
               <p14:nvContentPartPr>
                 <p14:cNvPr id="154" name="Freihand 153">
@@ -12303,7 +12312,7 @@
               </p14:xfrm>
             </p:contentPart>
           </mc:Choice>
-          <mc:Fallback>
+          <mc:Fallback xmlns="">
             <p:pic>
               <p:nvPicPr>
                 <p:cNvPr id="154" name="Freihand 153">
@@ -12334,8 +12343,8 @@
             </p:pic>
           </mc:Fallback>
         </mc:AlternateContent>
-        <mc:AlternateContent xmlns:mc="http://schemas.openxmlformats.org/markup-compatibility/2006">
-          <mc:Choice xmlns:p14="http://schemas.microsoft.com/office/powerpoint/2010/main" Requires="p14">
+        <mc:AlternateContent xmlns:mc="http://schemas.openxmlformats.org/markup-compatibility/2006" xmlns:p14="http://schemas.microsoft.com/office/powerpoint/2010/main">
+          <mc:Choice Requires="p14">
             <p:contentPart p14:bwMode="auto" r:id="rId62">
               <p14:nvContentPartPr>
                 <p14:cNvPr id="4" name="Freihand 3">
@@ -12354,7 +12363,7 @@
               </p14:xfrm>
             </p:contentPart>
           </mc:Choice>
-          <mc:Fallback>
+          <mc:Fallback xmlns="">
             <p:pic>
               <p:nvPicPr>
                 <p:cNvPr id="4" name="Freihand 3">
@@ -12385,8 +12394,8 @@
             </p:pic>
           </mc:Fallback>
         </mc:AlternateContent>
-        <mc:AlternateContent xmlns:mc="http://schemas.openxmlformats.org/markup-compatibility/2006">
-          <mc:Choice xmlns:p14="http://schemas.microsoft.com/office/powerpoint/2010/main" Requires="p14">
+        <mc:AlternateContent xmlns:mc="http://schemas.openxmlformats.org/markup-compatibility/2006" xmlns:p14="http://schemas.microsoft.com/office/powerpoint/2010/main">
+          <mc:Choice Requires="p14">
             <p:contentPart p14:bwMode="auto" r:id="rId64">
               <p14:nvContentPartPr>
                 <p14:cNvPr id="5" name="Freihand 4">
@@ -12405,7 +12414,7 @@
               </p14:xfrm>
             </p:contentPart>
           </mc:Choice>
-          <mc:Fallback>
+          <mc:Fallback xmlns="">
             <p:pic>
               <p:nvPicPr>
                 <p:cNvPr id="5" name="Freihand 4">
@@ -12436,8 +12445,8 @@
             </p:pic>
           </mc:Fallback>
         </mc:AlternateContent>
-        <mc:AlternateContent xmlns:mc="http://schemas.openxmlformats.org/markup-compatibility/2006">
-          <mc:Choice xmlns:p14="http://schemas.microsoft.com/office/powerpoint/2010/main" Requires="p14">
+        <mc:AlternateContent xmlns:mc="http://schemas.openxmlformats.org/markup-compatibility/2006" xmlns:p14="http://schemas.microsoft.com/office/powerpoint/2010/main">
+          <mc:Choice Requires="p14">
             <p:contentPart p14:bwMode="auto" r:id="rId66">
               <p14:nvContentPartPr>
                 <p14:cNvPr id="7" name="Freihand 6">
@@ -12456,7 +12465,7 @@
               </p14:xfrm>
             </p:contentPart>
           </mc:Choice>
-          <mc:Fallback>
+          <mc:Fallback xmlns="">
             <p:pic>
               <p:nvPicPr>
                 <p:cNvPr id="7" name="Freihand 6">
@@ -12487,8 +12496,8 @@
             </p:pic>
           </mc:Fallback>
         </mc:AlternateContent>
-        <mc:AlternateContent xmlns:mc="http://schemas.openxmlformats.org/markup-compatibility/2006">
-          <mc:Choice xmlns:p14="http://schemas.microsoft.com/office/powerpoint/2010/main" Requires="p14">
+        <mc:AlternateContent xmlns:mc="http://schemas.openxmlformats.org/markup-compatibility/2006" xmlns:p14="http://schemas.microsoft.com/office/powerpoint/2010/main">
+          <mc:Choice Requires="p14">
             <p:contentPart p14:bwMode="auto" r:id="rId68">
               <p14:nvContentPartPr>
                 <p14:cNvPr id="12" name="Freihand 11">
@@ -12507,7 +12516,7 @@
               </p14:xfrm>
             </p:contentPart>
           </mc:Choice>
-          <mc:Fallback>
+          <mc:Fallback xmlns="">
             <p:pic>
               <p:nvPicPr>
                 <p:cNvPr id="12" name="Freihand 11">
@@ -12538,8 +12547,8 @@
             </p:pic>
           </mc:Fallback>
         </mc:AlternateContent>
-        <mc:AlternateContent xmlns:mc="http://schemas.openxmlformats.org/markup-compatibility/2006">
-          <mc:Choice xmlns:p14="http://schemas.microsoft.com/office/powerpoint/2010/main" Requires="p14">
+        <mc:AlternateContent xmlns:mc="http://schemas.openxmlformats.org/markup-compatibility/2006" xmlns:p14="http://schemas.microsoft.com/office/powerpoint/2010/main">
+          <mc:Choice Requires="p14">
             <p:contentPart p14:bwMode="auto" r:id="rId70">
               <p14:nvContentPartPr>
                 <p14:cNvPr id="13" name="Freihand 12">
@@ -12558,7 +12567,7 @@
               </p14:xfrm>
             </p:contentPart>
           </mc:Choice>
-          <mc:Fallback>
+          <mc:Fallback xmlns="">
             <p:pic>
               <p:nvPicPr>
                 <p:cNvPr id="13" name="Freihand 12">
@@ -12589,8 +12598,8 @@
             </p:pic>
           </mc:Fallback>
         </mc:AlternateContent>
-        <mc:AlternateContent xmlns:mc="http://schemas.openxmlformats.org/markup-compatibility/2006">
-          <mc:Choice xmlns:p14="http://schemas.microsoft.com/office/powerpoint/2010/main" Requires="p14">
+        <mc:AlternateContent xmlns:mc="http://schemas.openxmlformats.org/markup-compatibility/2006" xmlns:p14="http://schemas.microsoft.com/office/powerpoint/2010/main">
+          <mc:Choice Requires="p14">
             <p:contentPart p14:bwMode="auto" r:id="rId72">
               <p14:nvContentPartPr>
                 <p14:cNvPr id="18" name="Freihand 17">
@@ -12609,7 +12618,7 @@
               </p14:xfrm>
             </p:contentPart>
           </mc:Choice>
-          <mc:Fallback>
+          <mc:Fallback xmlns="">
             <p:pic>
               <p:nvPicPr>
                 <p:cNvPr id="18" name="Freihand 17">
@@ -12640,8 +12649,8 @@
             </p:pic>
           </mc:Fallback>
         </mc:AlternateContent>
-        <mc:AlternateContent xmlns:mc="http://schemas.openxmlformats.org/markup-compatibility/2006">
-          <mc:Choice xmlns:p14="http://schemas.microsoft.com/office/powerpoint/2010/main" Requires="p14">
+        <mc:AlternateContent xmlns:mc="http://schemas.openxmlformats.org/markup-compatibility/2006" xmlns:p14="http://schemas.microsoft.com/office/powerpoint/2010/main">
+          <mc:Choice Requires="p14">
             <p:contentPart p14:bwMode="auto" r:id="rId74">
               <p14:nvContentPartPr>
                 <p14:cNvPr id="19" name="Freihand 18">
@@ -12660,7 +12669,7 @@
               </p14:xfrm>
             </p:contentPart>
           </mc:Choice>
-          <mc:Fallback>
+          <mc:Fallback xmlns="">
             <p:pic>
               <p:nvPicPr>
                 <p:cNvPr id="19" name="Freihand 18">
@@ -12691,8 +12700,8 @@
             </p:pic>
           </mc:Fallback>
         </mc:AlternateContent>
-        <mc:AlternateContent xmlns:mc="http://schemas.openxmlformats.org/markup-compatibility/2006">
-          <mc:Choice xmlns:p14="http://schemas.microsoft.com/office/powerpoint/2010/main" Requires="p14">
+        <mc:AlternateContent xmlns:mc="http://schemas.openxmlformats.org/markup-compatibility/2006" xmlns:p14="http://schemas.microsoft.com/office/powerpoint/2010/main">
+          <mc:Choice Requires="p14">
             <p:contentPart p14:bwMode="auto" r:id="rId76">
               <p14:nvContentPartPr>
                 <p14:cNvPr id="20" name="Freihand 19">
@@ -12711,7 +12720,7 @@
               </p14:xfrm>
             </p:contentPart>
           </mc:Choice>
-          <mc:Fallback>
+          <mc:Fallback xmlns="">
             <p:pic>
               <p:nvPicPr>
                 <p:cNvPr id="20" name="Freihand 19">
@@ -12742,8 +12751,8 @@
             </p:pic>
           </mc:Fallback>
         </mc:AlternateContent>
-        <mc:AlternateContent xmlns:mc="http://schemas.openxmlformats.org/markup-compatibility/2006">
-          <mc:Choice xmlns:p14="http://schemas.microsoft.com/office/powerpoint/2010/main" Requires="p14">
+        <mc:AlternateContent xmlns:mc="http://schemas.openxmlformats.org/markup-compatibility/2006" xmlns:p14="http://schemas.microsoft.com/office/powerpoint/2010/main">
+          <mc:Choice Requires="p14">
             <p:contentPart p14:bwMode="auto" r:id="rId78">
               <p14:nvContentPartPr>
                 <p14:cNvPr id="21" name="Freihand 20">
@@ -12762,7 +12771,7 @@
               </p14:xfrm>
             </p:contentPart>
           </mc:Choice>
-          <mc:Fallback>
+          <mc:Fallback xmlns="">
             <p:pic>
               <p:nvPicPr>
                 <p:cNvPr id="21" name="Freihand 20">
@@ -12793,8 +12802,8 @@
             </p:pic>
           </mc:Fallback>
         </mc:AlternateContent>
-        <mc:AlternateContent xmlns:mc="http://schemas.openxmlformats.org/markup-compatibility/2006">
-          <mc:Choice xmlns:p14="http://schemas.microsoft.com/office/powerpoint/2010/main" Requires="p14">
+        <mc:AlternateContent xmlns:mc="http://schemas.openxmlformats.org/markup-compatibility/2006" xmlns:p14="http://schemas.microsoft.com/office/powerpoint/2010/main">
+          <mc:Choice Requires="p14">
             <p:contentPart p14:bwMode="auto" r:id="rId80">
               <p14:nvContentPartPr>
                 <p14:cNvPr id="23" name="Freihand 22">
@@ -12813,7 +12822,7 @@
               </p14:xfrm>
             </p:contentPart>
           </mc:Choice>
-          <mc:Fallback>
+          <mc:Fallback xmlns="">
             <p:pic>
               <p:nvPicPr>
                 <p:cNvPr id="23" name="Freihand 22">
@@ -12844,8 +12853,8 @@
             </p:pic>
           </mc:Fallback>
         </mc:AlternateContent>
-        <mc:AlternateContent xmlns:mc="http://schemas.openxmlformats.org/markup-compatibility/2006">
-          <mc:Choice xmlns:p14="http://schemas.microsoft.com/office/powerpoint/2010/main" Requires="p14">
+        <mc:AlternateContent xmlns:mc="http://schemas.openxmlformats.org/markup-compatibility/2006" xmlns:p14="http://schemas.microsoft.com/office/powerpoint/2010/main">
+          <mc:Choice Requires="p14">
             <p:contentPart p14:bwMode="auto" r:id="rId82">
               <p14:nvContentPartPr>
                 <p14:cNvPr id="24" name="Freihand 23">
@@ -12864,7 +12873,7 @@
               </p14:xfrm>
             </p:contentPart>
           </mc:Choice>
-          <mc:Fallback>
+          <mc:Fallback xmlns="">
             <p:pic>
               <p:nvPicPr>
                 <p:cNvPr id="24" name="Freihand 23">
@@ -12895,8 +12904,8 @@
             </p:pic>
           </mc:Fallback>
         </mc:AlternateContent>
-        <mc:AlternateContent xmlns:mc="http://schemas.openxmlformats.org/markup-compatibility/2006">
-          <mc:Choice xmlns:p14="http://schemas.microsoft.com/office/powerpoint/2010/main" Requires="p14">
+        <mc:AlternateContent xmlns:mc="http://schemas.openxmlformats.org/markup-compatibility/2006" xmlns:p14="http://schemas.microsoft.com/office/powerpoint/2010/main">
+          <mc:Choice Requires="p14">
             <p:contentPart p14:bwMode="auto" r:id="rId84">
               <p14:nvContentPartPr>
                 <p14:cNvPr id="27" name="Freihand 26">
@@ -12915,7 +12924,7 @@
               </p14:xfrm>
             </p:contentPart>
           </mc:Choice>
-          <mc:Fallback>
+          <mc:Fallback xmlns="">
             <p:pic>
               <p:nvPicPr>
                 <p:cNvPr id="27" name="Freihand 26">
@@ -12946,8 +12955,8 @@
             </p:pic>
           </mc:Fallback>
         </mc:AlternateContent>
-        <mc:AlternateContent xmlns:mc="http://schemas.openxmlformats.org/markup-compatibility/2006">
-          <mc:Choice xmlns:p14="http://schemas.microsoft.com/office/powerpoint/2010/main" Requires="p14">
+        <mc:AlternateContent xmlns:mc="http://schemas.openxmlformats.org/markup-compatibility/2006" xmlns:p14="http://schemas.microsoft.com/office/powerpoint/2010/main">
+          <mc:Choice Requires="p14">
             <p:contentPart p14:bwMode="auto" r:id="rId86">
               <p14:nvContentPartPr>
                 <p14:cNvPr id="28" name="Freihand 27">
@@ -12966,7 +12975,7 @@
               </p14:xfrm>
             </p:contentPart>
           </mc:Choice>
-          <mc:Fallback>
+          <mc:Fallback xmlns="">
             <p:pic>
               <p:nvPicPr>
                 <p:cNvPr id="28" name="Freihand 27">
@@ -12997,8 +13006,8 @@
             </p:pic>
           </mc:Fallback>
         </mc:AlternateContent>
-        <mc:AlternateContent xmlns:mc="http://schemas.openxmlformats.org/markup-compatibility/2006">
-          <mc:Choice xmlns:p14="http://schemas.microsoft.com/office/powerpoint/2010/main" Requires="p14">
+        <mc:AlternateContent xmlns:mc="http://schemas.openxmlformats.org/markup-compatibility/2006" xmlns:p14="http://schemas.microsoft.com/office/powerpoint/2010/main">
+          <mc:Choice Requires="p14">
             <p:contentPart p14:bwMode="auto" r:id="rId88">
               <p14:nvContentPartPr>
                 <p14:cNvPr id="29" name="Freihand 28">
@@ -13017,7 +13026,7 @@
               </p14:xfrm>
             </p:contentPart>
           </mc:Choice>
-          <mc:Fallback>
+          <mc:Fallback xmlns="">
             <p:pic>
               <p:nvPicPr>
                 <p:cNvPr id="29" name="Freihand 28">
@@ -13048,8 +13057,8 @@
             </p:pic>
           </mc:Fallback>
         </mc:AlternateContent>
-        <mc:AlternateContent xmlns:mc="http://schemas.openxmlformats.org/markup-compatibility/2006">
-          <mc:Choice xmlns:p14="http://schemas.microsoft.com/office/powerpoint/2010/main" Requires="p14">
+        <mc:AlternateContent xmlns:mc="http://schemas.openxmlformats.org/markup-compatibility/2006" xmlns:p14="http://schemas.microsoft.com/office/powerpoint/2010/main">
+          <mc:Choice Requires="p14">
             <p:contentPart p14:bwMode="auto" r:id="rId90">
               <p14:nvContentPartPr>
                 <p14:cNvPr id="30" name="Freihand 29">
@@ -13068,7 +13077,7 @@
               </p14:xfrm>
             </p:contentPart>
           </mc:Choice>
-          <mc:Fallback>
+          <mc:Fallback xmlns="">
             <p:pic>
               <p:nvPicPr>
                 <p:cNvPr id="30" name="Freihand 29">
@@ -13099,8 +13108,8 @@
             </p:pic>
           </mc:Fallback>
         </mc:AlternateContent>
-        <mc:AlternateContent xmlns:mc="http://schemas.openxmlformats.org/markup-compatibility/2006">
-          <mc:Choice xmlns:p14="http://schemas.microsoft.com/office/powerpoint/2010/main" Requires="p14">
+        <mc:AlternateContent xmlns:mc="http://schemas.openxmlformats.org/markup-compatibility/2006" xmlns:p14="http://schemas.microsoft.com/office/powerpoint/2010/main">
+          <mc:Choice Requires="p14">
             <p:contentPart p14:bwMode="auto" r:id="rId92">
               <p14:nvContentPartPr>
                 <p14:cNvPr id="31" name="Freihand 30">
@@ -13119,7 +13128,7 @@
               </p14:xfrm>
             </p:contentPart>
           </mc:Choice>
-          <mc:Fallback>
+          <mc:Fallback xmlns="">
             <p:pic>
               <p:nvPicPr>
                 <p:cNvPr id="31" name="Freihand 30">
@@ -13150,8 +13159,8 @@
             </p:pic>
           </mc:Fallback>
         </mc:AlternateContent>
-        <mc:AlternateContent xmlns:mc="http://schemas.openxmlformats.org/markup-compatibility/2006">
-          <mc:Choice xmlns:p14="http://schemas.microsoft.com/office/powerpoint/2010/main" Requires="p14">
+        <mc:AlternateContent xmlns:mc="http://schemas.openxmlformats.org/markup-compatibility/2006" xmlns:p14="http://schemas.microsoft.com/office/powerpoint/2010/main">
+          <mc:Choice Requires="p14">
             <p:contentPart p14:bwMode="auto" r:id="rId94">
               <p14:nvContentPartPr>
                 <p14:cNvPr id="32" name="Freihand 31">
@@ -13170,7 +13179,7 @@
               </p14:xfrm>
             </p:contentPart>
           </mc:Choice>
-          <mc:Fallback>
+          <mc:Fallback xmlns="">
             <p:pic>
               <p:nvPicPr>
                 <p:cNvPr id="32" name="Freihand 31">
@@ -13201,8 +13210,8 @@
             </p:pic>
           </mc:Fallback>
         </mc:AlternateContent>
-        <mc:AlternateContent xmlns:mc="http://schemas.openxmlformats.org/markup-compatibility/2006">
-          <mc:Choice xmlns:p14="http://schemas.microsoft.com/office/powerpoint/2010/main" Requires="p14">
+        <mc:AlternateContent xmlns:mc="http://schemas.openxmlformats.org/markup-compatibility/2006" xmlns:p14="http://schemas.microsoft.com/office/powerpoint/2010/main">
+          <mc:Choice Requires="p14">
             <p:contentPart p14:bwMode="auto" r:id="rId96">
               <p14:nvContentPartPr>
                 <p14:cNvPr id="33" name="Freihand 32">
@@ -13221,7 +13230,7 @@
               </p14:xfrm>
             </p:contentPart>
           </mc:Choice>
-          <mc:Fallback>
+          <mc:Fallback xmlns="">
             <p:pic>
               <p:nvPicPr>
                 <p:cNvPr id="33" name="Freihand 32">
@@ -13252,8 +13261,8 @@
             </p:pic>
           </mc:Fallback>
         </mc:AlternateContent>
-        <mc:AlternateContent xmlns:mc="http://schemas.openxmlformats.org/markup-compatibility/2006">
-          <mc:Choice xmlns:p14="http://schemas.microsoft.com/office/powerpoint/2010/main" Requires="p14">
+        <mc:AlternateContent xmlns:mc="http://schemas.openxmlformats.org/markup-compatibility/2006" xmlns:p14="http://schemas.microsoft.com/office/powerpoint/2010/main">
+          <mc:Choice Requires="p14">
             <p:contentPart p14:bwMode="auto" r:id="rId98">
               <p14:nvContentPartPr>
                 <p14:cNvPr id="34" name="Freihand 33">
@@ -13272,7 +13281,7 @@
               </p14:xfrm>
             </p:contentPart>
           </mc:Choice>
-          <mc:Fallback>
+          <mc:Fallback xmlns="">
             <p:pic>
               <p:nvPicPr>
                 <p:cNvPr id="34" name="Freihand 33">
@@ -13303,8 +13312,8 @@
             </p:pic>
           </mc:Fallback>
         </mc:AlternateContent>
-        <mc:AlternateContent xmlns:mc="http://schemas.openxmlformats.org/markup-compatibility/2006">
-          <mc:Choice xmlns:p14="http://schemas.microsoft.com/office/powerpoint/2010/main" Requires="p14">
+        <mc:AlternateContent xmlns:mc="http://schemas.openxmlformats.org/markup-compatibility/2006" xmlns:p14="http://schemas.microsoft.com/office/powerpoint/2010/main">
+          <mc:Choice Requires="p14">
             <p:contentPart p14:bwMode="auto" r:id="rId100">
               <p14:nvContentPartPr>
                 <p14:cNvPr id="35" name="Freihand 34">
@@ -13323,7 +13332,7 @@
               </p14:xfrm>
             </p:contentPart>
           </mc:Choice>
-          <mc:Fallback>
+          <mc:Fallback xmlns="">
             <p:pic>
               <p:nvPicPr>
                 <p:cNvPr id="35" name="Freihand 34">
@@ -13354,8 +13363,8 @@
             </p:pic>
           </mc:Fallback>
         </mc:AlternateContent>
-        <mc:AlternateContent xmlns:mc="http://schemas.openxmlformats.org/markup-compatibility/2006">
-          <mc:Choice xmlns:p14="http://schemas.microsoft.com/office/powerpoint/2010/main" Requires="p14">
+        <mc:AlternateContent xmlns:mc="http://schemas.openxmlformats.org/markup-compatibility/2006" xmlns:p14="http://schemas.microsoft.com/office/powerpoint/2010/main">
+          <mc:Choice Requires="p14">
             <p:contentPart p14:bwMode="auto" r:id="rId102">
               <p14:nvContentPartPr>
                 <p14:cNvPr id="36" name="Freihand 35">
@@ -13374,7 +13383,7 @@
               </p14:xfrm>
             </p:contentPart>
           </mc:Choice>
-          <mc:Fallback>
+          <mc:Fallback xmlns="">
             <p:pic>
               <p:nvPicPr>
                 <p:cNvPr id="36" name="Freihand 35">
@@ -13405,8 +13414,8 @@
             </p:pic>
           </mc:Fallback>
         </mc:AlternateContent>
-        <mc:AlternateContent xmlns:mc="http://schemas.openxmlformats.org/markup-compatibility/2006">
-          <mc:Choice xmlns:p14="http://schemas.microsoft.com/office/powerpoint/2010/main" Requires="p14">
+        <mc:AlternateContent xmlns:mc="http://schemas.openxmlformats.org/markup-compatibility/2006" xmlns:p14="http://schemas.microsoft.com/office/powerpoint/2010/main">
+          <mc:Choice Requires="p14">
             <p:contentPart p14:bwMode="auto" r:id="rId104">
               <p14:nvContentPartPr>
                 <p14:cNvPr id="44" name="Freihand 43">
@@ -13425,7 +13434,7 @@
               </p14:xfrm>
             </p:contentPart>
           </mc:Choice>
-          <mc:Fallback>
+          <mc:Fallback xmlns="">
             <p:pic>
               <p:nvPicPr>
                 <p:cNvPr id="44" name="Freihand 43">
@@ -13456,8 +13465,8 @@
             </p:pic>
           </mc:Fallback>
         </mc:AlternateContent>
-        <mc:AlternateContent xmlns:mc="http://schemas.openxmlformats.org/markup-compatibility/2006">
-          <mc:Choice xmlns:p14="http://schemas.microsoft.com/office/powerpoint/2010/main" Requires="p14">
+        <mc:AlternateContent xmlns:mc="http://schemas.openxmlformats.org/markup-compatibility/2006" xmlns:p14="http://schemas.microsoft.com/office/powerpoint/2010/main">
+          <mc:Choice Requires="p14">
             <p:contentPart p14:bwMode="auto" r:id="rId106">
               <p14:nvContentPartPr>
                 <p14:cNvPr id="45" name="Freihand 44">
@@ -13476,7 +13485,7 @@
               </p14:xfrm>
             </p:contentPart>
           </mc:Choice>
-          <mc:Fallback>
+          <mc:Fallback xmlns="">
             <p:pic>
               <p:nvPicPr>
                 <p:cNvPr id="45" name="Freihand 44">
@@ -13507,8 +13516,8 @@
             </p:pic>
           </mc:Fallback>
         </mc:AlternateContent>
-        <mc:AlternateContent xmlns:mc="http://schemas.openxmlformats.org/markup-compatibility/2006">
-          <mc:Choice xmlns:p14="http://schemas.microsoft.com/office/powerpoint/2010/main" Requires="p14">
+        <mc:AlternateContent xmlns:mc="http://schemas.openxmlformats.org/markup-compatibility/2006" xmlns:p14="http://schemas.microsoft.com/office/powerpoint/2010/main">
+          <mc:Choice Requires="p14">
             <p:contentPart p14:bwMode="auto" r:id="rId108">
               <p14:nvContentPartPr>
                 <p14:cNvPr id="46" name="Freihand 45">
@@ -13527,7 +13536,7 @@
               </p14:xfrm>
             </p:contentPart>
           </mc:Choice>
-          <mc:Fallback>
+          <mc:Fallback xmlns="">
             <p:pic>
               <p:nvPicPr>
                 <p:cNvPr id="46" name="Freihand 45">
@@ -13558,8 +13567,8 @@
             </p:pic>
           </mc:Fallback>
         </mc:AlternateContent>
-        <mc:AlternateContent xmlns:mc="http://schemas.openxmlformats.org/markup-compatibility/2006">
-          <mc:Choice xmlns:p14="http://schemas.microsoft.com/office/powerpoint/2010/main" Requires="p14">
+        <mc:AlternateContent xmlns:mc="http://schemas.openxmlformats.org/markup-compatibility/2006" xmlns:p14="http://schemas.microsoft.com/office/powerpoint/2010/main">
+          <mc:Choice Requires="p14">
             <p:contentPart p14:bwMode="auto" r:id="rId110">
               <p14:nvContentPartPr>
                 <p14:cNvPr id="47" name="Freihand 46">
@@ -13578,7 +13587,7 @@
               </p14:xfrm>
             </p:contentPart>
           </mc:Choice>
-          <mc:Fallback>
+          <mc:Fallback xmlns="">
             <p:pic>
               <p:nvPicPr>
                 <p:cNvPr id="47" name="Freihand 46">
@@ -13609,8 +13618,8 @@
             </p:pic>
           </mc:Fallback>
         </mc:AlternateContent>
-        <mc:AlternateContent xmlns:mc="http://schemas.openxmlformats.org/markup-compatibility/2006">
-          <mc:Choice xmlns:p14="http://schemas.microsoft.com/office/powerpoint/2010/main" Requires="p14">
+        <mc:AlternateContent xmlns:mc="http://schemas.openxmlformats.org/markup-compatibility/2006" xmlns:p14="http://schemas.microsoft.com/office/powerpoint/2010/main">
+          <mc:Choice Requires="p14">
             <p:contentPart p14:bwMode="auto" r:id="rId112">
               <p14:nvContentPartPr>
                 <p14:cNvPr id="48" name="Freihand 47">
@@ -13629,7 +13638,7 @@
               </p14:xfrm>
             </p:contentPart>
           </mc:Choice>
-          <mc:Fallback>
+          <mc:Fallback xmlns="">
             <p:pic>
               <p:nvPicPr>
                 <p:cNvPr id="48" name="Freihand 47">
@@ -13660,8 +13669,8 @@
             </p:pic>
           </mc:Fallback>
         </mc:AlternateContent>
-        <mc:AlternateContent xmlns:mc="http://schemas.openxmlformats.org/markup-compatibility/2006">
-          <mc:Choice xmlns:p14="http://schemas.microsoft.com/office/powerpoint/2010/main" Requires="p14">
+        <mc:AlternateContent xmlns:mc="http://schemas.openxmlformats.org/markup-compatibility/2006" xmlns:p14="http://schemas.microsoft.com/office/powerpoint/2010/main">
+          <mc:Choice Requires="p14">
             <p:contentPart p14:bwMode="auto" r:id="rId114">
               <p14:nvContentPartPr>
                 <p14:cNvPr id="49" name="Freihand 48">
@@ -13680,7 +13689,7 @@
               </p14:xfrm>
             </p:contentPart>
           </mc:Choice>
-          <mc:Fallback>
+          <mc:Fallback xmlns="">
             <p:pic>
               <p:nvPicPr>
                 <p:cNvPr id="49" name="Freihand 48">
@@ -13711,8 +13720,8 @@
             </p:pic>
           </mc:Fallback>
         </mc:AlternateContent>
-        <mc:AlternateContent xmlns:mc="http://schemas.openxmlformats.org/markup-compatibility/2006">
-          <mc:Choice xmlns:p14="http://schemas.microsoft.com/office/powerpoint/2010/main" Requires="p14">
+        <mc:AlternateContent xmlns:mc="http://schemas.openxmlformats.org/markup-compatibility/2006" xmlns:p14="http://schemas.microsoft.com/office/powerpoint/2010/main">
+          <mc:Choice Requires="p14">
             <p:contentPart p14:bwMode="auto" r:id="rId116">
               <p14:nvContentPartPr>
                 <p14:cNvPr id="51" name="Freihand 50">
@@ -13731,7 +13740,7 @@
               </p14:xfrm>
             </p:contentPart>
           </mc:Choice>
-          <mc:Fallback>
+          <mc:Fallback xmlns="">
             <p:pic>
               <p:nvPicPr>
                 <p:cNvPr id="51" name="Freihand 50">
@@ -13762,8 +13771,8 @@
             </p:pic>
           </mc:Fallback>
         </mc:AlternateContent>
-        <mc:AlternateContent xmlns:mc="http://schemas.openxmlformats.org/markup-compatibility/2006">
-          <mc:Choice xmlns:p14="http://schemas.microsoft.com/office/powerpoint/2010/main" Requires="p14">
+        <mc:AlternateContent xmlns:mc="http://schemas.openxmlformats.org/markup-compatibility/2006" xmlns:p14="http://schemas.microsoft.com/office/powerpoint/2010/main">
+          <mc:Choice Requires="p14">
             <p:contentPart p14:bwMode="auto" r:id="rId118">
               <p14:nvContentPartPr>
                 <p14:cNvPr id="52" name="Freihand 51">
@@ -13782,7 +13791,7 @@
               </p14:xfrm>
             </p:contentPart>
           </mc:Choice>
-          <mc:Fallback>
+          <mc:Fallback xmlns="">
             <p:pic>
               <p:nvPicPr>
                 <p:cNvPr id="52" name="Freihand 51">
@@ -13813,8 +13822,8 @@
             </p:pic>
           </mc:Fallback>
         </mc:AlternateContent>
-        <mc:AlternateContent xmlns:mc="http://schemas.openxmlformats.org/markup-compatibility/2006">
-          <mc:Choice xmlns:p14="http://schemas.microsoft.com/office/powerpoint/2010/main" Requires="p14">
+        <mc:AlternateContent xmlns:mc="http://schemas.openxmlformats.org/markup-compatibility/2006" xmlns:p14="http://schemas.microsoft.com/office/powerpoint/2010/main">
+          <mc:Choice Requires="p14">
             <p:contentPart p14:bwMode="auto" r:id="rId120">
               <p14:nvContentPartPr>
                 <p14:cNvPr id="54" name="Freihand 53">
@@ -13833,7 +13842,7 @@
               </p14:xfrm>
             </p:contentPart>
           </mc:Choice>
-          <mc:Fallback>
+          <mc:Fallback xmlns="">
             <p:pic>
               <p:nvPicPr>
                 <p:cNvPr id="54" name="Freihand 53">
@@ -13864,8 +13873,8 @@
             </p:pic>
           </mc:Fallback>
         </mc:AlternateContent>
-        <mc:AlternateContent xmlns:mc="http://schemas.openxmlformats.org/markup-compatibility/2006">
-          <mc:Choice xmlns:p14="http://schemas.microsoft.com/office/powerpoint/2010/main" Requires="p14">
+        <mc:AlternateContent xmlns:mc="http://schemas.openxmlformats.org/markup-compatibility/2006" xmlns:p14="http://schemas.microsoft.com/office/powerpoint/2010/main">
+          <mc:Choice Requires="p14">
             <p:contentPart p14:bwMode="auto" r:id="rId122">
               <p14:nvContentPartPr>
                 <p14:cNvPr id="55" name="Freihand 54">
@@ -13884,7 +13893,7 @@
               </p14:xfrm>
             </p:contentPart>
           </mc:Choice>
-          <mc:Fallback>
+          <mc:Fallback xmlns="">
             <p:pic>
               <p:nvPicPr>
                 <p:cNvPr id="55" name="Freihand 54">
@@ -13915,8 +13924,8 @@
             </p:pic>
           </mc:Fallback>
         </mc:AlternateContent>
-        <mc:AlternateContent xmlns:mc="http://schemas.openxmlformats.org/markup-compatibility/2006">
-          <mc:Choice xmlns:p14="http://schemas.microsoft.com/office/powerpoint/2010/main" Requires="p14">
+        <mc:AlternateContent xmlns:mc="http://schemas.openxmlformats.org/markup-compatibility/2006" xmlns:p14="http://schemas.microsoft.com/office/powerpoint/2010/main">
+          <mc:Choice Requires="p14">
             <p:contentPart p14:bwMode="auto" r:id="rId124">
               <p14:nvContentPartPr>
                 <p14:cNvPr id="56" name="Freihand 55">
@@ -13935,7 +13944,7 @@
               </p14:xfrm>
             </p:contentPart>
           </mc:Choice>
-          <mc:Fallback>
+          <mc:Fallback xmlns="">
             <p:pic>
               <p:nvPicPr>
                 <p:cNvPr id="56" name="Freihand 55">
@@ -13966,8 +13975,8 @@
             </p:pic>
           </mc:Fallback>
         </mc:AlternateContent>
-        <mc:AlternateContent xmlns:mc="http://schemas.openxmlformats.org/markup-compatibility/2006">
-          <mc:Choice xmlns:p14="http://schemas.microsoft.com/office/powerpoint/2010/main" Requires="p14">
+        <mc:AlternateContent xmlns:mc="http://schemas.openxmlformats.org/markup-compatibility/2006" xmlns:p14="http://schemas.microsoft.com/office/powerpoint/2010/main">
+          <mc:Choice Requires="p14">
             <p:contentPart p14:bwMode="auto" r:id="rId126">
               <p14:nvContentPartPr>
                 <p14:cNvPr id="59" name="Freihand 58">
@@ -13986,7 +13995,7 @@
               </p14:xfrm>
             </p:contentPart>
           </mc:Choice>
-          <mc:Fallback>
+          <mc:Fallback xmlns="">
             <p:pic>
               <p:nvPicPr>
                 <p:cNvPr id="59" name="Freihand 58">
@@ -14017,8 +14026,8 @@
             </p:pic>
           </mc:Fallback>
         </mc:AlternateContent>
-        <mc:AlternateContent xmlns:mc="http://schemas.openxmlformats.org/markup-compatibility/2006">
-          <mc:Choice xmlns:p14="http://schemas.microsoft.com/office/powerpoint/2010/main" Requires="p14">
+        <mc:AlternateContent xmlns:mc="http://schemas.openxmlformats.org/markup-compatibility/2006" xmlns:p14="http://schemas.microsoft.com/office/powerpoint/2010/main">
+          <mc:Choice Requires="p14">
             <p:contentPart p14:bwMode="auto" r:id="rId128">
               <p14:nvContentPartPr>
                 <p14:cNvPr id="60" name="Freihand 59">
@@ -14037,7 +14046,7 @@
               </p14:xfrm>
             </p:contentPart>
           </mc:Choice>
-          <mc:Fallback>
+          <mc:Fallback xmlns="">
             <p:pic>
               <p:nvPicPr>
                 <p:cNvPr id="60" name="Freihand 59">
@@ -14068,8 +14077,8 @@
             </p:pic>
           </mc:Fallback>
         </mc:AlternateContent>
-        <mc:AlternateContent xmlns:mc="http://schemas.openxmlformats.org/markup-compatibility/2006">
-          <mc:Choice xmlns:p14="http://schemas.microsoft.com/office/powerpoint/2010/main" Requires="p14">
+        <mc:AlternateContent xmlns:mc="http://schemas.openxmlformats.org/markup-compatibility/2006" xmlns:p14="http://schemas.microsoft.com/office/powerpoint/2010/main">
+          <mc:Choice Requires="p14">
             <p:contentPart p14:bwMode="auto" r:id="rId130">
               <p14:nvContentPartPr>
                 <p14:cNvPr id="61" name="Freihand 60">
@@ -14088,7 +14097,7 @@
               </p14:xfrm>
             </p:contentPart>
           </mc:Choice>
-          <mc:Fallback>
+          <mc:Fallback xmlns="">
             <p:pic>
               <p:nvPicPr>
                 <p:cNvPr id="61" name="Freihand 60">
@@ -14119,8 +14128,8 @@
             </p:pic>
           </mc:Fallback>
         </mc:AlternateContent>
-        <mc:AlternateContent xmlns:mc="http://schemas.openxmlformats.org/markup-compatibility/2006">
-          <mc:Choice xmlns:p14="http://schemas.microsoft.com/office/powerpoint/2010/main" Requires="p14">
+        <mc:AlternateContent xmlns:mc="http://schemas.openxmlformats.org/markup-compatibility/2006" xmlns:p14="http://schemas.microsoft.com/office/powerpoint/2010/main">
+          <mc:Choice Requires="p14">
             <p:contentPart p14:bwMode="auto" r:id="rId132">
               <p14:nvContentPartPr>
                 <p14:cNvPr id="62" name="Freihand 61">
@@ -14139,7 +14148,7 @@
               </p14:xfrm>
             </p:contentPart>
           </mc:Choice>
-          <mc:Fallback>
+          <mc:Fallback xmlns="">
             <p:pic>
               <p:nvPicPr>
                 <p:cNvPr id="62" name="Freihand 61">
@@ -14170,8 +14179,8 @@
             </p:pic>
           </mc:Fallback>
         </mc:AlternateContent>
-        <mc:AlternateContent xmlns:mc="http://schemas.openxmlformats.org/markup-compatibility/2006">
-          <mc:Choice xmlns:p14="http://schemas.microsoft.com/office/powerpoint/2010/main" Requires="p14">
+        <mc:AlternateContent xmlns:mc="http://schemas.openxmlformats.org/markup-compatibility/2006" xmlns:p14="http://schemas.microsoft.com/office/powerpoint/2010/main">
+          <mc:Choice Requires="p14">
             <p:contentPart p14:bwMode="auto" r:id="rId134">
               <p14:nvContentPartPr>
                 <p14:cNvPr id="63" name="Freihand 62">
@@ -14190,7 +14199,7 @@
               </p14:xfrm>
             </p:contentPart>
           </mc:Choice>
-          <mc:Fallback>
+          <mc:Fallback xmlns="">
             <p:pic>
               <p:nvPicPr>
                 <p:cNvPr id="63" name="Freihand 62">
@@ -14221,8 +14230,8 @@
             </p:pic>
           </mc:Fallback>
         </mc:AlternateContent>
-        <mc:AlternateContent xmlns:mc="http://schemas.openxmlformats.org/markup-compatibility/2006">
-          <mc:Choice xmlns:p14="http://schemas.microsoft.com/office/powerpoint/2010/main" Requires="p14">
+        <mc:AlternateContent xmlns:mc="http://schemas.openxmlformats.org/markup-compatibility/2006" xmlns:p14="http://schemas.microsoft.com/office/powerpoint/2010/main">
+          <mc:Choice Requires="p14">
             <p:contentPart p14:bwMode="auto" r:id="rId136">
               <p14:nvContentPartPr>
                 <p14:cNvPr id="68" name="Freihand 67">
@@ -14241,7 +14250,7 @@
               </p14:xfrm>
             </p:contentPart>
           </mc:Choice>
-          <mc:Fallback>
+          <mc:Fallback xmlns="">
             <p:pic>
               <p:nvPicPr>
                 <p:cNvPr id="68" name="Freihand 67">
@@ -14272,8 +14281,8 @@
             </p:pic>
           </mc:Fallback>
         </mc:AlternateContent>
-        <mc:AlternateContent xmlns:mc="http://schemas.openxmlformats.org/markup-compatibility/2006">
-          <mc:Choice xmlns:p14="http://schemas.microsoft.com/office/powerpoint/2010/main" Requires="p14">
+        <mc:AlternateContent xmlns:mc="http://schemas.openxmlformats.org/markup-compatibility/2006" xmlns:p14="http://schemas.microsoft.com/office/powerpoint/2010/main">
+          <mc:Choice Requires="p14">
             <p:contentPart p14:bwMode="auto" r:id="rId138">
               <p14:nvContentPartPr>
                 <p14:cNvPr id="69" name="Freihand 68">
@@ -14292,7 +14301,7 @@
               </p14:xfrm>
             </p:contentPart>
           </mc:Choice>
-          <mc:Fallback>
+          <mc:Fallback xmlns="">
             <p:pic>
               <p:nvPicPr>
                 <p:cNvPr id="69" name="Freihand 68">
@@ -14323,8 +14332,8 @@
             </p:pic>
           </mc:Fallback>
         </mc:AlternateContent>
-        <mc:AlternateContent xmlns:mc="http://schemas.openxmlformats.org/markup-compatibility/2006">
-          <mc:Choice xmlns:p14="http://schemas.microsoft.com/office/powerpoint/2010/main" Requires="p14">
+        <mc:AlternateContent xmlns:mc="http://schemas.openxmlformats.org/markup-compatibility/2006" xmlns:p14="http://schemas.microsoft.com/office/powerpoint/2010/main">
+          <mc:Choice Requires="p14">
             <p:contentPart p14:bwMode="auto" r:id="rId140">
               <p14:nvContentPartPr>
                 <p14:cNvPr id="73" name="Freihand 72">
@@ -14343,7 +14352,7 @@
               </p14:xfrm>
             </p:contentPart>
           </mc:Choice>
-          <mc:Fallback>
+          <mc:Fallback xmlns="">
             <p:pic>
               <p:nvPicPr>
                 <p:cNvPr id="73" name="Freihand 72">
@@ -14374,8 +14383,8 @@
             </p:pic>
           </mc:Fallback>
         </mc:AlternateContent>
-        <mc:AlternateContent xmlns:mc="http://schemas.openxmlformats.org/markup-compatibility/2006">
-          <mc:Choice xmlns:p14="http://schemas.microsoft.com/office/powerpoint/2010/main" Requires="p14">
+        <mc:AlternateContent xmlns:mc="http://schemas.openxmlformats.org/markup-compatibility/2006" xmlns:p14="http://schemas.microsoft.com/office/powerpoint/2010/main">
+          <mc:Choice Requires="p14">
             <p:contentPart p14:bwMode="auto" r:id="rId142">
               <p14:nvContentPartPr>
                 <p14:cNvPr id="74" name="Freihand 73">
@@ -14394,7 +14403,7 @@
               </p14:xfrm>
             </p:contentPart>
           </mc:Choice>
-          <mc:Fallback>
+          <mc:Fallback xmlns="">
             <p:pic>
               <p:nvPicPr>
                 <p:cNvPr id="74" name="Freihand 73">
@@ -14425,8 +14434,8 @@
             </p:pic>
           </mc:Fallback>
         </mc:AlternateContent>
-        <mc:AlternateContent xmlns:mc="http://schemas.openxmlformats.org/markup-compatibility/2006">
-          <mc:Choice xmlns:p14="http://schemas.microsoft.com/office/powerpoint/2010/main" Requires="p14">
+        <mc:AlternateContent xmlns:mc="http://schemas.openxmlformats.org/markup-compatibility/2006" xmlns:p14="http://schemas.microsoft.com/office/powerpoint/2010/main">
+          <mc:Choice Requires="p14">
             <p:contentPart p14:bwMode="auto" r:id="rId144">
               <p14:nvContentPartPr>
                 <p14:cNvPr id="75" name="Freihand 74">
@@ -14445,7 +14454,7 @@
               </p14:xfrm>
             </p:contentPart>
           </mc:Choice>
-          <mc:Fallback>
+          <mc:Fallback xmlns="">
             <p:pic>
               <p:nvPicPr>
                 <p:cNvPr id="75" name="Freihand 74">
@@ -14476,8 +14485,8 @@
             </p:pic>
           </mc:Fallback>
         </mc:AlternateContent>
-        <mc:AlternateContent xmlns:mc="http://schemas.openxmlformats.org/markup-compatibility/2006">
-          <mc:Choice xmlns:p14="http://schemas.microsoft.com/office/powerpoint/2010/main" Requires="p14">
+        <mc:AlternateContent xmlns:mc="http://schemas.openxmlformats.org/markup-compatibility/2006" xmlns:p14="http://schemas.microsoft.com/office/powerpoint/2010/main">
+          <mc:Choice Requires="p14">
             <p:contentPart p14:bwMode="auto" r:id="rId146">
               <p14:nvContentPartPr>
                 <p14:cNvPr id="77" name="Freihand 76">
@@ -14496,7 +14505,7 @@
               </p14:xfrm>
             </p:contentPart>
           </mc:Choice>
-          <mc:Fallback>
+          <mc:Fallback xmlns="">
             <p:pic>
               <p:nvPicPr>
                 <p:cNvPr id="77" name="Freihand 76">
@@ -14527,8 +14536,8 @@
             </p:pic>
           </mc:Fallback>
         </mc:AlternateContent>
-        <mc:AlternateContent xmlns:mc="http://schemas.openxmlformats.org/markup-compatibility/2006">
-          <mc:Choice xmlns:p14="http://schemas.microsoft.com/office/powerpoint/2010/main" Requires="p14">
+        <mc:AlternateContent xmlns:mc="http://schemas.openxmlformats.org/markup-compatibility/2006" xmlns:p14="http://schemas.microsoft.com/office/powerpoint/2010/main">
+          <mc:Choice Requires="p14">
             <p:contentPart p14:bwMode="auto" r:id="rId148">
               <p14:nvContentPartPr>
                 <p14:cNvPr id="78" name="Freihand 77">
@@ -14547,7 +14556,7 @@
               </p14:xfrm>
             </p:contentPart>
           </mc:Choice>
-          <mc:Fallback>
+          <mc:Fallback xmlns="">
             <p:pic>
               <p:nvPicPr>
                 <p:cNvPr id="78" name="Freihand 77">
@@ -14578,8 +14587,8 @@
             </p:pic>
           </mc:Fallback>
         </mc:AlternateContent>
-        <mc:AlternateContent xmlns:mc="http://schemas.openxmlformats.org/markup-compatibility/2006">
-          <mc:Choice xmlns:p14="http://schemas.microsoft.com/office/powerpoint/2010/main" Requires="p14">
+        <mc:AlternateContent xmlns:mc="http://schemas.openxmlformats.org/markup-compatibility/2006" xmlns:p14="http://schemas.microsoft.com/office/powerpoint/2010/main">
+          <mc:Choice Requires="p14">
             <p:contentPart p14:bwMode="auto" r:id="rId150">
               <p14:nvContentPartPr>
                 <p14:cNvPr id="79" name="Freihand 78">
@@ -14598,7 +14607,7 @@
               </p14:xfrm>
             </p:contentPart>
           </mc:Choice>
-          <mc:Fallback>
+          <mc:Fallback xmlns="">
             <p:pic>
               <p:nvPicPr>
                 <p:cNvPr id="79" name="Freihand 78">
@@ -14629,8 +14638,8 @@
             </p:pic>
           </mc:Fallback>
         </mc:AlternateContent>
-        <mc:AlternateContent xmlns:mc="http://schemas.openxmlformats.org/markup-compatibility/2006">
-          <mc:Choice xmlns:p14="http://schemas.microsoft.com/office/powerpoint/2010/main" Requires="p14">
+        <mc:AlternateContent xmlns:mc="http://schemas.openxmlformats.org/markup-compatibility/2006" xmlns:p14="http://schemas.microsoft.com/office/powerpoint/2010/main">
+          <mc:Choice Requires="p14">
             <p:contentPart p14:bwMode="auto" r:id="rId152">
               <p14:nvContentPartPr>
                 <p14:cNvPr id="80" name="Freihand 79">
@@ -14649,7 +14658,7 @@
               </p14:xfrm>
             </p:contentPart>
           </mc:Choice>
-          <mc:Fallback>
+          <mc:Fallback xmlns="">
             <p:pic>
               <p:nvPicPr>
                 <p:cNvPr id="80" name="Freihand 79">
@@ -14680,8 +14689,8 @@
             </p:pic>
           </mc:Fallback>
         </mc:AlternateContent>
-        <mc:AlternateContent xmlns:mc="http://schemas.openxmlformats.org/markup-compatibility/2006">
-          <mc:Choice xmlns:p14="http://schemas.microsoft.com/office/powerpoint/2010/main" Requires="p14">
+        <mc:AlternateContent xmlns:mc="http://schemas.openxmlformats.org/markup-compatibility/2006" xmlns:p14="http://schemas.microsoft.com/office/powerpoint/2010/main">
+          <mc:Choice Requires="p14">
             <p:contentPart p14:bwMode="auto" r:id="rId154">
               <p14:nvContentPartPr>
                 <p14:cNvPr id="82" name="Freihand 81">
@@ -14700,7 +14709,7 @@
               </p14:xfrm>
             </p:contentPart>
           </mc:Choice>
-          <mc:Fallback>
+          <mc:Fallback xmlns="">
             <p:pic>
               <p:nvPicPr>
                 <p:cNvPr id="82" name="Freihand 81">
@@ -14731,8 +14740,8 @@
             </p:pic>
           </mc:Fallback>
         </mc:AlternateContent>
-        <mc:AlternateContent xmlns:mc="http://schemas.openxmlformats.org/markup-compatibility/2006">
-          <mc:Choice xmlns:p14="http://schemas.microsoft.com/office/powerpoint/2010/main" Requires="p14">
+        <mc:AlternateContent xmlns:mc="http://schemas.openxmlformats.org/markup-compatibility/2006" xmlns:p14="http://schemas.microsoft.com/office/powerpoint/2010/main">
+          <mc:Choice Requires="p14">
             <p:contentPart p14:bwMode="auto" r:id="rId156">
               <p14:nvContentPartPr>
                 <p14:cNvPr id="83" name="Freihand 82">
@@ -14751,7 +14760,7 @@
               </p14:xfrm>
             </p:contentPart>
           </mc:Choice>
-          <mc:Fallback>
+          <mc:Fallback xmlns="">
             <p:pic>
               <p:nvPicPr>
                 <p:cNvPr id="83" name="Freihand 82">
@@ -14782,8 +14791,8 @@
             </p:pic>
           </mc:Fallback>
         </mc:AlternateContent>
-        <mc:AlternateContent xmlns:mc="http://schemas.openxmlformats.org/markup-compatibility/2006">
-          <mc:Choice xmlns:p14="http://schemas.microsoft.com/office/powerpoint/2010/main" Requires="p14">
+        <mc:AlternateContent xmlns:mc="http://schemas.openxmlformats.org/markup-compatibility/2006" xmlns:p14="http://schemas.microsoft.com/office/powerpoint/2010/main">
+          <mc:Choice Requires="p14">
             <p:contentPart p14:bwMode="auto" r:id="rId158">
               <p14:nvContentPartPr>
                 <p14:cNvPr id="84" name="Freihand 83">
@@ -14802,7 +14811,7 @@
               </p14:xfrm>
             </p:contentPart>
           </mc:Choice>
-          <mc:Fallback>
+          <mc:Fallback xmlns="">
             <p:pic>
               <p:nvPicPr>
                 <p:cNvPr id="84" name="Freihand 83">
@@ -14833,8 +14842,8 @@
             </p:pic>
           </mc:Fallback>
         </mc:AlternateContent>
-        <mc:AlternateContent xmlns:mc="http://schemas.openxmlformats.org/markup-compatibility/2006">
-          <mc:Choice xmlns:p14="http://schemas.microsoft.com/office/powerpoint/2010/main" Requires="p14">
+        <mc:AlternateContent xmlns:mc="http://schemas.openxmlformats.org/markup-compatibility/2006" xmlns:p14="http://schemas.microsoft.com/office/powerpoint/2010/main">
+          <mc:Choice Requires="p14">
             <p:contentPart p14:bwMode="auto" r:id="rId160">
               <p14:nvContentPartPr>
                 <p14:cNvPr id="85" name="Freihand 84">
@@ -14853,7 +14862,7 @@
               </p14:xfrm>
             </p:contentPart>
           </mc:Choice>
-          <mc:Fallback>
+          <mc:Fallback xmlns="">
             <p:pic>
               <p:nvPicPr>
                 <p:cNvPr id="85" name="Freihand 84">
@@ -14884,8 +14893,8 @@
             </p:pic>
           </mc:Fallback>
         </mc:AlternateContent>
-        <mc:AlternateContent xmlns:mc="http://schemas.openxmlformats.org/markup-compatibility/2006">
-          <mc:Choice xmlns:p14="http://schemas.microsoft.com/office/powerpoint/2010/main" Requires="p14">
+        <mc:AlternateContent xmlns:mc="http://schemas.openxmlformats.org/markup-compatibility/2006" xmlns:p14="http://schemas.microsoft.com/office/powerpoint/2010/main">
+          <mc:Choice Requires="p14">
             <p:contentPart p14:bwMode="auto" r:id="rId162">
               <p14:nvContentPartPr>
                 <p14:cNvPr id="86" name="Freihand 85">
@@ -14904,7 +14913,7 @@
               </p14:xfrm>
             </p:contentPart>
           </mc:Choice>
-          <mc:Fallback>
+          <mc:Fallback xmlns="">
             <p:pic>
               <p:nvPicPr>
                 <p:cNvPr id="86" name="Freihand 85">
@@ -14935,8 +14944,8 @@
             </p:pic>
           </mc:Fallback>
         </mc:AlternateContent>
-        <mc:AlternateContent xmlns:mc="http://schemas.openxmlformats.org/markup-compatibility/2006">
-          <mc:Choice xmlns:p14="http://schemas.microsoft.com/office/powerpoint/2010/main" Requires="p14">
+        <mc:AlternateContent xmlns:mc="http://schemas.openxmlformats.org/markup-compatibility/2006" xmlns:p14="http://schemas.microsoft.com/office/powerpoint/2010/main">
+          <mc:Choice Requires="p14">
             <p:contentPart p14:bwMode="auto" r:id="rId164">
               <p14:nvContentPartPr>
                 <p14:cNvPr id="87" name="Freihand 86">
@@ -14955,7 +14964,7 @@
               </p14:xfrm>
             </p:contentPart>
           </mc:Choice>
-          <mc:Fallback>
+          <mc:Fallback xmlns="">
             <p:pic>
               <p:nvPicPr>
                 <p:cNvPr id="87" name="Freihand 86">
@@ -14986,8 +14995,8 @@
             </p:pic>
           </mc:Fallback>
         </mc:AlternateContent>
-        <mc:AlternateContent xmlns:mc="http://schemas.openxmlformats.org/markup-compatibility/2006">
-          <mc:Choice xmlns:p14="http://schemas.microsoft.com/office/powerpoint/2010/main" Requires="p14">
+        <mc:AlternateContent xmlns:mc="http://schemas.openxmlformats.org/markup-compatibility/2006" xmlns:p14="http://schemas.microsoft.com/office/powerpoint/2010/main">
+          <mc:Choice Requires="p14">
             <p:contentPart p14:bwMode="auto" r:id="rId166">
               <p14:nvContentPartPr>
                 <p14:cNvPr id="88" name="Freihand 87">
@@ -15006,7 +15015,7 @@
               </p14:xfrm>
             </p:contentPart>
           </mc:Choice>
-          <mc:Fallback>
+          <mc:Fallback xmlns="">
             <p:pic>
               <p:nvPicPr>
                 <p:cNvPr id="88" name="Freihand 87">
@@ -15037,8 +15046,8 @@
             </p:pic>
           </mc:Fallback>
         </mc:AlternateContent>
-        <mc:AlternateContent xmlns:mc="http://schemas.openxmlformats.org/markup-compatibility/2006">
-          <mc:Choice xmlns:p14="http://schemas.microsoft.com/office/powerpoint/2010/main" Requires="p14">
+        <mc:AlternateContent xmlns:mc="http://schemas.openxmlformats.org/markup-compatibility/2006" xmlns:p14="http://schemas.microsoft.com/office/powerpoint/2010/main">
+          <mc:Choice Requires="p14">
             <p:contentPart p14:bwMode="auto" r:id="rId168">
               <p14:nvContentPartPr>
                 <p14:cNvPr id="89" name="Freihand 88">
@@ -15057,7 +15066,7 @@
               </p14:xfrm>
             </p:contentPart>
           </mc:Choice>
-          <mc:Fallback>
+          <mc:Fallback xmlns="">
             <p:pic>
               <p:nvPicPr>
                 <p:cNvPr id="89" name="Freihand 88">
@@ -15088,8 +15097,8 @@
             </p:pic>
           </mc:Fallback>
         </mc:AlternateContent>
-        <mc:AlternateContent xmlns:mc="http://schemas.openxmlformats.org/markup-compatibility/2006">
-          <mc:Choice xmlns:p14="http://schemas.microsoft.com/office/powerpoint/2010/main" Requires="p14">
+        <mc:AlternateContent xmlns:mc="http://schemas.openxmlformats.org/markup-compatibility/2006" xmlns:p14="http://schemas.microsoft.com/office/powerpoint/2010/main">
+          <mc:Choice Requires="p14">
             <p:contentPart p14:bwMode="auto" r:id="rId170">
               <p14:nvContentPartPr>
                 <p14:cNvPr id="90" name="Freihand 89">
@@ -15108,7 +15117,7 @@
               </p14:xfrm>
             </p:contentPart>
           </mc:Choice>
-          <mc:Fallback>
+          <mc:Fallback xmlns="">
             <p:pic>
               <p:nvPicPr>
                 <p:cNvPr id="90" name="Freihand 89">
@@ -15139,8 +15148,8 @@
             </p:pic>
           </mc:Fallback>
         </mc:AlternateContent>
-        <mc:AlternateContent xmlns:mc="http://schemas.openxmlformats.org/markup-compatibility/2006">
-          <mc:Choice xmlns:p14="http://schemas.microsoft.com/office/powerpoint/2010/main" Requires="p14">
+        <mc:AlternateContent xmlns:mc="http://schemas.openxmlformats.org/markup-compatibility/2006" xmlns:p14="http://schemas.microsoft.com/office/powerpoint/2010/main">
+          <mc:Choice Requires="p14">
             <p:contentPart p14:bwMode="auto" r:id="rId172">
               <p14:nvContentPartPr>
                 <p14:cNvPr id="91" name="Freihand 90">
@@ -15159,7 +15168,7 @@
               </p14:xfrm>
             </p:contentPart>
           </mc:Choice>
-          <mc:Fallback>
+          <mc:Fallback xmlns="">
             <p:pic>
               <p:nvPicPr>
                 <p:cNvPr id="91" name="Freihand 90">
@@ -15190,8 +15199,8 @@
             </p:pic>
           </mc:Fallback>
         </mc:AlternateContent>
-        <mc:AlternateContent xmlns:mc="http://schemas.openxmlformats.org/markup-compatibility/2006">
-          <mc:Choice xmlns:p14="http://schemas.microsoft.com/office/powerpoint/2010/main" Requires="p14">
+        <mc:AlternateContent xmlns:mc="http://schemas.openxmlformats.org/markup-compatibility/2006" xmlns:p14="http://schemas.microsoft.com/office/powerpoint/2010/main">
+          <mc:Choice Requires="p14">
             <p:contentPart p14:bwMode="auto" r:id="rId174">
               <p14:nvContentPartPr>
                 <p14:cNvPr id="93" name="Freihand 92">
@@ -15210,7 +15219,7 @@
               </p14:xfrm>
             </p:contentPart>
           </mc:Choice>
-          <mc:Fallback>
+          <mc:Fallback xmlns="">
             <p:pic>
               <p:nvPicPr>
                 <p:cNvPr id="93" name="Freihand 92">
@@ -15241,8 +15250,8 @@
             </p:pic>
           </mc:Fallback>
         </mc:AlternateContent>
-        <mc:AlternateContent xmlns:mc="http://schemas.openxmlformats.org/markup-compatibility/2006">
-          <mc:Choice xmlns:p14="http://schemas.microsoft.com/office/powerpoint/2010/main" Requires="p14">
+        <mc:AlternateContent xmlns:mc="http://schemas.openxmlformats.org/markup-compatibility/2006" xmlns:p14="http://schemas.microsoft.com/office/powerpoint/2010/main">
+          <mc:Choice Requires="p14">
             <p:contentPart p14:bwMode="auto" r:id="rId176">
               <p14:nvContentPartPr>
                 <p14:cNvPr id="94" name="Freihand 93">
@@ -15261,7 +15270,7 @@
               </p14:xfrm>
             </p:contentPart>
           </mc:Choice>
-          <mc:Fallback>
+          <mc:Fallback xmlns="">
             <p:pic>
               <p:nvPicPr>
                 <p:cNvPr id="94" name="Freihand 93">
@@ -15292,8 +15301,8 @@
             </p:pic>
           </mc:Fallback>
         </mc:AlternateContent>
-        <mc:AlternateContent xmlns:mc="http://schemas.openxmlformats.org/markup-compatibility/2006">
-          <mc:Choice xmlns:p14="http://schemas.microsoft.com/office/powerpoint/2010/main" Requires="p14">
+        <mc:AlternateContent xmlns:mc="http://schemas.openxmlformats.org/markup-compatibility/2006" xmlns:p14="http://schemas.microsoft.com/office/powerpoint/2010/main">
+          <mc:Choice Requires="p14">
             <p:contentPart p14:bwMode="auto" r:id="rId178">
               <p14:nvContentPartPr>
                 <p14:cNvPr id="96" name="Freihand 95">
@@ -15312,7 +15321,7 @@
               </p14:xfrm>
             </p:contentPart>
           </mc:Choice>
-          <mc:Fallback>
+          <mc:Fallback xmlns="">
             <p:pic>
               <p:nvPicPr>
                 <p:cNvPr id="96" name="Freihand 95">
@@ -15343,8 +15352,8 @@
             </p:pic>
           </mc:Fallback>
         </mc:AlternateContent>
-        <mc:AlternateContent xmlns:mc="http://schemas.openxmlformats.org/markup-compatibility/2006">
-          <mc:Choice xmlns:p14="http://schemas.microsoft.com/office/powerpoint/2010/main" Requires="p14">
+        <mc:AlternateContent xmlns:mc="http://schemas.openxmlformats.org/markup-compatibility/2006" xmlns:p14="http://schemas.microsoft.com/office/powerpoint/2010/main">
+          <mc:Choice Requires="p14">
             <p:contentPart p14:bwMode="auto" r:id="rId180">
               <p14:nvContentPartPr>
                 <p14:cNvPr id="97" name="Freihand 96">
@@ -15363,7 +15372,7 @@
               </p14:xfrm>
             </p:contentPart>
           </mc:Choice>
-          <mc:Fallback>
+          <mc:Fallback xmlns="">
             <p:pic>
               <p:nvPicPr>
                 <p:cNvPr id="97" name="Freihand 96">
@@ -15394,8 +15403,8 @@
             </p:pic>
           </mc:Fallback>
         </mc:AlternateContent>
-        <mc:AlternateContent xmlns:mc="http://schemas.openxmlformats.org/markup-compatibility/2006">
-          <mc:Choice xmlns:p14="http://schemas.microsoft.com/office/powerpoint/2010/main" Requires="p14">
+        <mc:AlternateContent xmlns:mc="http://schemas.openxmlformats.org/markup-compatibility/2006" xmlns:p14="http://schemas.microsoft.com/office/powerpoint/2010/main">
+          <mc:Choice Requires="p14">
             <p:contentPart p14:bwMode="auto" r:id="rId182">
               <p14:nvContentPartPr>
                 <p14:cNvPr id="99" name="Freihand 98">
@@ -15414,7 +15423,7 @@
               </p14:xfrm>
             </p:contentPart>
           </mc:Choice>
-          <mc:Fallback>
+          <mc:Fallback xmlns="">
             <p:pic>
               <p:nvPicPr>
                 <p:cNvPr id="99" name="Freihand 98">
@@ -15445,8 +15454,8 @@
             </p:pic>
           </mc:Fallback>
         </mc:AlternateContent>
-        <mc:AlternateContent xmlns:mc="http://schemas.openxmlformats.org/markup-compatibility/2006">
-          <mc:Choice xmlns:p14="http://schemas.microsoft.com/office/powerpoint/2010/main" Requires="p14">
+        <mc:AlternateContent xmlns:mc="http://schemas.openxmlformats.org/markup-compatibility/2006" xmlns:p14="http://schemas.microsoft.com/office/powerpoint/2010/main">
+          <mc:Choice Requires="p14">
             <p:contentPart p14:bwMode="auto" r:id="rId184">
               <p14:nvContentPartPr>
                 <p14:cNvPr id="109" name="Freihand 108">
@@ -15465,7 +15474,7 @@
               </p14:xfrm>
             </p:contentPart>
           </mc:Choice>
-          <mc:Fallback>
+          <mc:Fallback xmlns="">
             <p:pic>
               <p:nvPicPr>
                 <p:cNvPr id="109" name="Freihand 108">
@@ -15496,8 +15505,8 @@
             </p:pic>
           </mc:Fallback>
         </mc:AlternateContent>
-        <mc:AlternateContent xmlns:mc="http://schemas.openxmlformats.org/markup-compatibility/2006">
-          <mc:Choice xmlns:p14="http://schemas.microsoft.com/office/powerpoint/2010/main" Requires="p14">
+        <mc:AlternateContent xmlns:mc="http://schemas.openxmlformats.org/markup-compatibility/2006" xmlns:p14="http://schemas.microsoft.com/office/powerpoint/2010/main">
+          <mc:Choice Requires="p14">
             <p:contentPart p14:bwMode="auto" r:id="rId186">
               <p14:nvContentPartPr>
                 <p14:cNvPr id="110" name="Freihand 109">
@@ -15516,7 +15525,7 @@
               </p14:xfrm>
             </p:contentPart>
           </mc:Choice>
-          <mc:Fallback>
+          <mc:Fallback xmlns="">
             <p:pic>
               <p:nvPicPr>
                 <p:cNvPr id="110" name="Freihand 109">
@@ -15547,8 +15556,8 @@
             </p:pic>
           </mc:Fallback>
         </mc:AlternateContent>
-        <mc:AlternateContent xmlns:mc="http://schemas.openxmlformats.org/markup-compatibility/2006">
-          <mc:Choice xmlns:p14="http://schemas.microsoft.com/office/powerpoint/2010/main" Requires="p14">
+        <mc:AlternateContent xmlns:mc="http://schemas.openxmlformats.org/markup-compatibility/2006" xmlns:p14="http://schemas.microsoft.com/office/powerpoint/2010/main">
+          <mc:Choice Requires="p14">
             <p:contentPart p14:bwMode="auto" r:id="rId188">
               <p14:nvContentPartPr>
                 <p14:cNvPr id="113" name="Freihand 112">
@@ -15567,7 +15576,7 @@
               </p14:xfrm>
             </p:contentPart>
           </mc:Choice>
-          <mc:Fallback>
+          <mc:Fallback xmlns="">
             <p:pic>
               <p:nvPicPr>
                 <p:cNvPr id="113" name="Freihand 112">
@@ -15598,8 +15607,8 @@
             </p:pic>
           </mc:Fallback>
         </mc:AlternateContent>
-        <mc:AlternateContent xmlns:mc="http://schemas.openxmlformats.org/markup-compatibility/2006">
-          <mc:Choice xmlns:p14="http://schemas.microsoft.com/office/powerpoint/2010/main" Requires="p14">
+        <mc:AlternateContent xmlns:mc="http://schemas.openxmlformats.org/markup-compatibility/2006" xmlns:p14="http://schemas.microsoft.com/office/powerpoint/2010/main">
+          <mc:Choice Requires="p14">
             <p:contentPart p14:bwMode="auto" r:id="rId190">
               <p14:nvContentPartPr>
                 <p14:cNvPr id="116" name="Freihand 115">
@@ -15618,7 +15627,7 @@
               </p14:xfrm>
             </p:contentPart>
           </mc:Choice>
-          <mc:Fallback>
+          <mc:Fallback xmlns="">
             <p:pic>
               <p:nvPicPr>
                 <p:cNvPr id="116" name="Freihand 115">
@@ -15649,8 +15658,8 @@
             </p:pic>
           </mc:Fallback>
         </mc:AlternateContent>
-        <mc:AlternateContent xmlns:mc="http://schemas.openxmlformats.org/markup-compatibility/2006">
-          <mc:Choice xmlns:p14="http://schemas.microsoft.com/office/powerpoint/2010/main" Requires="p14">
+        <mc:AlternateContent xmlns:mc="http://schemas.openxmlformats.org/markup-compatibility/2006" xmlns:p14="http://schemas.microsoft.com/office/powerpoint/2010/main">
+          <mc:Choice Requires="p14">
             <p:contentPart p14:bwMode="auto" r:id="rId192">
               <p14:nvContentPartPr>
                 <p14:cNvPr id="118" name="Freihand 117">
@@ -15669,7 +15678,7 @@
               </p14:xfrm>
             </p:contentPart>
           </mc:Choice>
-          <mc:Fallback>
+          <mc:Fallback xmlns="">
             <p:pic>
               <p:nvPicPr>
                 <p:cNvPr id="118" name="Freihand 117">
@@ -15700,8 +15709,8 @@
             </p:pic>
           </mc:Fallback>
         </mc:AlternateContent>
-        <mc:AlternateContent xmlns:mc="http://schemas.openxmlformats.org/markup-compatibility/2006">
-          <mc:Choice xmlns:p14="http://schemas.microsoft.com/office/powerpoint/2010/main" Requires="p14">
+        <mc:AlternateContent xmlns:mc="http://schemas.openxmlformats.org/markup-compatibility/2006" xmlns:p14="http://schemas.microsoft.com/office/powerpoint/2010/main">
+          <mc:Choice Requires="p14">
             <p:contentPart p14:bwMode="auto" r:id="rId194">
               <p14:nvContentPartPr>
                 <p14:cNvPr id="119" name="Freihand 118">
@@ -15720,7 +15729,7 @@
               </p14:xfrm>
             </p:contentPart>
           </mc:Choice>
-          <mc:Fallback>
+          <mc:Fallback xmlns="">
             <p:pic>
               <p:nvPicPr>
                 <p:cNvPr id="119" name="Freihand 118">
@@ -15751,8 +15760,8 @@
             </p:pic>
           </mc:Fallback>
         </mc:AlternateContent>
-        <mc:AlternateContent xmlns:mc="http://schemas.openxmlformats.org/markup-compatibility/2006">
-          <mc:Choice xmlns:p14="http://schemas.microsoft.com/office/powerpoint/2010/main" Requires="p14">
+        <mc:AlternateContent xmlns:mc="http://schemas.openxmlformats.org/markup-compatibility/2006" xmlns:p14="http://schemas.microsoft.com/office/powerpoint/2010/main">
+          <mc:Choice Requires="p14">
             <p:contentPart p14:bwMode="auto" r:id="rId196">
               <p14:nvContentPartPr>
                 <p14:cNvPr id="120" name="Freihand 119">
@@ -15771,7 +15780,7 @@
               </p14:xfrm>
             </p:contentPart>
           </mc:Choice>
-          <mc:Fallback>
+          <mc:Fallback xmlns="">
             <p:pic>
               <p:nvPicPr>
                 <p:cNvPr id="120" name="Freihand 119">
@@ -15802,8 +15811,8 @@
             </p:pic>
           </mc:Fallback>
         </mc:AlternateContent>
-        <mc:AlternateContent xmlns:mc="http://schemas.openxmlformats.org/markup-compatibility/2006">
-          <mc:Choice xmlns:p14="http://schemas.microsoft.com/office/powerpoint/2010/main" Requires="p14">
+        <mc:AlternateContent xmlns:mc="http://schemas.openxmlformats.org/markup-compatibility/2006" xmlns:p14="http://schemas.microsoft.com/office/powerpoint/2010/main">
+          <mc:Choice Requires="p14">
             <p:contentPart p14:bwMode="auto" r:id="rId198">
               <p14:nvContentPartPr>
                 <p14:cNvPr id="158" name="Freihand 157">
@@ -15822,7 +15831,7 @@
               </p14:xfrm>
             </p:contentPart>
           </mc:Choice>
-          <mc:Fallback>
+          <mc:Fallback xmlns="">
             <p:pic>
               <p:nvPicPr>
                 <p:cNvPr id="158" name="Freihand 157">
@@ -15853,8 +15862,8 @@
             </p:pic>
           </mc:Fallback>
         </mc:AlternateContent>
-        <mc:AlternateContent xmlns:mc="http://schemas.openxmlformats.org/markup-compatibility/2006">
-          <mc:Choice xmlns:p14="http://schemas.microsoft.com/office/powerpoint/2010/main" Requires="p14">
+        <mc:AlternateContent xmlns:mc="http://schemas.openxmlformats.org/markup-compatibility/2006" xmlns:p14="http://schemas.microsoft.com/office/powerpoint/2010/main">
+          <mc:Choice Requires="p14">
             <p:contentPart p14:bwMode="auto" r:id="rId200">
               <p14:nvContentPartPr>
                 <p14:cNvPr id="159" name="Freihand 158">
@@ -15873,7 +15882,7 @@
               </p14:xfrm>
             </p:contentPart>
           </mc:Choice>
-          <mc:Fallback>
+          <mc:Fallback xmlns="">
             <p:pic>
               <p:nvPicPr>
                 <p:cNvPr id="159" name="Freihand 158">
@@ -15904,8 +15913,8 @@
             </p:pic>
           </mc:Fallback>
         </mc:AlternateContent>
-        <mc:AlternateContent xmlns:mc="http://schemas.openxmlformats.org/markup-compatibility/2006">
-          <mc:Choice xmlns:p14="http://schemas.microsoft.com/office/powerpoint/2010/main" Requires="p14">
+        <mc:AlternateContent xmlns:mc="http://schemas.openxmlformats.org/markup-compatibility/2006" xmlns:p14="http://schemas.microsoft.com/office/powerpoint/2010/main">
+          <mc:Choice Requires="p14">
             <p:contentPart p14:bwMode="auto" r:id="rId202">
               <p14:nvContentPartPr>
                 <p14:cNvPr id="164" name="Freihand 163">
@@ -15924,7 +15933,7 @@
               </p14:xfrm>
             </p:contentPart>
           </mc:Choice>
-          <mc:Fallback>
+          <mc:Fallback xmlns="">
             <p:pic>
               <p:nvPicPr>
                 <p:cNvPr id="164" name="Freihand 163">
@@ -15955,8 +15964,8 @@
             </p:pic>
           </mc:Fallback>
         </mc:AlternateContent>
-        <mc:AlternateContent xmlns:mc="http://schemas.openxmlformats.org/markup-compatibility/2006">
-          <mc:Choice xmlns:p14="http://schemas.microsoft.com/office/powerpoint/2010/main" Requires="p14">
+        <mc:AlternateContent xmlns:mc="http://schemas.openxmlformats.org/markup-compatibility/2006" xmlns:p14="http://schemas.microsoft.com/office/powerpoint/2010/main">
+          <mc:Choice Requires="p14">
             <p:contentPart p14:bwMode="auto" r:id="rId204">
               <p14:nvContentPartPr>
                 <p14:cNvPr id="165" name="Freihand 164">
@@ -15975,7 +15984,7 @@
               </p14:xfrm>
             </p:contentPart>
           </mc:Choice>
-          <mc:Fallback>
+          <mc:Fallback xmlns="">
             <p:pic>
               <p:nvPicPr>
                 <p:cNvPr id="165" name="Freihand 164">
@@ -16006,8 +16015,8 @@
             </p:pic>
           </mc:Fallback>
         </mc:AlternateContent>
-        <mc:AlternateContent xmlns:mc="http://schemas.openxmlformats.org/markup-compatibility/2006">
-          <mc:Choice xmlns:p14="http://schemas.microsoft.com/office/powerpoint/2010/main" Requires="p14">
+        <mc:AlternateContent xmlns:mc="http://schemas.openxmlformats.org/markup-compatibility/2006" xmlns:p14="http://schemas.microsoft.com/office/powerpoint/2010/main">
+          <mc:Choice Requires="p14">
             <p:contentPart p14:bwMode="auto" r:id="rId206">
               <p14:nvContentPartPr>
                 <p14:cNvPr id="166" name="Freihand 165">
@@ -16026,7 +16035,7 @@
               </p14:xfrm>
             </p:contentPart>
           </mc:Choice>
-          <mc:Fallback>
+          <mc:Fallback xmlns="">
             <p:pic>
               <p:nvPicPr>
                 <p:cNvPr id="166" name="Freihand 165">
@@ -16057,8 +16066,8 @@
             </p:pic>
           </mc:Fallback>
         </mc:AlternateContent>
-        <mc:AlternateContent xmlns:mc="http://schemas.openxmlformats.org/markup-compatibility/2006">
-          <mc:Choice xmlns:p14="http://schemas.microsoft.com/office/powerpoint/2010/main" Requires="p14">
+        <mc:AlternateContent xmlns:mc="http://schemas.openxmlformats.org/markup-compatibility/2006" xmlns:p14="http://schemas.microsoft.com/office/powerpoint/2010/main">
+          <mc:Choice Requires="p14">
             <p:contentPart p14:bwMode="auto" r:id="rId208">
               <p14:nvContentPartPr>
                 <p14:cNvPr id="167" name="Freihand 166">
@@ -16077,7 +16086,7 @@
               </p14:xfrm>
             </p:contentPart>
           </mc:Choice>
-          <mc:Fallback>
+          <mc:Fallback xmlns="">
             <p:pic>
               <p:nvPicPr>
                 <p:cNvPr id="167" name="Freihand 166">
@@ -16108,8 +16117,8 @@
             </p:pic>
           </mc:Fallback>
         </mc:AlternateContent>
-        <mc:AlternateContent xmlns:mc="http://schemas.openxmlformats.org/markup-compatibility/2006">
-          <mc:Choice xmlns:p14="http://schemas.microsoft.com/office/powerpoint/2010/main" Requires="p14">
+        <mc:AlternateContent xmlns:mc="http://schemas.openxmlformats.org/markup-compatibility/2006" xmlns:p14="http://schemas.microsoft.com/office/powerpoint/2010/main">
+          <mc:Choice Requires="p14">
             <p:contentPart p14:bwMode="auto" r:id="rId210">
               <p14:nvContentPartPr>
                 <p14:cNvPr id="168" name="Freihand 167">
@@ -16128,7 +16137,7 @@
               </p14:xfrm>
             </p:contentPart>
           </mc:Choice>
-          <mc:Fallback>
+          <mc:Fallback xmlns="">
             <p:pic>
               <p:nvPicPr>
                 <p:cNvPr id="168" name="Freihand 167">
@@ -16159,8 +16168,8 @@
             </p:pic>
           </mc:Fallback>
         </mc:AlternateContent>
-        <mc:AlternateContent xmlns:mc="http://schemas.openxmlformats.org/markup-compatibility/2006">
-          <mc:Choice xmlns:p14="http://schemas.microsoft.com/office/powerpoint/2010/main" Requires="p14">
+        <mc:AlternateContent xmlns:mc="http://schemas.openxmlformats.org/markup-compatibility/2006" xmlns:p14="http://schemas.microsoft.com/office/powerpoint/2010/main">
+          <mc:Choice Requires="p14">
             <p:contentPart p14:bwMode="auto" r:id="rId212">
               <p14:nvContentPartPr>
                 <p14:cNvPr id="169" name="Freihand 168">
@@ -16179,7 +16188,7 @@
               </p14:xfrm>
             </p:contentPart>
           </mc:Choice>
-          <mc:Fallback>
+          <mc:Fallback xmlns="">
             <p:pic>
               <p:nvPicPr>
                 <p:cNvPr id="169" name="Freihand 168">
@@ -16210,8 +16219,8 @@
             </p:pic>
           </mc:Fallback>
         </mc:AlternateContent>
-        <mc:AlternateContent xmlns:mc="http://schemas.openxmlformats.org/markup-compatibility/2006">
-          <mc:Choice xmlns:p14="http://schemas.microsoft.com/office/powerpoint/2010/main" Requires="p14">
+        <mc:AlternateContent xmlns:mc="http://schemas.openxmlformats.org/markup-compatibility/2006" xmlns:p14="http://schemas.microsoft.com/office/powerpoint/2010/main">
+          <mc:Choice Requires="p14">
             <p:contentPart p14:bwMode="auto" r:id="rId214">
               <p14:nvContentPartPr>
                 <p14:cNvPr id="170" name="Freihand 169">
@@ -16230,7 +16239,7 @@
               </p14:xfrm>
             </p:contentPart>
           </mc:Choice>
-          <mc:Fallback>
+          <mc:Fallback xmlns="">
             <p:pic>
               <p:nvPicPr>
                 <p:cNvPr id="170" name="Freihand 169">
@@ -16261,8 +16270,8 @@
             </p:pic>
           </mc:Fallback>
         </mc:AlternateContent>
-        <mc:AlternateContent xmlns:mc="http://schemas.openxmlformats.org/markup-compatibility/2006">
-          <mc:Choice xmlns:p14="http://schemas.microsoft.com/office/powerpoint/2010/main" Requires="p14">
+        <mc:AlternateContent xmlns:mc="http://schemas.openxmlformats.org/markup-compatibility/2006" xmlns:p14="http://schemas.microsoft.com/office/powerpoint/2010/main">
+          <mc:Choice Requires="p14">
             <p:contentPart p14:bwMode="auto" r:id="rId216">
               <p14:nvContentPartPr>
                 <p14:cNvPr id="177" name="Freihand 176">
@@ -16281,7 +16290,7 @@
               </p14:xfrm>
             </p:contentPart>
           </mc:Choice>
-          <mc:Fallback>
+          <mc:Fallback xmlns="">
             <p:pic>
               <p:nvPicPr>
                 <p:cNvPr id="177" name="Freihand 176">
@@ -16312,8 +16321,8 @@
             </p:pic>
           </mc:Fallback>
         </mc:AlternateContent>
-        <mc:AlternateContent xmlns:mc="http://schemas.openxmlformats.org/markup-compatibility/2006">
-          <mc:Choice xmlns:p14="http://schemas.microsoft.com/office/powerpoint/2010/main" Requires="p14">
+        <mc:AlternateContent xmlns:mc="http://schemas.openxmlformats.org/markup-compatibility/2006" xmlns:p14="http://schemas.microsoft.com/office/powerpoint/2010/main">
+          <mc:Choice Requires="p14">
             <p:contentPart p14:bwMode="auto" r:id="rId218">
               <p14:nvContentPartPr>
                 <p14:cNvPr id="178" name="Freihand 177">
@@ -16332,7 +16341,7 @@
               </p14:xfrm>
             </p:contentPart>
           </mc:Choice>
-          <mc:Fallback>
+          <mc:Fallback xmlns="">
             <p:pic>
               <p:nvPicPr>
                 <p:cNvPr id="178" name="Freihand 177">
@@ -16363,8 +16372,8 @@
             </p:pic>
           </mc:Fallback>
         </mc:AlternateContent>
-        <mc:AlternateContent xmlns:mc="http://schemas.openxmlformats.org/markup-compatibility/2006">
-          <mc:Choice xmlns:p14="http://schemas.microsoft.com/office/powerpoint/2010/main" Requires="p14">
+        <mc:AlternateContent xmlns:mc="http://schemas.openxmlformats.org/markup-compatibility/2006" xmlns:p14="http://schemas.microsoft.com/office/powerpoint/2010/main">
+          <mc:Choice Requires="p14">
             <p:contentPart p14:bwMode="auto" r:id="rId220">
               <p14:nvContentPartPr>
                 <p14:cNvPr id="179" name="Freihand 178">
@@ -16383,7 +16392,7 @@
               </p14:xfrm>
             </p:contentPart>
           </mc:Choice>
-          <mc:Fallback>
+          <mc:Fallback xmlns="">
             <p:pic>
               <p:nvPicPr>
                 <p:cNvPr id="179" name="Freihand 178">
@@ -16414,8 +16423,8 @@
             </p:pic>
           </mc:Fallback>
         </mc:AlternateContent>
-        <mc:AlternateContent xmlns:mc="http://schemas.openxmlformats.org/markup-compatibility/2006">
-          <mc:Choice xmlns:p14="http://schemas.microsoft.com/office/powerpoint/2010/main" Requires="p14">
+        <mc:AlternateContent xmlns:mc="http://schemas.openxmlformats.org/markup-compatibility/2006" xmlns:p14="http://schemas.microsoft.com/office/powerpoint/2010/main">
+          <mc:Choice Requires="p14">
             <p:contentPart p14:bwMode="auto" r:id="rId222">
               <p14:nvContentPartPr>
                 <p14:cNvPr id="181" name="Freihand 180">
@@ -16434,7 +16443,7 @@
               </p14:xfrm>
             </p:contentPart>
           </mc:Choice>
-          <mc:Fallback>
+          <mc:Fallback xmlns="">
             <p:pic>
               <p:nvPicPr>
                 <p:cNvPr id="181" name="Freihand 180">
@@ -16465,8 +16474,8 @@
             </p:pic>
           </mc:Fallback>
         </mc:AlternateContent>
-        <mc:AlternateContent xmlns:mc="http://schemas.openxmlformats.org/markup-compatibility/2006">
-          <mc:Choice xmlns:p14="http://schemas.microsoft.com/office/powerpoint/2010/main" Requires="p14">
+        <mc:AlternateContent xmlns:mc="http://schemas.openxmlformats.org/markup-compatibility/2006" xmlns:p14="http://schemas.microsoft.com/office/powerpoint/2010/main">
+          <mc:Choice Requires="p14">
             <p:contentPart p14:bwMode="auto" r:id="rId224">
               <p14:nvContentPartPr>
                 <p14:cNvPr id="183" name="Freihand 182">
@@ -16485,7 +16494,7 @@
               </p14:xfrm>
             </p:contentPart>
           </mc:Choice>
-          <mc:Fallback>
+          <mc:Fallback xmlns="">
             <p:pic>
               <p:nvPicPr>
                 <p:cNvPr id="183" name="Freihand 182">
@@ -16516,8 +16525,8 @@
             </p:pic>
           </mc:Fallback>
         </mc:AlternateContent>
-        <mc:AlternateContent xmlns:mc="http://schemas.openxmlformats.org/markup-compatibility/2006">
-          <mc:Choice xmlns:p14="http://schemas.microsoft.com/office/powerpoint/2010/main" Requires="p14">
+        <mc:AlternateContent xmlns:mc="http://schemas.openxmlformats.org/markup-compatibility/2006" xmlns:p14="http://schemas.microsoft.com/office/powerpoint/2010/main">
+          <mc:Choice Requires="p14">
             <p:contentPart p14:bwMode="auto" r:id="rId226">
               <p14:nvContentPartPr>
                 <p14:cNvPr id="185" name="Freihand 184">
@@ -16536,7 +16545,7 @@
               </p14:xfrm>
             </p:contentPart>
           </mc:Choice>
-          <mc:Fallback>
+          <mc:Fallback xmlns="">
             <p:pic>
               <p:nvPicPr>
                 <p:cNvPr id="185" name="Freihand 184">
@@ -16567,8 +16576,8 @@
             </p:pic>
           </mc:Fallback>
         </mc:AlternateContent>
-        <mc:AlternateContent xmlns:mc="http://schemas.openxmlformats.org/markup-compatibility/2006">
-          <mc:Choice xmlns:p14="http://schemas.microsoft.com/office/powerpoint/2010/main" Requires="p14">
+        <mc:AlternateContent xmlns:mc="http://schemas.openxmlformats.org/markup-compatibility/2006" xmlns:p14="http://schemas.microsoft.com/office/powerpoint/2010/main">
+          <mc:Choice Requires="p14">
             <p:contentPart p14:bwMode="auto" r:id="rId228">
               <p14:nvContentPartPr>
                 <p14:cNvPr id="187" name="Freihand 186">
@@ -16587,7 +16596,7 @@
               </p14:xfrm>
             </p:contentPart>
           </mc:Choice>
-          <mc:Fallback>
+          <mc:Fallback xmlns="">
             <p:pic>
               <p:nvPicPr>
                 <p:cNvPr id="187" name="Freihand 186">
@@ -16618,8 +16627,8 @@
             </p:pic>
           </mc:Fallback>
         </mc:AlternateContent>
-        <mc:AlternateContent xmlns:mc="http://schemas.openxmlformats.org/markup-compatibility/2006">
-          <mc:Choice xmlns:p14="http://schemas.microsoft.com/office/powerpoint/2010/main" Requires="p14">
+        <mc:AlternateContent xmlns:mc="http://schemas.openxmlformats.org/markup-compatibility/2006" xmlns:p14="http://schemas.microsoft.com/office/powerpoint/2010/main">
+          <mc:Choice Requires="p14">
             <p:contentPart p14:bwMode="auto" r:id="rId230">
               <p14:nvContentPartPr>
                 <p14:cNvPr id="188" name="Freihand 187">
@@ -16638,7 +16647,7 @@
               </p14:xfrm>
             </p:contentPart>
           </mc:Choice>
-          <mc:Fallback>
+          <mc:Fallback xmlns="">
             <p:pic>
               <p:nvPicPr>
                 <p:cNvPr id="188" name="Freihand 187">
@@ -16669,8 +16678,8 @@
             </p:pic>
           </mc:Fallback>
         </mc:AlternateContent>
-        <mc:AlternateContent xmlns:mc="http://schemas.openxmlformats.org/markup-compatibility/2006">
-          <mc:Choice xmlns:p14="http://schemas.microsoft.com/office/powerpoint/2010/main" Requires="p14">
+        <mc:AlternateContent xmlns:mc="http://schemas.openxmlformats.org/markup-compatibility/2006" xmlns:p14="http://schemas.microsoft.com/office/powerpoint/2010/main">
+          <mc:Choice Requires="p14">
             <p:contentPart p14:bwMode="auto" r:id="rId232">
               <p14:nvContentPartPr>
                 <p14:cNvPr id="190" name="Freihand 189">
@@ -16689,7 +16698,7 @@
               </p14:xfrm>
             </p:contentPart>
           </mc:Choice>
-          <mc:Fallback>
+          <mc:Fallback xmlns="">
             <p:pic>
               <p:nvPicPr>
                 <p:cNvPr id="190" name="Freihand 189">
@@ -16720,8 +16729,8 @@
             </p:pic>
           </mc:Fallback>
         </mc:AlternateContent>
-        <mc:AlternateContent xmlns:mc="http://schemas.openxmlformats.org/markup-compatibility/2006">
-          <mc:Choice xmlns:p14="http://schemas.microsoft.com/office/powerpoint/2010/main" Requires="p14">
+        <mc:AlternateContent xmlns:mc="http://schemas.openxmlformats.org/markup-compatibility/2006" xmlns:p14="http://schemas.microsoft.com/office/powerpoint/2010/main">
+          <mc:Choice Requires="p14">
             <p:contentPart p14:bwMode="auto" r:id="rId234">
               <p14:nvContentPartPr>
                 <p14:cNvPr id="192" name="Freihand 191">
@@ -16740,7 +16749,7 @@
               </p14:xfrm>
             </p:contentPart>
           </mc:Choice>
-          <mc:Fallback>
+          <mc:Fallback xmlns="">
             <p:pic>
               <p:nvPicPr>
                 <p:cNvPr id="192" name="Freihand 191">
@@ -16771,8 +16780,8 @@
             </p:pic>
           </mc:Fallback>
         </mc:AlternateContent>
-        <mc:AlternateContent xmlns:mc="http://schemas.openxmlformats.org/markup-compatibility/2006">
-          <mc:Choice xmlns:p14="http://schemas.microsoft.com/office/powerpoint/2010/main" Requires="p14">
+        <mc:AlternateContent xmlns:mc="http://schemas.openxmlformats.org/markup-compatibility/2006" xmlns:p14="http://schemas.microsoft.com/office/powerpoint/2010/main">
+          <mc:Choice Requires="p14">
             <p:contentPart p14:bwMode="auto" r:id="rId236">
               <p14:nvContentPartPr>
                 <p14:cNvPr id="193" name="Freihand 192">
@@ -16791,7 +16800,7 @@
               </p14:xfrm>
             </p:contentPart>
           </mc:Choice>
-          <mc:Fallback>
+          <mc:Fallback xmlns="">
             <p:pic>
               <p:nvPicPr>
                 <p:cNvPr id="193" name="Freihand 192">
@@ -16822,8 +16831,8 @@
             </p:pic>
           </mc:Fallback>
         </mc:AlternateContent>
-        <mc:AlternateContent xmlns:mc="http://schemas.openxmlformats.org/markup-compatibility/2006">
-          <mc:Choice xmlns:p14="http://schemas.microsoft.com/office/powerpoint/2010/main" Requires="p14">
+        <mc:AlternateContent xmlns:mc="http://schemas.openxmlformats.org/markup-compatibility/2006" xmlns:p14="http://schemas.microsoft.com/office/powerpoint/2010/main">
+          <mc:Choice Requires="p14">
             <p:contentPart p14:bwMode="auto" r:id="rId238">
               <p14:nvContentPartPr>
                 <p14:cNvPr id="194" name="Freihand 193">
@@ -16842,7 +16851,7 @@
               </p14:xfrm>
             </p:contentPart>
           </mc:Choice>
-          <mc:Fallback>
+          <mc:Fallback xmlns="">
             <p:pic>
               <p:nvPicPr>
                 <p:cNvPr id="194" name="Freihand 193">
@@ -16873,8 +16882,8 @@
             </p:pic>
           </mc:Fallback>
         </mc:AlternateContent>
-        <mc:AlternateContent xmlns:mc="http://schemas.openxmlformats.org/markup-compatibility/2006">
-          <mc:Choice xmlns:p14="http://schemas.microsoft.com/office/powerpoint/2010/main" Requires="p14">
+        <mc:AlternateContent xmlns:mc="http://schemas.openxmlformats.org/markup-compatibility/2006" xmlns:p14="http://schemas.microsoft.com/office/powerpoint/2010/main">
+          <mc:Choice Requires="p14">
             <p:contentPart p14:bwMode="auto" r:id="rId240">
               <p14:nvContentPartPr>
                 <p14:cNvPr id="195" name="Freihand 194">
@@ -16893,7 +16902,7 @@
               </p14:xfrm>
             </p:contentPart>
           </mc:Choice>
-          <mc:Fallback>
+          <mc:Fallback xmlns="">
             <p:pic>
               <p:nvPicPr>
                 <p:cNvPr id="195" name="Freihand 194">
@@ -16924,8 +16933,8 @@
             </p:pic>
           </mc:Fallback>
         </mc:AlternateContent>
-        <mc:AlternateContent xmlns:mc="http://schemas.openxmlformats.org/markup-compatibility/2006">
-          <mc:Choice xmlns:p14="http://schemas.microsoft.com/office/powerpoint/2010/main" Requires="p14">
+        <mc:AlternateContent xmlns:mc="http://schemas.openxmlformats.org/markup-compatibility/2006" xmlns:p14="http://schemas.microsoft.com/office/powerpoint/2010/main">
+          <mc:Choice Requires="p14">
             <p:contentPart p14:bwMode="auto" r:id="rId242">
               <p14:nvContentPartPr>
                 <p14:cNvPr id="196" name="Freihand 195">
@@ -16944,7 +16953,7 @@
               </p14:xfrm>
             </p:contentPart>
           </mc:Choice>
-          <mc:Fallback>
+          <mc:Fallback xmlns="">
             <p:pic>
               <p:nvPicPr>
                 <p:cNvPr id="196" name="Freihand 195">
@@ -16975,8 +16984,8 @@
             </p:pic>
           </mc:Fallback>
         </mc:AlternateContent>
-        <mc:AlternateContent xmlns:mc="http://schemas.openxmlformats.org/markup-compatibility/2006">
-          <mc:Choice xmlns:p14="http://schemas.microsoft.com/office/powerpoint/2010/main" Requires="p14">
+        <mc:AlternateContent xmlns:mc="http://schemas.openxmlformats.org/markup-compatibility/2006" xmlns:p14="http://schemas.microsoft.com/office/powerpoint/2010/main">
+          <mc:Choice Requires="p14">
             <p:contentPart p14:bwMode="auto" r:id="rId244">
               <p14:nvContentPartPr>
                 <p14:cNvPr id="197" name="Freihand 196">
@@ -16995,7 +17004,7 @@
               </p14:xfrm>
             </p:contentPart>
           </mc:Choice>
-          <mc:Fallback>
+          <mc:Fallback xmlns="">
             <p:pic>
               <p:nvPicPr>
                 <p:cNvPr id="197" name="Freihand 196">
@@ -17026,8 +17035,8 @@
             </p:pic>
           </mc:Fallback>
         </mc:AlternateContent>
-        <mc:AlternateContent xmlns:mc="http://schemas.openxmlformats.org/markup-compatibility/2006">
-          <mc:Choice xmlns:p14="http://schemas.microsoft.com/office/powerpoint/2010/main" Requires="p14">
+        <mc:AlternateContent xmlns:mc="http://schemas.openxmlformats.org/markup-compatibility/2006" xmlns:p14="http://schemas.microsoft.com/office/powerpoint/2010/main">
+          <mc:Choice Requires="p14">
             <p:contentPart p14:bwMode="auto" r:id="rId246">
               <p14:nvContentPartPr>
                 <p14:cNvPr id="198" name="Freihand 197">
@@ -17046,7 +17055,7 @@
               </p14:xfrm>
             </p:contentPart>
           </mc:Choice>
-          <mc:Fallback>
+          <mc:Fallback xmlns="">
             <p:pic>
               <p:nvPicPr>
                 <p:cNvPr id="198" name="Freihand 197">
@@ -17077,8 +17086,8 @@
             </p:pic>
           </mc:Fallback>
         </mc:AlternateContent>
-        <mc:AlternateContent xmlns:mc="http://schemas.openxmlformats.org/markup-compatibility/2006">
-          <mc:Choice xmlns:p14="http://schemas.microsoft.com/office/powerpoint/2010/main" Requires="p14">
+        <mc:AlternateContent xmlns:mc="http://schemas.openxmlformats.org/markup-compatibility/2006" xmlns:p14="http://schemas.microsoft.com/office/powerpoint/2010/main">
+          <mc:Choice Requires="p14">
             <p:contentPart p14:bwMode="auto" r:id="rId248">
               <p14:nvContentPartPr>
                 <p14:cNvPr id="200" name="Freihand 199">
@@ -17097,7 +17106,7 @@
               </p14:xfrm>
             </p:contentPart>
           </mc:Choice>
-          <mc:Fallback>
+          <mc:Fallback xmlns="">
             <p:pic>
               <p:nvPicPr>
                 <p:cNvPr id="200" name="Freihand 199">
@@ -17128,8 +17137,8 @@
             </p:pic>
           </mc:Fallback>
         </mc:AlternateContent>
-        <mc:AlternateContent xmlns:mc="http://schemas.openxmlformats.org/markup-compatibility/2006">
-          <mc:Choice xmlns:p14="http://schemas.microsoft.com/office/powerpoint/2010/main" Requires="p14">
+        <mc:AlternateContent xmlns:mc="http://schemas.openxmlformats.org/markup-compatibility/2006" xmlns:p14="http://schemas.microsoft.com/office/powerpoint/2010/main">
+          <mc:Choice Requires="p14">
             <p:contentPart p14:bwMode="auto" r:id="rId250">
               <p14:nvContentPartPr>
                 <p14:cNvPr id="201" name="Freihand 200">
@@ -17148,7 +17157,7 @@
               </p14:xfrm>
             </p:contentPart>
           </mc:Choice>
-          <mc:Fallback>
+          <mc:Fallback xmlns="">
             <p:pic>
               <p:nvPicPr>
                 <p:cNvPr id="201" name="Freihand 200">
@@ -17179,8 +17188,8 @@
             </p:pic>
           </mc:Fallback>
         </mc:AlternateContent>
-        <mc:AlternateContent xmlns:mc="http://schemas.openxmlformats.org/markup-compatibility/2006">
-          <mc:Choice xmlns:p14="http://schemas.microsoft.com/office/powerpoint/2010/main" Requires="p14">
+        <mc:AlternateContent xmlns:mc="http://schemas.openxmlformats.org/markup-compatibility/2006" xmlns:p14="http://schemas.microsoft.com/office/powerpoint/2010/main">
+          <mc:Choice Requires="p14">
             <p:contentPart p14:bwMode="auto" r:id="rId252">
               <p14:nvContentPartPr>
                 <p14:cNvPr id="202" name="Freihand 201">
@@ -17199,7 +17208,7 @@
               </p14:xfrm>
             </p:contentPart>
           </mc:Choice>
-          <mc:Fallback>
+          <mc:Fallback xmlns="">
             <p:pic>
               <p:nvPicPr>
                 <p:cNvPr id="202" name="Freihand 201">
@@ -17230,8 +17239,8 @@
             </p:pic>
           </mc:Fallback>
         </mc:AlternateContent>
-        <mc:AlternateContent xmlns:mc="http://schemas.openxmlformats.org/markup-compatibility/2006">
-          <mc:Choice xmlns:p14="http://schemas.microsoft.com/office/powerpoint/2010/main" Requires="p14">
+        <mc:AlternateContent xmlns:mc="http://schemas.openxmlformats.org/markup-compatibility/2006" xmlns:p14="http://schemas.microsoft.com/office/powerpoint/2010/main">
+          <mc:Choice Requires="p14">
             <p:contentPart p14:bwMode="auto" r:id="rId254">
               <p14:nvContentPartPr>
                 <p14:cNvPr id="203" name="Freihand 202">
@@ -17250,7 +17259,7 @@
               </p14:xfrm>
             </p:contentPart>
           </mc:Choice>
-          <mc:Fallback>
+          <mc:Fallback xmlns="">
             <p:pic>
               <p:nvPicPr>
                 <p:cNvPr id="203" name="Freihand 202">
@@ -17281,8 +17290,8 @@
             </p:pic>
           </mc:Fallback>
         </mc:AlternateContent>
-        <mc:AlternateContent xmlns:mc="http://schemas.openxmlformats.org/markup-compatibility/2006">
-          <mc:Choice xmlns:p14="http://schemas.microsoft.com/office/powerpoint/2010/main" Requires="p14">
+        <mc:AlternateContent xmlns:mc="http://schemas.openxmlformats.org/markup-compatibility/2006" xmlns:p14="http://schemas.microsoft.com/office/powerpoint/2010/main">
+          <mc:Choice Requires="p14">
             <p:contentPart p14:bwMode="auto" r:id="rId256">
               <p14:nvContentPartPr>
                 <p14:cNvPr id="204" name="Freihand 203">
@@ -17301,7 +17310,7 @@
               </p14:xfrm>
             </p:contentPart>
           </mc:Choice>
-          <mc:Fallback>
+          <mc:Fallback xmlns="">
             <p:pic>
               <p:nvPicPr>
                 <p:cNvPr id="204" name="Freihand 203">
@@ -17332,8 +17341,8 @@
             </p:pic>
           </mc:Fallback>
         </mc:AlternateContent>
-        <mc:AlternateContent xmlns:mc="http://schemas.openxmlformats.org/markup-compatibility/2006">
-          <mc:Choice xmlns:p14="http://schemas.microsoft.com/office/powerpoint/2010/main" Requires="p14">
+        <mc:AlternateContent xmlns:mc="http://schemas.openxmlformats.org/markup-compatibility/2006" xmlns:p14="http://schemas.microsoft.com/office/powerpoint/2010/main">
+          <mc:Choice Requires="p14">
             <p:contentPart p14:bwMode="auto" r:id="rId258">
               <p14:nvContentPartPr>
                 <p14:cNvPr id="205" name="Freihand 204">
@@ -17352,7 +17361,7 @@
               </p14:xfrm>
             </p:contentPart>
           </mc:Choice>
-          <mc:Fallback>
+          <mc:Fallback xmlns="">
             <p:pic>
               <p:nvPicPr>
                 <p:cNvPr id="205" name="Freihand 204">
@@ -17383,8 +17392,8 @@
             </p:pic>
           </mc:Fallback>
         </mc:AlternateContent>
-        <mc:AlternateContent xmlns:mc="http://schemas.openxmlformats.org/markup-compatibility/2006">
-          <mc:Choice xmlns:p14="http://schemas.microsoft.com/office/powerpoint/2010/main" Requires="p14">
+        <mc:AlternateContent xmlns:mc="http://schemas.openxmlformats.org/markup-compatibility/2006" xmlns:p14="http://schemas.microsoft.com/office/powerpoint/2010/main">
+          <mc:Choice Requires="p14">
             <p:contentPart p14:bwMode="auto" r:id="rId260">
               <p14:nvContentPartPr>
                 <p14:cNvPr id="206" name="Freihand 205">
@@ -17403,7 +17412,7 @@
               </p14:xfrm>
             </p:contentPart>
           </mc:Choice>
-          <mc:Fallback>
+          <mc:Fallback xmlns="">
             <p:pic>
               <p:nvPicPr>
                 <p:cNvPr id="206" name="Freihand 205">
@@ -17434,8 +17443,8 @@
             </p:pic>
           </mc:Fallback>
         </mc:AlternateContent>
-        <mc:AlternateContent xmlns:mc="http://schemas.openxmlformats.org/markup-compatibility/2006">
-          <mc:Choice xmlns:p14="http://schemas.microsoft.com/office/powerpoint/2010/main" Requires="p14">
+        <mc:AlternateContent xmlns:mc="http://schemas.openxmlformats.org/markup-compatibility/2006" xmlns:p14="http://schemas.microsoft.com/office/powerpoint/2010/main">
+          <mc:Choice Requires="p14">
             <p:contentPart p14:bwMode="auto" r:id="rId262">
               <p14:nvContentPartPr>
                 <p14:cNvPr id="251" name="Freihand 250">
@@ -17454,7 +17463,7 @@
               </p14:xfrm>
             </p:contentPart>
           </mc:Choice>
-          <mc:Fallback>
+          <mc:Fallback xmlns="">
             <p:pic>
               <p:nvPicPr>
                 <p:cNvPr id="251" name="Freihand 250">
@@ -17485,8 +17494,8 @@
             </p:pic>
           </mc:Fallback>
         </mc:AlternateContent>
-        <mc:AlternateContent xmlns:mc="http://schemas.openxmlformats.org/markup-compatibility/2006">
-          <mc:Choice xmlns:p14="http://schemas.microsoft.com/office/powerpoint/2010/main" Requires="p14">
+        <mc:AlternateContent xmlns:mc="http://schemas.openxmlformats.org/markup-compatibility/2006" xmlns:p14="http://schemas.microsoft.com/office/powerpoint/2010/main">
+          <mc:Choice Requires="p14">
             <p:contentPart p14:bwMode="auto" r:id="rId264">
               <p14:nvContentPartPr>
                 <p14:cNvPr id="252" name="Freihand 251">
@@ -17505,7 +17514,7 @@
               </p14:xfrm>
             </p:contentPart>
           </mc:Choice>
-          <mc:Fallback>
+          <mc:Fallback xmlns="">
             <p:pic>
               <p:nvPicPr>
                 <p:cNvPr id="252" name="Freihand 251">
@@ -17536,8 +17545,8 @@
             </p:pic>
           </mc:Fallback>
         </mc:AlternateContent>
-        <mc:AlternateContent xmlns:mc="http://schemas.openxmlformats.org/markup-compatibility/2006">
-          <mc:Choice xmlns:p14="http://schemas.microsoft.com/office/powerpoint/2010/main" Requires="p14">
+        <mc:AlternateContent xmlns:mc="http://schemas.openxmlformats.org/markup-compatibility/2006" xmlns:p14="http://schemas.microsoft.com/office/powerpoint/2010/main">
+          <mc:Choice Requires="p14">
             <p:contentPart p14:bwMode="auto" r:id="rId266">
               <p14:nvContentPartPr>
                 <p14:cNvPr id="253" name="Freihand 252">
@@ -17556,7 +17565,7 @@
               </p14:xfrm>
             </p:contentPart>
           </mc:Choice>
-          <mc:Fallback>
+          <mc:Fallback xmlns="">
             <p:pic>
               <p:nvPicPr>
                 <p:cNvPr id="253" name="Freihand 252">
@@ -17587,8 +17596,8 @@
             </p:pic>
           </mc:Fallback>
         </mc:AlternateContent>
-        <mc:AlternateContent xmlns:mc="http://schemas.openxmlformats.org/markup-compatibility/2006">
-          <mc:Choice xmlns:p14="http://schemas.microsoft.com/office/powerpoint/2010/main" Requires="p14">
+        <mc:AlternateContent xmlns:mc="http://schemas.openxmlformats.org/markup-compatibility/2006" xmlns:p14="http://schemas.microsoft.com/office/powerpoint/2010/main">
+          <mc:Choice Requires="p14">
             <p:contentPart p14:bwMode="auto" r:id="rId268">
               <p14:nvContentPartPr>
                 <p14:cNvPr id="254" name="Freihand 253">
@@ -17607,7 +17616,7 @@
               </p14:xfrm>
             </p:contentPart>
           </mc:Choice>
-          <mc:Fallback>
+          <mc:Fallback xmlns="">
             <p:pic>
               <p:nvPicPr>
                 <p:cNvPr id="254" name="Freihand 253">
@@ -17638,8 +17647,8 @@
             </p:pic>
           </mc:Fallback>
         </mc:AlternateContent>
-        <mc:AlternateContent xmlns:mc="http://schemas.openxmlformats.org/markup-compatibility/2006">
-          <mc:Choice xmlns:p14="http://schemas.microsoft.com/office/powerpoint/2010/main" Requires="p14">
+        <mc:AlternateContent xmlns:mc="http://schemas.openxmlformats.org/markup-compatibility/2006" xmlns:p14="http://schemas.microsoft.com/office/powerpoint/2010/main">
+          <mc:Choice Requires="p14">
             <p:contentPart p14:bwMode="auto" r:id="rId270">
               <p14:nvContentPartPr>
                 <p14:cNvPr id="255" name="Freihand 254">
@@ -17658,7 +17667,7 @@
               </p14:xfrm>
             </p:contentPart>
           </mc:Choice>
-          <mc:Fallback>
+          <mc:Fallback xmlns="">
             <p:pic>
               <p:nvPicPr>
                 <p:cNvPr id="255" name="Freihand 254">
@@ -17689,8 +17698,8 @@
             </p:pic>
           </mc:Fallback>
         </mc:AlternateContent>
-        <mc:AlternateContent xmlns:mc="http://schemas.openxmlformats.org/markup-compatibility/2006">
-          <mc:Choice xmlns:p14="http://schemas.microsoft.com/office/powerpoint/2010/main" Requires="p14">
+        <mc:AlternateContent xmlns:mc="http://schemas.openxmlformats.org/markup-compatibility/2006" xmlns:p14="http://schemas.microsoft.com/office/powerpoint/2010/main">
+          <mc:Choice Requires="p14">
             <p:contentPart p14:bwMode="auto" r:id="rId272">
               <p14:nvContentPartPr>
                 <p14:cNvPr id="256" name="Freihand 255">
@@ -17709,7 +17718,7 @@
               </p14:xfrm>
             </p:contentPart>
           </mc:Choice>
-          <mc:Fallback>
+          <mc:Fallback xmlns="">
             <p:pic>
               <p:nvPicPr>
                 <p:cNvPr id="256" name="Freihand 255">
@@ -17740,8 +17749,8 @@
             </p:pic>
           </mc:Fallback>
         </mc:AlternateContent>
-        <mc:AlternateContent xmlns:mc="http://schemas.openxmlformats.org/markup-compatibility/2006">
-          <mc:Choice xmlns:p14="http://schemas.microsoft.com/office/powerpoint/2010/main" Requires="p14">
+        <mc:AlternateContent xmlns:mc="http://schemas.openxmlformats.org/markup-compatibility/2006" xmlns:p14="http://schemas.microsoft.com/office/powerpoint/2010/main">
+          <mc:Choice Requires="p14">
             <p:contentPart p14:bwMode="auto" r:id="rId274">
               <p14:nvContentPartPr>
                 <p14:cNvPr id="257" name="Freihand 256">
@@ -17760,7 +17769,7 @@
               </p14:xfrm>
             </p:contentPart>
           </mc:Choice>
-          <mc:Fallback>
+          <mc:Fallback xmlns="">
             <p:pic>
               <p:nvPicPr>
                 <p:cNvPr id="257" name="Freihand 256">
@@ -17791,8 +17800,8 @@
             </p:pic>
           </mc:Fallback>
         </mc:AlternateContent>
-        <mc:AlternateContent xmlns:mc="http://schemas.openxmlformats.org/markup-compatibility/2006">
-          <mc:Choice xmlns:p14="http://schemas.microsoft.com/office/powerpoint/2010/main" Requires="p14">
+        <mc:AlternateContent xmlns:mc="http://schemas.openxmlformats.org/markup-compatibility/2006" xmlns:p14="http://schemas.microsoft.com/office/powerpoint/2010/main">
+          <mc:Choice Requires="p14">
             <p:contentPart p14:bwMode="auto" r:id="rId276">
               <p14:nvContentPartPr>
                 <p14:cNvPr id="258" name="Freihand 257">
@@ -17811,7 +17820,7 @@
               </p14:xfrm>
             </p:contentPart>
           </mc:Choice>
-          <mc:Fallback>
+          <mc:Fallback xmlns="">
             <p:pic>
               <p:nvPicPr>
                 <p:cNvPr id="258" name="Freihand 257">
@@ -17842,8 +17851,8 @@
             </p:pic>
           </mc:Fallback>
         </mc:AlternateContent>
-        <mc:AlternateContent xmlns:mc="http://schemas.openxmlformats.org/markup-compatibility/2006">
-          <mc:Choice xmlns:p14="http://schemas.microsoft.com/office/powerpoint/2010/main" Requires="p14">
+        <mc:AlternateContent xmlns:mc="http://schemas.openxmlformats.org/markup-compatibility/2006" xmlns:p14="http://schemas.microsoft.com/office/powerpoint/2010/main">
+          <mc:Choice Requires="p14">
             <p:contentPart p14:bwMode="auto" r:id="rId278">
               <p14:nvContentPartPr>
                 <p14:cNvPr id="259" name="Freihand 258">
@@ -17862,7 +17871,7 @@
               </p14:xfrm>
             </p:contentPart>
           </mc:Choice>
-          <mc:Fallback>
+          <mc:Fallback xmlns="">
             <p:pic>
               <p:nvPicPr>
                 <p:cNvPr id="259" name="Freihand 258">
@@ -17893,8 +17902,8 @@
             </p:pic>
           </mc:Fallback>
         </mc:AlternateContent>
-        <mc:AlternateContent xmlns:mc="http://schemas.openxmlformats.org/markup-compatibility/2006">
-          <mc:Choice xmlns:p14="http://schemas.microsoft.com/office/powerpoint/2010/main" Requires="p14">
+        <mc:AlternateContent xmlns:mc="http://schemas.openxmlformats.org/markup-compatibility/2006" xmlns:p14="http://schemas.microsoft.com/office/powerpoint/2010/main">
+          <mc:Choice Requires="p14">
             <p:contentPart p14:bwMode="auto" r:id="rId280">
               <p14:nvContentPartPr>
                 <p14:cNvPr id="261" name="Freihand 260">
@@ -17913,7 +17922,7 @@
               </p14:xfrm>
             </p:contentPart>
           </mc:Choice>
-          <mc:Fallback>
+          <mc:Fallback xmlns="">
             <p:pic>
               <p:nvPicPr>
                 <p:cNvPr id="261" name="Freihand 260">
@@ -17944,8 +17953,8 @@
             </p:pic>
           </mc:Fallback>
         </mc:AlternateContent>
-        <mc:AlternateContent xmlns:mc="http://schemas.openxmlformats.org/markup-compatibility/2006">
-          <mc:Choice xmlns:p14="http://schemas.microsoft.com/office/powerpoint/2010/main" Requires="p14">
+        <mc:AlternateContent xmlns:mc="http://schemas.openxmlformats.org/markup-compatibility/2006" xmlns:p14="http://schemas.microsoft.com/office/powerpoint/2010/main">
+          <mc:Choice Requires="p14">
             <p:contentPart p14:bwMode="auto" r:id="rId282">
               <p14:nvContentPartPr>
                 <p14:cNvPr id="262" name="Freihand 261">
@@ -17964,7 +17973,7 @@
               </p14:xfrm>
             </p:contentPart>
           </mc:Choice>
-          <mc:Fallback>
+          <mc:Fallback xmlns="">
             <p:pic>
               <p:nvPicPr>
                 <p:cNvPr id="262" name="Freihand 261">
@@ -17995,8 +18004,8 @@
             </p:pic>
           </mc:Fallback>
         </mc:AlternateContent>
-        <mc:AlternateContent xmlns:mc="http://schemas.openxmlformats.org/markup-compatibility/2006">
-          <mc:Choice xmlns:p14="http://schemas.microsoft.com/office/powerpoint/2010/main" Requires="p14">
+        <mc:AlternateContent xmlns:mc="http://schemas.openxmlformats.org/markup-compatibility/2006" xmlns:p14="http://schemas.microsoft.com/office/powerpoint/2010/main">
+          <mc:Choice Requires="p14">
             <p:contentPart p14:bwMode="auto" r:id="rId284">
               <p14:nvContentPartPr>
                 <p14:cNvPr id="263" name="Freihand 262">
@@ -18015,7 +18024,7 @@
               </p14:xfrm>
             </p:contentPart>
           </mc:Choice>
-          <mc:Fallback>
+          <mc:Fallback xmlns="">
             <p:pic>
               <p:nvPicPr>
                 <p:cNvPr id="263" name="Freihand 262">
@@ -18046,8 +18055,8 @@
             </p:pic>
           </mc:Fallback>
         </mc:AlternateContent>
-        <mc:AlternateContent xmlns:mc="http://schemas.openxmlformats.org/markup-compatibility/2006">
-          <mc:Choice xmlns:p14="http://schemas.microsoft.com/office/powerpoint/2010/main" Requires="p14">
+        <mc:AlternateContent xmlns:mc="http://schemas.openxmlformats.org/markup-compatibility/2006" xmlns:p14="http://schemas.microsoft.com/office/powerpoint/2010/main">
+          <mc:Choice Requires="p14">
             <p:contentPart p14:bwMode="auto" r:id="rId286">
               <p14:nvContentPartPr>
                 <p14:cNvPr id="265" name="Freihand 264">
@@ -18066,7 +18075,7 @@
               </p14:xfrm>
             </p:contentPart>
           </mc:Choice>
-          <mc:Fallback>
+          <mc:Fallback xmlns="">
             <p:pic>
               <p:nvPicPr>
                 <p:cNvPr id="265" name="Freihand 264">
@@ -18097,8 +18106,8 @@
             </p:pic>
           </mc:Fallback>
         </mc:AlternateContent>
-        <mc:AlternateContent xmlns:mc="http://schemas.openxmlformats.org/markup-compatibility/2006">
-          <mc:Choice xmlns:p14="http://schemas.microsoft.com/office/powerpoint/2010/main" Requires="p14">
+        <mc:AlternateContent xmlns:mc="http://schemas.openxmlformats.org/markup-compatibility/2006" xmlns:p14="http://schemas.microsoft.com/office/powerpoint/2010/main">
+          <mc:Choice Requires="p14">
             <p:contentPart p14:bwMode="auto" r:id="rId288">
               <p14:nvContentPartPr>
                 <p14:cNvPr id="266" name="Freihand 265">
@@ -18117,7 +18126,7 @@
               </p14:xfrm>
             </p:contentPart>
           </mc:Choice>
-          <mc:Fallback>
+          <mc:Fallback xmlns="">
             <p:pic>
               <p:nvPicPr>
                 <p:cNvPr id="266" name="Freihand 265">
@@ -18148,8 +18157,8 @@
             </p:pic>
           </mc:Fallback>
         </mc:AlternateContent>
-        <mc:AlternateContent xmlns:mc="http://schemas.openxmlformats.org/markup-compatibility/2006">
-          <mc:Choice xmlns:p14="http://schemas.microsoft.com/office/powerpoint/2010/main" Requires="p14">
+        <mc:AlternateContent xmlns:mc="http://schemas.openxmlformats.org/markup-compatibility/2006" xmlns:p14="http://schemas.microsoft.com/office/powerpoint/2010/main">
+          <mc:Choice Requires="p14">
             <p:contentPart p14:bwMode="auto" r:id="rId290">
               <p14:nvContentPartPr>
                 <p14:cNvPr id="267" name="Freihand 266">
@@ -18168,7 +18177,7 @@
               </p14:xfrm>
             </p:contentPart>
           </mc:Choice>
-          <mc:Fallback>
+          <mc:Fallback xmlns="">
             <p:pic>
               <p:nvPicPr>
                 <p:cNvPr id="267" name="Freihand 266">
@@ -18199,8 +18208,8 @@
             </p:pic>
           </mc:Fallback>
         </mc:AlternateContent>
-        <mc:AlternateContent xmlns:mc="http://schemas.openxmlformats.org/markup-compatibility/2006">
-          <mc:Choice xmlns:p14="http://schemas.microsoft.com/office/powerpoint/2010/main" Requires="p14">
+        <mc:AlternateContent xmlns:mc="http://schemas.openxmlformats.org/markup-compatibility/2006" xmlns:p14="http://schemas.microsoft.com/office/powerpoint/2010/main">
+          <mc:Choice Requires="p14">
             <p:contentPart p14:bwMode="auto" r:id="rId292">
               <p14:nvContentPartPr>
                 <p14:cNvPr id="268" name="Freihand 267">
@@ -18219,7 +18228,7 @@
               </p14:xfrm>
             </p:contentPart>
           </mc:Choice>
-          <mc:Fallback>
+          <mc:Fallback xmlns="">
             <p:pic>
               <p:nvPicPr>
                 <p:cNvPr id="268" name="Freihand 267">
@@ -18250,8 +18259,8 @@
             </p:pic>
           </mc:Fallback>
         </mc:AlternateContent>
-        <mc:AlternateContent xmlns:mc="http://schemas.openxmlformats.org/markup-compatibility/2006">
-          <mc:Choice xmlns:p14="http://schemas.microsoft.com/office/powerpoint/2010/main" Requires="p14">
+        <mc:AlternateContent xmlns:mc="http://schemas.openxmlformats.org/markup-compatibility/2006" xmlns:p14="http://schemas.microsoft.com/office/powerpoint/2010/main">
+          <mc:Choice Requires="p14">
             <p:contentPart p14:bwMode="auto" r:id="rId294">
               <p14:nvContentPartPr>
                 <p14:cNvPr id="270" name="Freihand 269">
@@ -18270,7 +18279,7 @@
               </p14:xfrm>
             </p:contentPart>
           </mc:Choice>
-          <mc:Fallback>
+          <mc:Fallback xmlns="">
             <p:pic>
               <p:nvPicPr>
                 <p:cNvPr id="270" name="Freihand 269">
@@ -18301,8 +18310,8 @@
             </p:pic>
           </mc:Fallback>
         </mc:AlternateContent>
-        <mc:AlternateContent xmlns:mc="http://schemas.openxmlformats.org/markup-compatibility/2006">
-          <mc:Choice xmlns:p14="http://schemas.microsoft.com/office/powerpoint/2010/main" Requires="p14">
+        <mc:AlternateContent xmlns:mc="http://schemas.openxmlformats.org/markup-compatibility/2006" xmlns:p14="http://schemas.microsoft.com/office/powerpoint/2010/main">
+          <mc:Choice Requires="p14">
             <p:contentPart p14:bwMode="auto" r:id="rId296">
               <p14:nvContentPartPr>
                 <p14:cNvPr id="271" name="Freihand 270">
@@ -18321,7 +18330,7 @@
               </p14:xfrm>
             </p:contentPart>
           </mc:Choice>
-          <mc:Fallback>
+          <mc:Fallback xmlns="">
             <p:pic>
               <p:nvPicPr>
                 <p:cNvPr id="271" name="Freihand 270">
@@ -18352,8 +18361,8 @@
             </p:pic>
           </mc:Fallback>
         </mc:AlternateContent>
-        <mc:AlternateContent xmlns:mc="http://schemas.openxmlformats.org/markup-compatibility/2006">
-          <mc:Choice xmlns:p14="http://schemas.microsoft.com/office/powerpoint/2010/main" Requires="p14">
+        <mc:AlternateContent xmlns:mc="http://schemas.openxmlformats.org/markup-compatibility/2006" xmlns:p14="http://schemas.microsoft.com/office/powerpoint/2010/main">
+          <mc:Choice Requires="p14">
             <p:contentPart p14:bwMode="auto" r:id="rId298">
               <p14:nvContentPartPr>
                 <p14:cNvPr id="272" name="Freihand 271">
@@ -18372,7 +18381,7 @@
               </p14:xfrm>
             </p:contentPart>
           </mc:Choice>
-          <mc:Fallback>
+          <mc:Fallback xmlns="">
             <p:pic>
               <p:nvPicPr>
                 <p:cNvPr id="272" name="Freihand 271">
@@ -18403,8 +18412,8 @@
             </p:pic>
           </mc:Fallback>
         </mc:AlternateContent>
-        <mc:AlternateContent xmlns:mc="http://schemas.openxmlformats.org/markup-compatibility/2006">
-          <mc:Choice xmlns:p14="http://schemas.microsoft.com/office/powerpoint/2010/main" Requires="p14">
+        <mc:AlternateContent xmlns:mc="http://schemas.openxmlformats.org/markup-compatibility/2006" xmlns:p14="http://schemas.microsoft.com/office/powerpoint/2010/main">
+          <mc:Choice Requires="p14">
             <p:contentPart p14:bwMode="auto" r:id="rId300">
               <p14:nvContentPartPr>
                 <p14:cNvPr id="273" name="Freihand 272">
@@ -18423,7 +18432,7 @@
               </p14:xfrm>
             </p:contentPart>
           </mc:Choice>
-          <mc:Fallback>
+          <mc:Fallback xmlns="">
             <p:pic>
               <p:nvPicPr>
                 <p:cNvPr id="273" name="Freihand 272">
@@ -18454,8 +18463,8 @@
             </p:pic>
           </mc:Fallback>
         </mc:AlternateContent>
-        <mc:AlternateContent xmlns:mc="http://schemas.openxmlformats.org/markup-compatibility/2006">
-          <mc:Choice xmlns:p14="http://schemas.microsoft.com/office/powerpoint/2010/main" Requires="p14">
+        <mc:AlternateContent xmlns:mc="http://schemas.openxmlformats.org/markup-compatibility/2006" xmlns:p14="http://schemas.microsoft.com/office/powerpoint/2010/main">
+          <mc:Choice Requires="p14">
             <p:contentPart p14:bwMode="auto" r:id="rId302">
               <p14:nvContentPartPr>
                 <p14:cNvPr id="274" name="Freihand 273">
@@ -18474,7 +18483,7 @@
               </p14:xfrm>
             </p:contentPart>
           </mc:Choice>
-          <mc:Fallback>
+          <mc:Fallback xmlns="">
             <p:pic>
               <p:nvPicPr>
                 <p:cNvPr id="274" name="Freihand 273">
@@ -18505,8 +18514,8 @@
             </p:pic>
           </mc:Fallback>
         </mc:AlternateContent>
-        <mc:AlternateContent xmlns:mc="http://schemas.openxmlformats.org/markup-compatibility/2006">
-          <mc:Choice xmlns:p14="http://schemas.microsoft.com/office/powerpoint/2010/main" Requires="p14">
+        <mc:AlternateContent xmlns:mc="http://schemas.openxmlformats.org/markup-compatibility/2006" xmlns:p14="http://schemas.microsoft.com/office/powerpoint/2010/main">
+          <mc:Choice Requires="p14">
             <p:contentPart p14:bwMode="auto" r:id="rId304">
               <p14:nvContentPartPr>
                 <p14:cNvPr id="275" name="Freihand 274">
@@ -18525,7 +18534,7 @@
               </p14:xfrm>
             </p:contentPart>
           </mc:Choice>
-          <mc:Fallback>
+          <mc:Fallback xmlns="">
             <p:pic>
               <p:nvPicPr>
                 <p:cNvPr id="275" name="Freihand 274">
@@ -18556,8 +18565,8 @@
             </p:pic>
           </mc:Fallback>
         </mc:AlternateContent>
-        <mc:AlternateContent xmlns:mc="http://schemas.openxmlformats.org/markup-compatibility/2006">
-          <mc:Choice xmlns:p14="http://schemas.microsoft.com/office/powerpoint/2010/main" Requires="p14">
+        <mc:AlternateContent xmlns:mc="http://schemas.openxmlformats.org/markup-compatibility/2006" xmlns:p14="http://schemas.microsoft.com/office/powerpoint/2010/main">
+          <mc:Choice Requires="p14">
             <p:contentPart p14:bwMode="auto" r:id="rId306">
               <p14:nvContentPartPr>
                 <p14:cNvPr id="276" name="Freihand 275">
@@ -18576,7 +18585,7 @@
               </p14:xfrm>
             </p:contentPart>
           </mc:Choice>
-          <mc:Fallback>
+          <mc:Fallback xmlns="">
             <p:pic>
               <p:nvPicPr>
                 <p:cNvPr id="276" name="Freihand 275">
@@ -18607,8 +18616,8 @@
             </p:pic>
           </mc:Fallback>
         </mc:AlternateContent>
-        <mc:AlternateContent xmlns:mc="http://schemas.openxmlformats.org/markup-compatibility/2006">
-          <mc:Choice xmlns:p14="http://schemas.microsoft.com/office/powerpoint/2010/main" Requires="p14">
+        <mc:AlternateContent xmlns:mc="http://schemas.openxmlformats.org/markup-compatibility/2006" xmlns:p14="http://schemas.microsoft.com/office/powerpoint/2010/main">
+          <mc:Choice Requires="p14">
             <p:contentPart p14:bwMode="auto" r:id="rId308">
               <p14:nvContentPartPr>
                 <p14:cNvPr id="277" name="Freihand 276">
@@ -18627,7 +18636,7 @@
               </p14:xfrm>
             </p:contentPart>
           </mc:Choice>
-          <mc:Fallback>
+          <mc:Fallback xmlns="">
             <p:pic>
               <p:nvPicPr>
                 <p:cNvPr id="277" name="Freihand 276">
@@ -18658,8 +18667,8 @@
             </p:pic>
           </mc:Fallback>
         </mc:AlternateContent>
-        <mc:AlternateContent xmlns:mc="http://schemas.openxmlformats.org/markup-compatibility/2006">
-          <mc:Choice xmlns:p14="http://schemas.microsoft.com/office/powerpoint/2010/main" Requires="p14">
+        <mc:AlternateContent xmlns:mc="http://schemas.openxmlformats.org/markup-compatibility/2006" xmlns:p14="http://schemas.microsoft.com/office/powerpoint/2010/main">
+          <mc:Choice Requires="p14">
             <p:contentPart p14:bwMode="auto" r:id="rId309">
               <p14:nvContentPartPr>
                 <p14:cNvPr id="278" name="Freihand 277">
@@ -18678,7 +18687,7 @@
               </p14:xfrm>
             </p:contentPart>
           </mc:Choice>
-          <mc:Fallback>
+          <mc:Fallback xmlns="">
             <p:pic>
               <p:nvPicPr>
                 <p:cNvPr id="278" name="Freihand 277">
@@ -18709,8 +18718,8 @@
             </p:pic>
           </mc:Fallback>
         </mc:AlternateContent>
-        <mc:AlternateContent xmlns:mc="http://schemas.openxmlformats.org/markup-compatibility/2006">
-          <mc:Choice xmlns:p14="http://schemas.microsoft.com/office/powerpoint/2010/main" Requires="p14">
+        <mc:AlternateContent xmlns:mc="http://schemas.openxmlformats.org/markup-compatibility/2006" xmlns:p14="http://schemas.microsoft.com/office/powerpoint/2010/main">
+          <mc:Choice Requires="p14">
             <p:contentPart p14:bwMode="auto" r:id="rId311">
               <p14:nvContentPartPr>
                 <p14:cNvPr id="280" name="Freihand 279">
@@ -18729,7 +18738,7 @@
               </p14:xfrm>
             </p:contentPart>
           </mc:Choice>
-          <mc:Fallback>
+          <mc:Fallback xmlns="">
             <p:pic>
               <p:nvPicPr>
                 <p:cNvPr id="280" name="Freihand 279">
@@ -18760,8 +18769,8 @@
             </p:pic>
           </mc:Fallback>
         </mc:AlternateContent>
-        <mc:AlternateContent xmlns:mc="http://schemas.openxmlformats.org/markup-compatibility/2006">
-          <mc:Choice xmlns:p14="http://schemas.microsoft.com/office/powerpoint/2010/main" Requires="p14">
+        <mc:AlternateContent xmlns:mc="http://schemas.openxmlformats.org/markup-compatibility/2006" xmlns:p14="http://schemas.microsoft.com/office/powerpoint/2010/main">
+          <mc:Choice Requires="p14">
             <p:contentPart p14:bwMode="auto" r:id="rId313">
               <p14:nvContentPartPr>
                 <p14:cNvPr id="281" name="Freihand 280">
@@ -18780,7 +18789,7 @@
               </p14:xfrm>
             </p:contentPart>
           </mc:Choice>
-          <mc:Fallback>
+          <mc:Fallback xmlns="">
             <p:pic>
               <p:nvPicPr>
                 <p:cNvPr id="281" name="Freihand 280">
@@ -18811,8 +18820,8 @@
             </p:pic>
           </mc:Fallback>
         </mc:AlternateContent>
-        <mc:AlternateContent xmlns:mc="http://schemas.openxmlformats.org/markup-compatibility/2006">
-          <mc:Choice xmlns:p14="http://schemas.microsoft.com/office/powerpoint/2010/main" Requires="p14">
+        <mc:AlternateContent xmlns:mc="http://schemas.openxmlformats.org/markup-compatibility/2006" xmlns:p14="http://schemas.microsoft.com/office/powerpoint/2010/main">
+          <mc:Choice Requires="p14">
             <p:contentPart p14:bwMode="auto" r:id="rId315">
               <p14:nvContentPartPr>
                 <p14:cNvPr id="284" name="Freihand 283">
@@ -18831,7 +18840,7 @@
               </p14:xfrm>
             </p:contentPart>
           </mc:Choice>
-          <mc:Fallback>
+          <mc:Fallback xmlns="">
             <p:pic>
               <p:nvPicPr>
                 <p:cNvPr id="284" name="Freihand 283">
@@ -18862,8 +18871,8 @@
             </p:pic>
           </mc:Fallback>
         </mc:AlternateContent>
-        <mc:AlternateContent xmlns:mc="http://schemas.openxmlformats.org/markup-compatibility/2006">
-          <mc:Choice xmlns:p14="http://schemas.microsoft.com/office/powerpoint/2010/main" Requires="p14">
+        <mc:AlternateContent xmlns:mc="http://schemas.openxmlformats.org/markup-compatibility/2006" xmlns:p14="http://schemas.microsoft.com/office/powerpoint/2010/main">
+          <mc:Choice Requires="p14">
             <p:contentPart p14:bwMode="auto" r:id="rId317">
               <p14:nvContentPartPr>
                 <p14:cNvPr id="285" name="Freihand 284">
@@ -18882,7 +18891,7 @@
               </p14:xfrm>
             </p:contentPart>
           </mc:Choice>
-          <mc:Fallback>
+          <mc:Fallback xmlns="">
             <p:pic>
               <p:nvPicPr>
                 <p:cNvPr id="285" name="Freihand 284">
@@ -18913,8 +18922,8 @@
             </p:pic>
           </mc:Fallback>
         </mc:AlternateContent>
-        <mc:AlternateContent xmlns:mc="http://schemas.openxmlformats.org/markup-compatibility/2006">
-          <mc:Choice xmlns:p14="http://schemas.microsoft.com/office/powerpoint/2010/main" Requires="p14">
+        <mc:AlternateContent xmlns:mc="http://schemas.openxmlformats.org/markup-compatibility/2006" xmlns:p14="http://schemas.microsoft.com/office/powerpoint/2010/main">
+          <mc:Choice Requires="p14">
             <p:contentPart p14:bwMode="auto" r:id="rId319">
               <p14:nvContentPartPr>
                 <p14:cNvPr id="286" name="Freihand 285">
@@ -18933,7 +18942,7 @@
               </p14:xfrm>
             </p:contentPart>
           </mc:Choice>
-          <mc:Fallback>
+          <mc:Fallback xmlns="">
             <p:pic>
               <p:nvPicPr>
                 <p:cNvPr id="286" name="Freihand 285">
@@ -18964,8 +18973,8 @@
             </p:pic>
           </mc:Fallback>
         </mc:AlternateContent>
-        <mc:AlternateContent xmlns:mc="http://schemas.openxmlformats.org/markup-compatibility/2006">
-          <mc:Choice xmlns:p14="http://schemas.microsoft.com/office/powerpoint/2010/main" Requires="p14">
+        <mc:AlternateContent xmlns:mc="http://schemas.openxmlformats.org/markup-compatibility/2006" xmlns:p14="http://schemas.microsoft.com/office/powerpoint/2010/main">
+          <mc:Choice Requires="p14">
             <p:contentPart p14:bwMode="auto" r:id="rId321">
               <p14:nvContentPartPr>
                 <p14:cNvPr id="291" name="Freihand 290">
@@ -18984,7 +18993,7 @@
               </p14:xfrm>
             </p:contentPart>
           </mc:Choice>
-          <mc:Fallback>
+          <mc:Fallback xmlns="">
             <p:pic>
               <p:nvPicPr>
                 <p:cNvPr id="291" name="Freihand 290">
@@ -19015,8 +19024,8 @@
             </p:pic>
           </mc:Fallback>
         </mc:AlternateContent>
-        <mc:AlternateContent xmlns:mc="http://schemas.openxmlformats.org/markup-compatibility/2006">
-          <mc:Choice xmlns:p14="http://schemas.microsoft.com/office/powerpoint/2010/main" Requires="p14">
+        <mc:AlternateContent xmlns:mc="http://schemas.openxmlformats.org/markup-compatibility/2006" xmlns:p14="http://schemas.microsoft.com/office/powerpoint/2010/main">
+          <mc:Choice Requires="p14">
             <p:contentPart p14:bwMode="auto" r:id="rId323">
               <p14:nvContentPartPr>
                 <p14:cNvPr id="292" name="Freihand 291">
@@ -19035,7 +19044,7 @@
               </p14:xfrm>
             </p:contentPart>
           </mc:Choice>
-          <mc:Fallback>
+          <mc:Fallback xmlns="">
             <p:pic>
               <p:nvPicPr>
                 <p:cNvPr id="292" name="Freihand 291">
@@ -19066,8 +19075,8 @@
             </p:pic>
           </mc:Fallback>
         </mc:AlternateContent>
-        <mc:AlternateContent xmlns:mc="http://schemas.openxmlformats.org/markup-compatibility/2006">
-          <mc:Choice xmlns:p14="http://schemas.microsoft.com/office/powerpoint/2010/main" Requires="p14">
+        <mc:AlternateContent xmlns:mc="http://schemas.openxmlformats.org/markup-compatibility/2006" xmlns:p14="http://schemas.microsoft.com/office/powerpoint/2010/main">
+          <mc:Choice Requires="p14">
             <p:contentPart p14:bwMode="auto" r:id="rId325">
               <p14:nvContentPartPr>
                 <p14:cNvPr id="293" name="Freihand 292">
@@ -19086,7 +19095,7 @@
               </p14:xfrm>
             </p:contentPart>
           </mc:Choice>
-          <mc:Fallback>
+          <mc:Fallback xmlns="">
             <p:pic>
               <p:nvPicPr>
                 <p:cNvPr id="293" name="Freihand 292">
@@ -19117,8 +19126,8 @@
             </p:pic>
           </mc:Fallback>
         </mc:AlternateContent>
-        <mc:AlternateContent xmlns:mc="http://schemas.openxmlformats.org/markup-compatibility/2006">
-          <mc:Choice xmlns:p14="http://schemas.microsoft.com/office/powerpoint/2010/main" Requires="p14">
+        <mc:AlternateContent xmlns:mc="http://schemas.openxmlformats.org/markup-compatibility/2006" xmlns:p14="http://schemas.microsoft.com/office/powerpoint/2010/main">
+          <mc:Choice Requires="p14">
             <p:contentPart p14:bwMode="auto" r:id="rId327">
               <p14:nvContentPartPr>
                 <p14:cNvPr id="295" name="Freihand 294">
@@ -19137,7 +19146,7 @@
               </p14:xfrm>
             </p:contentPart>
           </mc:Choice>
-          <mc:Fallback>
+          <mc:Fallback xmlns="">
             <p:pic>
               <p:nvPicPr>
                 <p:cNvPr id="295" name="Freihand 294">
@@ -19168,8 +19177,8 @@
             </p:pic>
           </mc:Fallback>
         </mc:AlternateContent>
-        <mc:AlternateContent xmlns:mc="http://schemas.openxmlformats.org/markup-compatibility/2006">
-          <mc:Choice xmlns:p14="http://schemas.microsoft.com/office/powerpoint/2010/main" Requires="p14">
+        <mc:AlternateContent xmlns:mc="http://schemas.openxmlformats.org/markup-compatibility/2006" xmlns:p14="http://schemas.microsoft.com/office/powerpoint/2010/main">
+          <mc:Choice Requires="p14">
             <p:contentPart p14:bwMode="auto" r:id="rId329">
               <p14:nvContentPartPr>
                 <p14:cNvPr id="296" name="Freihand 295">
@@ -19188,7 +19197,7 @@
               </p14:xfrm>
             </p:contentPart>
           </mc:Choice>
-          <mc:Fallback>
+          <mc:Fallback xmlns="">
             <p:pic>
               <p:nvPicPr>
                 <p:cNvPr id="296" name="Freihand 295">
@@ -19219,8 +19228,8 @@
             </p:pic>
           </mc:Fallback>
         </mc:AlternateContent>
-        <mc:AlternateContent xmlns:mc="http://schemas.openxmlformats.org/markup-compatibility/2006">
-          <mc:Choice xmlns:p14="http://schemas.microsoft.com/office/powerpoint/2010/main" Requires="p14">
+        <mc:AlternateContent xmlns:mc="http://schemas.openxmlformats.org/markup-compatibility/2006" xmlns:p14="http://schemas.microsoft.com/office/powerpoint/2010/main">
+          <mc:Choice Requires="p14">
             <p:contentPart p14:bwMode="auto" r:id="rId331">
               <p14:nvContentPartPr>
                 <p14:cNvPr id="297" name="Freihand 296">
@@ -19239,7 +19248,7 @@
               </p14:xfrm>
             </p:contentPart>
           </mc:Choice>
-          <mc:Fallback>
+          <mc:Fallback xmlns="">
             <p:pic>
               <p:nvPicPr>
                 <p:cNvPr id="297" name="Freihand 296">
@@ -19270,8 +19279,8 @@
             </p:pic>
           </mc:Fallback>
         </mc:AlternateContent>
-        <mc:AlternateContent xmlns:mc="http://schemas.openxmlformats.org/markup-compatibility/2006">
-          <mc:Choice xmlns:p14="http://schemas.microsoft.com/office/powerpoint/2010/main" Requires="p14">
+        <mc:AlternateContent xmlns:mc="http://schemas.openxmlformats.org/markup-compatibility/2006" xmlns:p14="http://schemas.microsoft.com/office/powerpoint/2010/main">
+          <mc:Choice Requires="p14">
             <p:contentPart p14:bwMode="auto" r:id="rId333">
               <p14:nvContentPartPr>
                 <p14:cNvPr id="299" name="Freihand 298">
@@ -19290,7 +19299,7 @@
               </p14:xfrm>
             </p:contentPart>
           </mc:Choice>
-          <mc:Fallback>
+          <mc:Fallback xmlns="">
             <p:pic>
               <p:nvPicPr>
                 <p:cNvPr id="299" name="Freihand 298">
@@ -19321,8 +19330,8 @@
             </p:pic>
           </mc:Fallback>
         </mc:AlternateContent>
-        <mc:AlternateContent xmlns:mc="http://schemas.openxmlformats.org/markup-compatibility/2006">
-          <mc:Choice xmlns:p14="http://schemas.microsoft.com/office/powerpoint/2010/main" Requires="p14">
+        <mc:AlternateContent xmlns:mc="http://schemas.openxmlformats.org/markup-compatibility/2006" xmlns:p14="http://schemas.microsoft.com/office/powerpoint/2010/main">
+          <mc:Choice Requires="p14">
             <p:contentPart p14:bwMode="auto" r:id="rId335">
               <p14:nvContentPartPr>
                 <p14:cNvPr id="303" name="Freihand 302">
@@ -19341,7 +19350,7 @@
               </p14:xfrm>
             </p:contentPart>
           </mc:Choice>
-          <mc:Fallback>
+          <mc:Fallback xmlns="">
             <p:pic>
               <p:nvPicPr>
                 <p:cNvPr id="303" name="Freihand 302">
@@ -19372,8 +19381,8 @@
             </p:pic>
           </mc:Fallback>
         </mc:AlternateContent>
-        <mc:AlternateContent xmlns:mc="http://schemas.openxmlformats.org/markup-compatibility/2006">
-          <mc:Choice xmlns:p14="http://schemas.microsoft.com/office/powerpoint/2010/main" Requires="p14">
+        <mc:AlternateContent xmlns:mc="http://schemas.openxmlformats.org/markup-compatibility/2006" xmlns:p14="http://schemas.microsoft.com/office/powerpoint/2010/main">
+          <mc:Choice Requires="p14">
             <p:contentPart p14:bwMode="auto" r:id="rId337">
               <p14:nvContentPartPr>
                 <p14:cNvPr id="304" name="Freihand 303">
@@ -19392,7 +19401,7 @@
               </p14:xfrm>
             </p:contentPart>
           </mc:Choice>
-          <mc:Fallback>
+          <mc:Fallback xmlns="">
             <p:pic>
               <p:nvPicPr>
                 <p:cNvPr id="304" name="Freihand 303">
@@ -19423,8 +19432,8 @@
             </p:pic>
           </mc:Fallback>
         </mc:AlternateContent>
-        <mc:AlternateContent xmlns:mc="http://schemas.openxmlformats.org/markup-compatibility/2006">
-          <mc:Choice xmlns:p14="http://schemas.microsoft.com/office/powerpoint/2010/main" Requires="p14">
+        <mc:AlternateContent xmlns:mc="http://schemas.openxmlformats.org/markup-compatibility/2006" xmlns:p14="http://schemas.microsoft.com/office/powerpoint/2010/main">
+          <mc:Choice Requires="p14">
             <p:contentPart p14:bwMode="auto" r:id="rId339">
               <p14:nvContentPartPr>
                 <p14:cNvPr id="305" name="Freihand 304">
@@ -19443,7 +19452,7 @@
               </p14:xfrm>
             </p:contentPart>
           </mc:Choice>
-          <mc:Fallback>
+          <mc:Fallback xmlns="">
             <p:pic>
               <p:nvPicPr>
                 <p:cNvPr id="305" name="Freihand 304">
@@ -19474,8 +19483,8 @@
             </p:pic>
           </mc:Fallback>
         </mc:AlternateContent>
-        <mc:AlternateContent xmlns:mc="http://schemas.openxmlformats.org/markup-compatibility/2006">
-          <mc:Choice xmlns:p14="http://schemas.microsoft.com/office/powerpoint/2010/main" Requires="p14">
+        <mc:AlternateContent xmlns:mc="http://schemas.openxmlformats.org/markup-compatibility/2006" xmlns:p14="http://schemas.microsoft.com/office/powerpoint/2010/main">
+          <mc:Choice Requires="p14">
             <p:contentPart p14:bwMode="auto" r:id="rId341">
               <p14:nvContentPartPr>
                 <p14:cNvPr id="307" name="Freihand 306">
@@ -19494,7 +19503,7 @@
               </p14:xfrm>
             </p:contentPart>
           </mc:Choice>
-          <mc:Fallback>
+          <mc:Fallback xmlns="">
             <p:pic>
               <p:nvPicPr>
                 <p:cNvPr id="307" name="Freihand 306">
@@ -19525,8 +19534,8 @@
             </p:pic>
           </mc:Fallback>
         </mc:AlternateContent>
-        <mc:AlternateContent xmlns:mc="http://schemas.openxmlformats.org/markup-compatibility/2006">
-          <mc:Choice xmlns:p14="http://schemas.microsoft.com/office/powerpoint/2010/main" Requires="p14">
+        <mc:AlternateContent xmlns:mc="http://schemas.openxmlformats.org/markup-compatibility/2006" xmlns:p14="http://schemas.microsoft.com/office/powerpoint/2010/main">
+          <mc:Choice Requires="p14">
             <p:contentPart p14:bwMode="auto" r:id="rId343">
               <p14:nvContentPartPr>
                 <p14:cNvPr id="308" name="Freihand 307">
@@ -19545,7 +19554,7 @@
               </p14:xfrm>
             </p:contentPart>
           </mc:Choice>
-          <mc:Fallback>
+          <mc:Fallback xmlns="">
             <p:pic>
               <p:nvPicPr>
                 <p:cNvPr id="308" name="Freihand 307">
@@ -19576,8 +19585,8 @@
             </p:pic>
           </mc:Fallback>
         </mc:AlternateContent>
-        <mc:AlternateContent xmlns:mc="http://schemas.openxmlformats.org/markup-compatibility/2006">
-          <mc:Choice xmlns:p14="http://schemas.microsoft.com/office/powerpoint/2010/main" Requires="p14">
+        <mc:AlternateContent xmlns:mc="http://schemas.openxmlformats.org/markup-compatibility/2006" xmlns:p14="http://schemas.microsoft.com/office/powerpoint/2010/main">
+          <mc:Choice Requires="p14">
             <p:contentPart p14:bwMode="auto" r:id="rId345">
               <p14:nvContentPartPr>
                 <p14:cNvPr id="309" name="Freihand 308">
@@ -19596,7 +19605,7 @@
               </p14:xfrm>
             </p:contentPart>
           </mc:Choice>
-          <mc:Fallback>
+          <mc:Fallback xmlns="">
             <p:pic>
               <p:nvPicPr>
                 <p:cNvPr id="309" name="Freihand 308">
@@ -19627,8 +19636,8 @@
             </p:pic>
           </mc:Fallback>
         </mc:AlternateContent>
-        <mc:AlternateContent xmlns:mc="http://schemas.openxmlformats.org/markup-compatibility/2006">
-          <mc:Choice xmlns:p14="http://schemas.microsoft.com/office/powerpoint/2010/main" Requires="p14">
+        <mc:AlternateContent xmlns:mc="http://schemas.openxmlformats.org/markup-compatibility/2006" xmlns:p14="http://schemas.microsoft.com/office/powerpoint/2010/main">
+          <mc:Choice Requires="p14">
             <p:contentPart p14:bwMode="auto" r:id="rId347">
               <p14:nvContentPartPr>
                 <p14:cNvPr id="310" name="Freihand 309">
@@ -19647,7 +19656,7 @@
               </p14:xfrm>
             </p:contentPart>
           </mc:Choice>
-          <mc:Fallback>
+          <mc:Fallback xmlns="">
             <p:pic>
               <p:nvPicPr>
                 <p:cNvPr id="310" name="Freihand 309">
@@ -19678,8 +19687,8 @@
             </p:pic>
           </mc:Fallback>
         </mc:AlternateContent>
-        <mc:AlternateContent xmlns:mc="http://schemas.openxmlformats.org/markup-compatibility/2006">
-          <mc:Choice xmlns:p14="http://schemas.microsoft.com/office/powerpoint/2010/main" Requires="p14">
+        <mc:AlternateContent xmlns:mc="http://schemas.openxmlformats.org/markup-compatibility/2006" xmlns:p14="http://schemas.microsoft.com/office/powerpoint/2010/main">
+          <mc:Choice Requires="p14">
             <p:contentPart p14:bwMode="auto" r:id="rId349">
               <p14:nvContentPartPr>
                 <p14:cNvPr id="311" name="Freihand 310">
@@ -19698,7 +19707,7 @@
               </p14:xfrm>
             </p:contentPart>
           </mc:Choice>
-          <mc:Fallback>
+          <mc:Fallback xmlns="">
             <p:pic>
               <p:nvPicPr>
                 <p:cNvPr id="311" name="Freihand 310">
@@ -19729,8 +19738,8 @@
             </p:pic>
           </mc:Fallback>
         </mc:AlternateContent>
-        <mc:AlternateContent xmlns:mc="http://schemas.openxmlformats.org/markup-compatibility/2006">
-          <mc:Choice xmlns:p14="http://schemas.microsoft.com/office/powerpoint/2010/main" Requires="p14">
+        <mc:AlternateContent xmlns:mc="http://schemas.openxmlformats.org/markup-compatibility/2006" xmlns:p14="http://schemas.microsoft.com/office/powerpoint/2010/main">
+          <mc:Choice Requires="p14">
             <p:contentPart p14:bwMode="auto" r:id="rId351">
               <p14:nvContentPartPr>
                 <p14:cNvPr id="312" name="Freihand 311">
@@ -19749,7 +19758,7 @@
               </p14:xfrm>
             </p:contentPart>
           </mc:Choice>
-          <mc:Fallback>
+          <mc:Fallback xmlns="">
             <p:pic>
               <p:nvPicPr>
                 <p:cNvPr id="312" name="Freihand 311">
@@ -19780,8 +19789,8 @@
             </p:pic>
           </mc:Fallback>
         </mc:AlternateContent>
-        <mc:AlternateContent xmlns:mc="http://schemas.openxmlformats.org/markup-compatibility/2006">
-          <mc:Choice xmlns:p14="http://schemas.microsoft.com/office/powerpoint/2010/main" Requires="p14">
+        <mc:AlternateContent xmlns:mc="http://schemas.openxmlformats.org/markup-compatibility/2006" xmlns:p14="http://schemas.microsoft.com/office/powerpoint/2010/main">
+          <mc:Choice Requires="p14">
             <p:contentPart p14:bwMode="auto" r:id="rId353">
               <p14:nvContentPartPr>
                 <p14:cNvPr id="313" name="Freihand 312">
@@ -19800,7 +19809,7 @@
               </p14:xfrm>
             </p:contentPart>
           </mc:Choice>
-          <mc:Fallback>
+          <mc:Fallback xmlns="">
             <p:pic>
               <p:nvPicPr>
                 <p:cNvPr id="313" name="Freihand 312">
@@ -19831,8 +19840,8 @@
             </p:pic>
           </mc:Fallback>
         </mc:AlternateContent>
-        <mc:AlternateContent xmlns:mc="http://schemas.openxmlformats.org/markup-compatibility/2006">
-          <mc:Choice xmlns:p14="http://schemas.microsoft.com/office/powerpoint/2010/main" Requires="p14">
+        <mc:AlternateContent xmlns:mc="http://schemas.openxmlformats.org/markup-compatibility/2006" xmlns:p14="http://schemas.microsoft.com/office/powerpoint/2010/main">
+          <mc:Choice Requires="p14">
             <p:contentPart p14:bwMode="auto" r:id="rId355">
               <p14:nvContentPartPr>
                 <p14:cNvPr id="315" name="Freihand 314">
@@ -19851,7 +19860,7 @@
               </p14:xfrm>
             </p:contentPart>
           </mc:Choice>
-          <mc:Fallback>
+          <mc:Fallback xmlns="">
             <p:pic>
               <p:nvPicPr>
                 <p:cNvPr id="315" name="Freihand 314">
@@ -19882,8 +19891,8 @@
             </p:pic>
           </mc:Fallback>
         </mc:AlternateContent>
-        <mc:AlternateContent xmlns:mc="http://schemas.openxmlformats.org/markup-compatibility/2006">
-          <mc:Choice xmlns:p14="http://schemas.microsoft.com/office/powerpoint/2010/main" Requires="p14">
+        <mc:AlternateContent xmlns:mc="http://schemas.openxmlformats.org/markup-compatibility/2006" xmlns:p14="http://schemas.microsoft.com/office/powerpoint/2010/main">
+          <mc:Choice Requires="p14">
             <p:contentPart p14:bwMode="auto" r:id="rId357">
               <p14:nvContentPartPr>
                 <p14:cNvPr id="300" name="Freihand 299">
@@ -19902,7 +19911,7 @@
               </p14:xfrm>
             </p:contentPart>
           </mc:Choice>
-          <mc:Fallback>
+          <mc:Fallback xmlns="">
             <p:pic>
               <p:nvPicPr>
                 <p:cNvPr id="300" name="Freihand 299">
@@ -19933,8 +19942,8 @@
             </p:pic>
           </mc:Fallback>
         </mc:AlternateContent>
-        <mc:AlternateContent xmlns:mc="http://schemas.openxmlformats.org/markup-compatibility/2006">
-          <mc:Choice xmlns:p14="http://schemas.microsoft.com/office/powerpoint/2010/main" Requires="p14">
+        <mc:AlternateContent xmlns:mc="http://schemas.openxmlformats.org/markup-compatibility/2006" xmlns:p14="http://schemas.microsoft.com/office/powerpoint/2010/main">
+          <mc:Choice Requires="p14">
             <p:contentPart p14:bwMode="auto" r:id="rId359">
               <p14:nvContentPartPr>
                 <p14:cNvPr id="301" name="Freihand 300">
@@ -19953,7 +19962,7 @@
               </p14:xfrm>
             </p:contentPart>
           </mc:Choice>
-          <mc:Fallback>
+          <mc:Fallback xmlns="">
             <p:pic>
               <p:nvPicPr>
                 <p:cNvPr id="301" name="Freihand 300">
@@ -19984,8 +19993,8 @@
             </p:pic>
           </mc:Fallback>
         </mc:AlternateContent>
-        <mc:AlternateContent xmlns:mc="http://schemas.openxmlformats.org/markup-compatibility/2006">
-          <mc:Choice xmlns:p14="http://schemas.microsoft.com/office/powerpoint/2010/main" Requires="p14">
+        <mc:AlternateContent xmlns:mc="http://schemas.openxmlformats.org/markup-compatibility/2006" xmlns:p14="http://schemas.microsoft.com/office/powerpoint/2010/main">
+          <mc:Choice Requires="p14">
             <p:contentPart p14:bwMode="auto" r:id="rId361">
               <p14:nvContentPartPr>
                 <p14:cNvPr id="233" name="Freihand 232">
@@ -20004,7 +20013,7 @@
               </p14:xfrm>
             </p:contentPart>
           </mc:Choice>
-          <mc:Fallback>
+          <mc:Fallback xmlns="">
             <p:pic>
               <p:nvPicPr>
                 <p:cNvPr id="233" name="Freihand 232">
@@ -20035,8 +20044,8 @@
             </p:pic>
           </mc:Fallback>
         </mc:AlternateContent>
-        <mc:AlternateContent xmlns:mc="http://schemas.openxmlformats.org/markup-compatibility/2006">
-          <mc:Choice xmlns:p14="http://schemas.microsoft.com/office/powerpoint/2010/main" Requires="p14">
+        <mc:AlternateContent xmlns:mc="http://schemas.openxmlformats.org/markup-compatibility/2006" xmlns:p14="http://schemas.microsoft.com/office/powerpoint/2010/main">
+          <mc:Choice Requires="p14">
             <p:contentPart p14:bwMode="auto" r:id="rId363">
               <p14:nvContentPartPr>
                 <p14:cNvPr id="234" name="Freihand 233">
@@ -20055,7 +20064,7 @@
               </p14:xfrm>
             </p:contentPart>
           </mc:Choice>
-          <mc:Fallback>
+          <mc:Fallback xmlns="">
             <p:pic>
               <p:nvPicPr>
                 <p:cNvPr id="234" name="Freihand 233">
@@ -20086,8 +20095,8 @@
             </p:pic>
           </mc:Fallback>
         </mc:AlternateContent>
-        <mc:AlternateContent xmlns:mc="http://schemas.openxmlformats.org/markup-compatibility/2006">
-          <mc:Choice xmlns:p14="http://schemas.microsoft.com/office/powerpoint/2010/main" Requires="p14">
+        <mc:AlternateContent xmlns:mc="http://schemas.openxmlformats.org/markup-compatibility/2006" xmlns:p14="http://schemas.microsoft.com/office/powerpoint/2010/main">
+          <mc:Choice Requires="p14">
             <p:contentPart p14:bwMode="auto" r:id="rId365">
               <p14:nvContentPartPr>
                 <p14:cNvPr id="235" name="Freihand 234">
@@ -20106,7 +20115,7 @@
               </p14:xfrm>
             </p:contentPart>
           </mc:Choice>
-          <mc:Fallback>
+          <mc:Fallback xmlns="">
             <p:pic>
               <p:nvPicPr>
                 <p:cNvPr id="235" name="Freihand 234">
@@ -20137,8 +20146,8 @@
             </p:pic>
           </mc:Fallback>
         </mc:AlternateContent>
-        <mc:AlternateContent xmlns:mc="http://schemas.openxmlformats.org/markup-compatibility/2006">
-          <mc:Choice xmlns:p14="http://schemas.microsoft.com/office/powerpoint/2010/main" Requires="p14">
+        <mc:AlternateContent xmlns:mc="http://schemas.openxmlformats.org/markup-compatibility/2006" xmlns:p14="http://schemas.microsoft.com/office/powerpoint/2010/main">
+          <mc:Choice Requires="p14">
             <p:contentPart p14:bwMode="auto" r:id="rId367">
               <p14:nvContentPartPr>
                 <p14:cNvPr id="236" name="Freihand 235">
@@ -20157,7 +20166,7 @@
               </p14:xfrm>
             </p:contentPart>
           </mc:Choice>
-          <mc:Fallback>
+          <mc:Fallback xmlns="">
             <p:pic>
               <p:nvPicPr>
                 <p:cNvPr id="236" name="Freihand 235">
@@ -20188,8 +20197,8 @@
             </p:pic>
           </mc:Fallback>
         </mc:AlternateContent>
-        <mc:AlternateContent xmlns:mc="http://schemas.openxmlformats.org/markup-compatibility/2006">
-          <mc:Choice xmlns:p14="http://schemas.microsoft.com/office/powerpoint/2010/main" Requires="p14">
+        <mc:AlternateContent xmlns:mc="http://schemas.openxmlformats.org/markup-compatibility/2006" xmlns:p14="http://schemas.microsoft.com/office/powerpoint/2010/main">
+          <mc:Choice Requires="p14">
             <p:contentPart p14:bwMode="auto" r:id="rId369">
               <p14:nvContentPartPr>
                 <p14:cNvPr id="237" name="Freihand 236">
@@ -20208,7 +20217,7 @@
               </p14:xfrm>
             </p:contentPart>
           </mc:Choice>
-          <mc:Fallback>
+          <mc:Fallback xmlns="">
             <p:pic>
               <p:nvPicPr>
                 <p:cNvPr id="237" name="Freihand 236">
@@ -20239,8 +20248,8 @@
             </p:pic>
           </mc:Fallback>
         </mc:AlternateContent>
-        <mc:AlternateContent xmlns:mc="http://schemas.openxmlformats.org/markup-compatibility/2006">
-          <mc:Choice xmlns:p14="http://schemas.microsoft.com/office/powerpoint/2010/main" Requires="p14">
+        <mc:AlternateContent xmlns:mc="http://schemas.openxmlformats.org/markup-compatibility/2006" xmlns:p14="http://schemas.microsoft.com/office/powerpoint/2010/main">
+          <mc:Choice Requires="p14">
             <p:contentPart p14:bwMode="auto" r:id="rId371">
               <p14:nvContentPartPr>
                 <p14:cNvPr id="243" name="Freihand 242">
@@ -20259,7 +20268,7 @@
               </p14:xfrm>
             </p:contentPart>
           </mc:Choice>
-          <mc:Fallback>
+          <mc:Fallback xmlns="">
             <p:pic>
               <p:nvPicPr>
                 <p:cNvPr id="243" name="Freihand 242">
@@ -20290,8 +20299,8 @@
             </p:pic>
           </mc:Fallback>
         </mc:AlternateContent>
-        <mc:AlternateContent xmlns:mc="http://schemas.openxmlformats.org/markup-compatibility/2006">
-          <mc:Choice xmlns:p14="http://schemas.microsoft.com/office/powerpoint/2010/main" Requires="p14">
+        <mc:AlternateContent xmlns:mc="http://schemas.openxmlformats.org/markup-compatibility/2006" xmlns:p14="http://schemas.microsoft.com/office/powerpoint/2010/main">
+          <mc:Choice Requires="p14">
             <p:contentPart p14:bwMode="auto" r:id="rId373">
               <p14:nvContentPartPr>
                 <p14:cNvPr id="244" name="Freihand 243">
@@ -20310,7 +20319,7 @@
               </p14:xfrm>
             </p:contentPart>
           </mc:Choice>
-          <mc:Fallback>
+          <mc:Fallback xmlns="">
             <p:pic>
               <p:nvPicPr>
                 <p:cNvPr id="244" name="Freihand 243">
@@ -20341,8 +20350,8 @@
             </p:pic>
           </mc:Fallback>
         </mc:AlternateContent>
-        <mc:AlternateContent xmlns:mc="http://schemas.openxmlformats.org/markup-compatibility/2006">
-          <mc:Choice xmlns:p14="http://schemas.microsoft.com/office/powerpoint/2010/main" Requires="p14">
+        <mc:AlternateContent xmlns:mc="http://schemas.openxmlformats.org/markup-compatibility/2006" xmlns:p14="http://schemas.microsoft.com/office/powerpoint/2010/main">
+          <mc:Choice Requires="p14">
             <p:contentPart p14:bwMode="auto" r:id="rId375">
               <p14:nvContentPartPr>
                 <p14:cNvPr id="245" name="Freihand 244">
@@ -20361,7 +20370,7 @@
               </p14:xfrm>
             </p:contentPart>
           </mc:Choice>
-          <mc:Fallback>
+          <mc:Fallback xmlns="">
             <p:pic>
               <p:nvPicPr>
                 <p:cNvPr id="245" name="Freihand 244">
@@ -20392,8 +20401,8 @@
             </p:pic>
           </mc:Fallback>
         </mc:AlternateContent>
-        <mc:AlternateContent xmlns:mc="http://schemas.openxmlformats.org/markup-compatibility/2006">
-          <mc:Choice xmlns:p14="http://schemas.microsoft.com/office/powerpoint/2010/main" Requires="p14">
+        <mc:AlternateContent xmlns:mc="http://schemas.openxmlformats.org/markup-compatibility/2006" xmlns:p14="http://schemas.microsoft.com/office/powerpoint/2010/main">
+          <mc:Choice Requires="p14">
             <p:contentPart p14:bwMode="auto" r:id="rId377">
               <p14:nvContentPartPr>
                 <p14:cNvPr id="246" name="Freihand 245">
@@ -20412,7 +20421,7 @@
               </p14:xfrm>
             </p:contentPart>
           </mc:Choice>
-          <mc:Fallback>
+          <mc:Fallback xmlns="">
             <p:pic>
               <p:nvPicPr>
                 <p:cNvPr id="246" name="Freihand 245">
@@ -20443,8 +20452,8 @@
             </p:pic>
           </mc:Fallback>
         </mc:AlternateContent>
-        <mc:AlternateContent xmlns:mc="http://schemas.openxmlformats.org/markup-compatibility/2006">
-          <mc:Choice xmlns:p14="http://schemas.microsoft.com/office/powerpoint/2010/main" Requires="p14">
+        <mc:AlternateContent xmlns:mc="http://schemas.openxmlformats.org/markup-compatibility/2006" xmlns:p14="http://schemas.microsoft.com/office/powerpoint/2010/main">
+          <mc:Choice Requires="p14">
             <p:contentPart p14:bwMode="auto" r:id="rId379">
               <p14:nvContentPartPr>
                 <p14:cNvPr id="247" name="Freihand 246">
@@ -20463,7 +20472,7 @@
               </p14:xfrm>
             </p:contentPart>
           </mc:Choice>
-          <mc:Fallback>
+          <mc:Fallback xmlns="">
             <p:pic>
               <p:nvPicPr>
                 <p:cNvPr id="247" name="Freihand 246">
@@ -20494,8 +20503,8 @@
             </p:pic>
           </mc:Fallback>
         </mc:AlternateContent>
-        <mc:AlternateContent xmlns:mc="http://schemas.openxmlformats.org/markup-compatibility/2006">
-          <mc:Choice xmlns:p14="http://schemas.microsoft.com/office/powerpoint/2010/main" Requires="p14">
+        <mc:AlternateContent xmlns:mc="http://schemas.openxmlformats.org/markup-compatibility/2006" xmlns:p14="http://schemas.microsoft.com/office/powerpoint/2010/main">
+          <mc:Choice Requires="p14">
             <p:contentPart p14:bwMode="auto" r:id="rId381">
               <p14:nvContentPartPr>
                 <p14:cNvPr id="249" name="Freihand 248">
@@ -20514,7 +20523,7 @@
               </p14:xfrm>
             </p:contentPart>
           </mc:Choice>
-          <mc:Fallback>
+          <mc:Fallback xmlns="">
             <p:pic>
               <p:nvPicPr>
                 <p:cNvPr id="249" name="Freihand 248">
@@ -20545,8 +20554,8 @@
             </p:pic>
           </mc:Fallback>
         </mc:AlternateContent>
-        <mc:AlternateContent xmlns:mc="http://schemas.openxmlformats.org/markup-compatibility/2006">
-          <mc:Choice xmlns:p14="http://schemas.microsoft.com/office/powerpoint/2010/main" Requires="p14">
+        <mc:AlternateContent xmlns:mc="http://schemas.openxmlformats.org/markup-compatibility/2006" xmlns:p14="http://schemas.microsoft.com/office/powerpoint/2010/main">
+          <mc:Choice Requires="p14">
             <p:contentPart p14:bwMode="auto" r:id="rId383">
               <p14:nvContentPartPr>
                 <p14:cNvPr id="321" name="Freihand 320">
@@ -20565,7 +20574,7 @@
               </p14:xfrm>
             </p:contentPart>
           </mc:Choice>
-          <mc:Fallback>
+          <mc:Fallback xmlns="">
             <p:pic>
               <p:nvPicPr>
                 <p:cNvPr id="321" name="Freihand 320">
@@ -20596,8 +20605,8 @@
             </p:pic>
           </mc:Fallback>
         </mc:AlternateContent>
-        <mc:AlternateContent xmlns:mc="http://schemas.openxmlformats.org/markup-compatibility/2006">
-          <mc:Choice xmlns:p14="http://schemas.microsoft.com/office/powerpoint/2010/main" Requires="p14">
+        <mc:AlternateContent xmlns:mc="http://schemas.openxmlformats.org/markup-compatibility/2006" xmlns:p14="http://schemas.microsoft.com/office/powerpoint/2010/main">
+          <mc:Choice Requires="p14">
             <p:contentPart p14:bwMode="auto" r:id="rId385">
               <p14:nvContentPartPr>
                 <p14:cNvPr id="322" name="Freihand 321">
@@ -20616,7 +20625,7 @@
               </p14:xfrm>
             </p:contentPart>
           </mc:Choice>
-          <mc:Fallback>
+          <mc:Fallback xmlns="">
             <p:pic>
               <p:nvPicPr>
                 <p:cNvPr id="322" name="Freihand 321">
@@ -20647,8 +20656,8 @@
             </p:pic>
           </mc:Fallback>
         </mc:AlternateContent>
-        <mc:AlternateContent xmlns:mc="http://schemas.openxmlformats.org/markup-compatibility/2006">
-          <mc:Choice xmlns:p14="http://schemas.microsoft.com/office/powerpoint/2010/main" Requires="p14">
+        <mc:AlternateContent xmlns:mc="http://schemas.openxmlformats.org/markup-compatibility/2006" xmlns:p14="http://schemas.microsoft.com/office/powerpoint/2010/main">
+          <mc:Choice Requires="p14">
             <p:contentPart p14:bwMode="auto" r:id="rId387">
               <p14:nvContentPartPr>
                 <p14:cNvPr id="326" name="Freihand 325">
@@ -20667,7 +20676,7 @@
               </p14:xfrm>
             </p:contentPart>
           </mc:Choice>
-          <mc:Fallback>
+          <mc:Fallback xmlns="">
             <p:pic>
               <p:nvPicPr>
                 <p:cNvPr id="326" name="Freihand 325">
@@ -20698,8 +20707,8 @@
             </p:pic>
           </mc:Fallback>
         </mc:AlternateContent>
-        <mc:AlternateContent xmlns:mc="http://schemas.openxmlformats.org/markup-compatibility/2006">
-          <mc:Choice xmlns:p14="http://schemas.microsoft.com/office/powerpoint/2010/main" Requires="p14">
+        <mc:AlternateContent xmlns:mc="http://schemas.openxmlformats.org/markup-compatibility/2006" xmlns:p14="http://schemas.microsoft.com/office/powerpoint/2010/main">
+          <mc:Choice Requires="p14">
             <p:contentPart p14:bwMode="auto" r:id="rId389">
               <p14:nvContentPartPr>
                 <p14:cNvPr id="327" name="Freihand 326">
@@ -20718,7 +20727,7 @@
               </p14:xfrm>
             </p:contentPart>
           </mc:Choice>
-          <mc:Fallback>
+          <mc:Fallback xmlns="">
             <p:pic>
               <p:nvPicPr>
                 <p:cNvPr id="327" name="Freihand 326">
@@ -20749,8 +20758,8 @@
             </p:pic>
           </mc:Fallback>
         </mc:AlternateContent>
-        <mc:AlternateContent xmlns:mc="http://schemas.openxmlformats.org/markup-compatibility/2006">
-          <mc:Choice xmlns:p14="http://schemas.microsoft.com/office/powerpoint/2010/main" Requires="p14">
+        <mc:AlternateContent xmlns:mc="http://schemas.openxmlformats.org/markup-compatibility/2006" xmlns:p14="http://schemas.microsoft.com/office/powerpoint/2010/main">
+          <mc:Choice Requires="p14">
             <p:contentPart p14:bwMode="auto" r:id="rId391">
               <p14:nvContentPartPr>
                 <p14:cNvPr id="328" name="Freihand 327">
@@ -20769,7 +20778,7 @@
               </p14:xfrm>
             </p:contentPart>
           </mc:Choice>
-          <mc:Fallback>
+          <mc:Fallback xmlns="">
             <p:pic>
               <p:nvPicPr>
                 <p:cNvPr id="328" name="Freihand 327">
@@ -20800,8 +20809,8 @@
             </p:pic>
           </mc:Fallback>
         </mc:AlternateContent>
-        <mc:AlternateContent xmlns:mc="http://schemas.openxmlformats.org/markup-compatibility/2006">
-          <mc:Choice xmlns:p14="http://schemas.microsoft.com/office/powerpoint/2010/main" Requires="p14">
+        <mc:AlternateContent xmlns:mc="http://schemas.openxmlformats.org/markup-compatibility/2006" xmlns:p14="http://schemas.microsoft.com/office/powerpoint/2010/main">
+          <mc:Choice Requires="p14">
             <p:contentPart p14:bwMode="auto" r:id="rId393">
               <p14:nvContentPartPr>
                 <p14:cNvPr id="329" name="Freihand 328">
@@ -20820,7 +20829,7 @@
               </p14:xfrm>
             </p:contentPart>
           </mc:Choice>
-          <mc:Fallback>
+          <mc:Fallback xmlns="">
             <p:pic>
               <p:nvPicPr>
                 <p:cNvPr id="329" name="Freihand 328">
@@ -20851,8 +20860,8 @@
             </p:pic>
           </mc:Fallback>
         </mc:AlternateContent>
-        <mc:AlternateContent xmlns:mc="http://schemas.openxmlformats.org/markup-compatibility/2006">
-          <mc:Choice xmlns:p14="http://schemas.microsoft.com/office/powerpoint/2010/main" Requires="p14">
+        <mc:AlternateContent xmlns:mc="http://schemas.openxmlformats.org/markup-compatibility/2006" xmlns:p14="http://schemas.microsoft.com/office/powerpoint/2010/main">
+          <mc:Choice Requires="p14">
             <p:contentPart p14:bwMode="auto" r:id="rId395">
               <p14:nvContentPartPr>
                 <p14:cNvPr id="331" name="Freihand 330">
@@ -20871,7 +20880,7 @@
               </p14:xfrm>
             </p:contentPart>
           </mc:Choice>
-          <mc:Fallback>
+          <mc:Fallback xmlns="">
             <p:pic>
               <p:nvPicPr>
                 <p:cNvPr id="331" name="Freihand 330">
@@ -20902,8 +20911,8 @@
             </p:pic>
           </mc:Fallback>
         </mc:AlternateContent>
-        <mc:AlternateContent xmlns:mc="http://schemas.openxmlformats.org/markup-compatibility/2006">
-          <mc:Choice xmlns:p14="http://schemas.microsoft.com/office/powerpoint/2010/main" Requires="p14">
+        <mc:AlternateContent xmlns:mc="http://schemas.openxmlformats.org/markup-compatibility/2006" xmlns:p14="http://schemas.microsoft.com/office/powerpoint/2010/main">
+          <mc:Choice Requires="p14">
             <p:contentPart p14:bwMode="auto" r:id="rId397">
               <p14:nvContentPartPr>
                 <p14:cNvPr id="332" name="Freihand 331">
@@ -20922,7 +20931,7 @@
               </p14:xfrm>
             </p:contentPart>
           </mc:Choice>
-          <mc:Fallback>
+          <mc:Fallback xmlns="">
             <p:pic>
               <p:nvPicPr>
                 <p:cNvPr id="332" name="Freihand 331">
@@ -20953,8 +20962,8 @@
             </p:pic>
           </mc:Fallback>
         </mc:AlternateContent>
-        <mc:AlternateContent xmlns:mc="http://schemas.openxmlformats.org/markup-compatibility/2006">
-          <mc:Choice xmlns:p14="http://schemas.microsoft.com/office/powerpoint/2010/main" Requires="p14">
+        <mc:AlternateContent xmlns:mc="http://schemas.openxmlformats.org/markup-compatibility/2006" xmlns:p14="http://schemas.microsoft.com/office/powerpoint/2010/main">
+          <mc:Choice Requires="p14">
             <p:contentPart p14:bwMode="auto" r:id="rId399">
               <p14:nvContentPartPr>
                 <p14:cNvPr id="333" name="Freihand 332">
@@ -20973,7 +20982,7 @@
               </p14:xfrm>
             </p:contentPart>
           </mc:Choice>
-          <mc:Fallback>
+          <mc:Fallback xmlns="">
             <p:pic>
               <p:nvPicPr>
                 <p:cNvPr id="333" name="Freihand 332">
@@ -21004,8 +21013,8 @@
             </p:pic>
           </mc:Fallback>
         </mc:AlternateContent>
-        <mc:AlternateContent xmlns:mc="http://schemas.openxmlformats.org/markup-compatibility/2006">
-          <mc:Choice xmlns:p14="http://schemas.microsoft.com/office/powerpoint/2010/main" Requires="p14">
+        <mc:AlternateContent xmlns:mc="http://schemas.openxmlformats.org/markup-compatibility/2006" xmlns:p14="http://schemas.microsoft.com/office/powerpoint/2010/main">
+          <mc:Choice Requires="p14">
             <p:contentPart p14:bwMode="auto" r:id="rId401">
               <p14:nvContentPartPr>
                 <p14:cNvPr id="334" name="Freihand 333">
@@ -21024,7 +21033,7 @@
               </p14:xfrm>
             </p:contentPart>
           </mc:Choice>
-          <mc:Fallback>
+          <mc:Fallback xmlns="">
             <p:pic>
               <p:nvPicPr>
                 <p:cNvPr id="334" name="Freihand 333">
@@ -21055,8 +21064,8 @@
             </p:pic>
           </mc:Fallback>
         </mc:AlternateContent>
-        <mc:AlternateContent xmlns:mc="http://schemas.openxmlformats.org/markup-compatibility/2006">
-          <mc:Choice xmlns:p14="http://schemas.microsoft.com/office/powerpoint/2010/main" Requires="p14">
+        <mc:AlternateContent xmlns:mc="http://schemas.openxmlformats.org/markup-compatibility/2006" xmlns:p14="http://schemas.microsoft.com/office/powerpoint/2010/main">
+          <mc:Choice Requires="p14">
             <p:contentPart p14:bwMode="auto" r:id="rId403">
               <p14:nvContentPartPr>
                 <p14:cNvPr id="336" name="Freihand 335">
@@ -21075,7 +21084,7 @@
               </p14:xfrm>
             </p:contentPart>
           </mc:Choice>
-          <mc:Fallback>
+          <mc:Fallback xmlns="">
             <p:pic>
               <p:nvPicPr>
                 <p:cNvPr id="336" name="Freihand 335">
@@ -21106,8 +21115,8 @@
             </p:pic>
           </mc:Fallback>
         </mc:AlternateContent>
-        <mc:AlternateContent xmlns:mc="http://schemas.openxmlformats.org/markup-compatibility/2006">
-          <mc:Choice xmlns:p14="http://schemas.microsoft.com/office/powerpoint/2010/main" Requires="p14">
+        <mc:AlternateContent xmlns:mc="http://schemas.openxmlformats.org/markup-compatibility/2006" xmlns:p14="http://schemas.microsoft.com/office/powerpoint/2010/main">
+          <mc:Choice Requires="p14">
             <p:contentPart p14:bwMode="auto" r:id="rId405">
               <p14:nvContentPartPr>
                 <p14:cNvPr id="337" name="Freihand 336">
@@ -21126,7 +21135,7 @@
               </p14:xfrm>
             </p:contentPart>
           </mc:Choice>
-          <mc:Fallback>
+          <mc:Fallback xmlns="">
             <p:pic>
               <p:nvPicPr>
                 <p:cNvPr id="337" name="Freihand 336">
@@ -21157,8 +21166,8 @@
             </p:pic>
           </mc:Fallback>
         </mc:AlternateContent>
-        <mc:AlternateContent xmlns:mc="http://schemas.openxmlformats.org/markup-compatibility/2006">
-          <mc:Choice xmlns:p14="http://schemas.microsoft.com/office/powerpoint/2010/main" Requires="p14">
+        <mc:AlternateContent xmlns:mc="http://schemas.openxmlformats.org/markup-compatibility/2006" xmlns:p14="http://schemas.microsoft.com/office/powerpoint/2010/main">
+          <mc:Choice Requires="p14">
             <p:contentPart p14:bwMode="auto" r:id="rId407">
               <p14:nvContentPartPr>
                 <p14:cNvPr id="338" name="Freihand 337">
@@ -21177,7 +21186,7 @@
               </p14:xfrm>
             </p:contentPart>
           </mc:Choice>
-          <mc:Fallback>
+          <mc:Fallback xmlns="">
             <p:pic>
               <p:nvPicPr>
                 <p:cNvPr id="338" name="Freihand 337">
@@ -21208,8 +21217,8 @@
             </p:pic>
           </mc:Fallback>
         </mc:AlternateContent>
-        <mc:AlternateContent xmlns:mc="http://schemas.openxmlformats.org/markup-compatibility/2006">
-          <mc:Choice xmlns:p14="http://schemas.microsoft.com/office/powerpoint/2010/main" Requires="p14">
+        <mc:AlternateContent xmlns:mc="http://schemas.openxmlformats.org/markup-compatibility/2006" xmlns:p14="http://schemas.microsoft.com/office/powerpoint/2010/main">
+          <mc:Choice Requires="p14">
             <p:contentPart p14:bwMode="auto" r:id="rId409">
               <p14:nvContentPartPr>
                 <p14:cNvPr id="339" name="Freihand 338">
@@ -21228,7 +21237,7 @@
               </p14:xfrm>
             </p:contentPart>
           </mc:Choice>
-          <mc:Fallback>
+          <mc:Fallback xmlns="">
             <p:pic>
               <p:nvPicPr>
                 <p:cNvPr id="339" name="Freihand 338">
@@ -21259,8 +21268,8 @@
             </p:pic>
           </mc:Fallback>
         </mc:AlternateContent>
-        <mc:AlternateContent xmlns:mc="http://schemas.openxmlformats.org/markup-compatibility/2006">
-          <mc:Choice xmlns:p14="http://schemas.microsoft.com/office/powerpoint/2010/main" Requires="p14">
+        <mc:AlternateContent xmlns:mc="http://schemas.openxmlformats.org/markup-compatibility/2006" xmlns:p14="http://schemas.microsoft.com/office/powerpoint/2010/main">
+          <mc:Choice Requires="p14">
             <p:contentPart p14:bwMode="auto" r:id="rId411">
               <p14:nvContentPartPr>
                 <p14:cNvPr id="340" name="Freihand 339">
@@ -21279,7 +21288,7 @@
               </p14:xfrm>
             </p:contentPart>
           </mc:Choice>
-          <mc:Fallback>
+          <mc:Fallback xmlns="">
             <p:pic>
               <p:nvPicPr>
                 <p:cNvPr id="340" name="Freihand 339">
@@ -21310,8 +21319,8 @@
             </p:pic>
           </mc:Fallback>
         </mc:AlternateContent>
-        <mc:AlternateContent xmlns:mc="http://schemas.openxmlformats.org/markup-compatibility/2006">
-          <mc:Choice xmlns:p14="http://schemas.microsoft.com/office/powerpoint/2010/main" Requires="p14">
+        <mc:AlternateContent xmlns:mc="http://schemas.openxmlformats.org/markup-compatibility/2006" xmlns:p14="http://schemas.microsoft.com/office/powerpoint/2010/main">
+          <mc:Choice Requires="p14">
             <p:contentPart p14:bwMode="auto" r:id="rId413">
               <p14:nvContentPartPr>
                 <p14:cNvPr id="341" name="Freihand 340">
@@ -21330,7 +21339,7 @@
               </p14:xfrm>
             </p:contentPart>
           </mc:Choice>
-          <mc:Fallback>
+          <mc:Fallback xmlns="">
             <p:pic>
               <p:nvPicPr>
                 <p:cNvPr id="341" name="Freihand 340">
@@ -21361,8 +21370,8 @@
             </p:pic>
           </mc:Fallback>
         </mc:AlternateContent>
-        <mc:AlternateContent xmlns:mc="http://schemas.openxmlformats.org/markup-compatibility/2006">
-          <mc:Choice xmlns:p14="http://schemas.microsoft.com/office/powerpoint/2010/main" Requires="p14">
+        <mc:AlternateContent xmlns:mc="http://schemas.openxmlformats.org/markup-compatibility/2006" xmlns:p14="http://schemas.microsoft.com/office/powerpoint/2010/main">
+          <mc:Choice Requires="p14">
             <p:contentPart p14:bwMode="auto" r:id="rId415">
               <p14:nvContentPartPr>
                 <p14:cNvPr id="342" name="Freihand 341">
@@ -21381,7 +21390,7 @@
               </p14:xfrm>
             </p:contentPart>
           </mc:Choice>
-          <mc:Fallback>
+          <mc:Fallback xmlns="">
             <p:pic>
               <p:nvPicPr>
                 <p:cNvPr id="342" name="Freihand 341">
@@ -21412,8 +21421,8 @@
             </p:pic>
           </mc:Fallback>
         </mc:AlternateContent>
-        <mc:AlternateContent xmlns:mc="http://schemas.openxmlformats.org/markup-compatibility/2006">
-          <mc:Choice xmlns:p14="http://schemas.microsoft.com/office/powerpoint/2010/main" Requires="p14">
+        <mc:AlternateContent xmlns:mc="http://schemas.openxmlformats.org/markup-compatibility/2006" xmlns:p14="http://schemas.microsoft.com/office/powerpoint/2010/main">
+          <mc:Choice Requires="p14">
             <p:contentPart p14:bwMode="auto" r:id="rId417">
               <p14:nvContentPartPr>
                 <p14:cNvPr id="344" name="Freihand 343">
@@ -21432,7 +21441,7 @@
               </p14:xfrm>
             </p:contentPart>
           </mc:Choice>
-          <mc:Fallback>
+          <mc:Fallback xmlns="">
             <p:pic>
               <p:nvPicPr>
                 <p:cNvPr id="344" name="Freihand 343">
@@ -21463,8 +21472,8 @@
             </p:pic>
           </mc:Fallback>
         </mc:AlternateContent>
-        <mc:AlternateContent xmlns:mc="http://schemas.openxmlformats.org/markup-compatibility/2006">
-          <mc:Choice xmlns:p14="http://schemas.microsoft.com/office/powerpoint/2010/main" Requires="p14">
+        <mc:AlternateContent xmlns:mc="http://schemas.openxmlformats.org/markup-compatibility/2006" xmlns:p14="http://schemas.microsoft.com/office/powerpoint/2010/main">
+          <mc:Choice Requires="p14">
             <p:contentPart p14:bwMode="auto" r:id="rId419">
               <p14:nvContentPartPr>
                 <p14:cNvPr id="345" name="Freihand 344">
@@ -21483,7 +21492,7 @@
               </p14:xfrm>
             </p:contentPart>
           </mc:Choice>
-          <mc:Fallback>
+          <mc:Fallback xmlns="">
             <p:pic>
               <p:nvPicPr>
                 <p:cNvPr id="345" name="Freihand 344">
@@ -21514,8 +21523,8 @@
             </p:pic>
           </mc:Fallback>
         </mc:AlternateContent>
-        <mc:AlternateContent xmlns:mc="http://schemas.openxmlformats.org/markup-compatibility/2006">
-          <mc:Choice xmlns:p14="http://schemas.microsoft.com/office/powerpoint/2010/main" Requires="p14">
+        <mc:AlternateContent xmlns:mc="http://schemas.openxmlformats.org/markup-compatibility/2006" xmlns:p14="http://schemas.microsoft.com/office/powerpoint/2010/main">
+          <mc:Choice Requires="p14">
             <p:contentPart p14:bwMode="auto" r:id="rId421">
               <p14:nvContentPartPr>
                 <p14:cNvPr id="346" name="Freihand 345">
@@ -21534,7 +21543,7 @@
               </p14:xfrm>
             </p:contentPart>
           </mc:Choice>
-          <mc:Fallback>
+          <mc:Fallback xmlns="">
             <p:pic>
               <p:nvPicPr>
                 <p:cNvPr id="346" name="Freihand 345">
@@ -21565,8 +21574,8 @@
             </p:pic>
           </mc:Fallback>
         </mc:AlternateContent>
-        <mc:AlternateContent xmlns:mc="http://schemas.openxmlformats.org/markup-compatibility/2006">
-          <mc:Choice xmlns:p14="http://schemas.microsoft.com/office/powerpoint/2010/main" Requires="p14">
+        <mc:AlternateContent xmlns:mc="http://schemas.openxmlformats.org/markup-compatibility/2006" xmlns:p14="http://schemas.microsoft.com/office/powerpoint/2010/main">
+          <mc:Choice Requires="p14">
             <p:contentPart p14:bwMode="auto" r:id="rId423">
               <p14:nvContentPartPr>
                 <p14:cNvPr id="347" name="Freihand 346">
@@ -21585,7 +21594,7 @@
               </p14:xfrm>
             </p:contentPart>
           </mc:Choice>
-          <mc:Fallback>
+          <mc:Fallback xmlns="">
             <p:pic>
               <p:nvPicPr>
                 <p:cNvPr id="347" name="Freihand 346">
@@ -21616,8 +21625,8 @@
             </p:pic>
           </mc:Fallback>
         </mc:AlternateContent>
-        <mc:AlternateContent xmlns:mc="http://schemas.openxmlformats.org/markup-compatibility/2006">
-          <mc:Choice xmlns:p14="http://schemas.microsoft.com/office/powerpoint/2010/main" Requires="p14">
+        <mc:AlternateContent xmlns:mc="http://schemas.openxmlformats.org/markup-compatibility/2006" xmlns:p14="http://schemas.microsoft.com/office/powerpoint/2010/main">
+          <mc:Choice Requires="p14">
             <p:contentPart p14:bwMode="auto" r:id="rId425">
               <p14:nvContentPartPr>
                 <p14:cNvPr id="348" name="Freihand 347">
@@ -21636,7 +21645,7 @@
               </p14:xfrm>
             </p:contentPart>
           </mc:Choice>
-          <mc:Fallback>
+          <mc:Fallback xmlns="">
             <p:pic>
               <p:nvPicPr>
                 <p:cNvPr id="348" name="Freihand 347">
@@ -21667,8 +21676,8 @@
             </p:pic>
           </mc:Fallback>
         </mc:AlternateContent>
-        <mc:AlternateContent xmlns:mc="http://schemas.openxmlformats.org/markup-compatibility/2006">
-          <mc:Choice xmlns:p14="http://schemas.microsoft.com/office/powerpoint/2010/main" Requires="p14">
+        <mc:AlternateContent xmlns:mc="http://schemas.openxmlformats.org/markup-compatibility/2006" xmlns:p14="http://schemas.microsoft.com/office/powerpoint/2010/main">
+          <mc:Choice Requires="p14">
             <p:contentPart p14:bwMode="auto" r:id="rId427">
               <p14:nvContentPartPr>
                 <p14:cNvPr id="349" name="Freihand 348">
@@ -21687,7 +21696,7 @@
               </p14:xfrm>
             </p:contentPart>
           </mc:Choice>
-          <mc:Fallback>
+          <mc:Fallback xmlns="">
             <p:pic>
               <p:nvPicPr>
                 <p:cNvPr id="349" name="Freihand 348">
@@ -21718,8 +21727,8 @@
             </p:pic>
           </mc:Fallback>
         </mc:AlternateContent>
-        <mc:AlternateContent xmlns:mc="http://schemas.openxmlformats.org/markup-compatibility/2006">
-          <mc:Choice xmlns:p14="http://schemas.microsoft.com/office/powerpoint/2010/main" Requires="p14">
+        <mc:AlternateContent xmlns:mc="http://schemas.openxmlformats.org/markup-compatibility/2006" xmlns:p14="http://schemas.microsoft.com/office/powerpoint/2010/main">
+          <mc:Choice Requires="p14">
             <p:contentPart p14:bwMode="auto" r:id="rId429">
               <p14:nvContentPartPr>
                 <p14:cNvPr id="350" name="Freihand 349">
@@ -21738,7 +21747,7 @@
               </p14:xfrm>
             </p:contentPart>
           </mc:Choice>
-          <mc:Fallback>
+          <mc:Fallback xmlns="">
             <p:pic>
               <p:nvPicPr>
                 <p:cNvPr id="350" name="Freihand 349">
@@ -21769,8 +21778,8 @@
             </p:pic>
           </mc:Fallback>
         </mc:AlternateContent>
-        <mc:AlternateContent xmlns:mc="http://schemas.openxmlformats.org/markup-compatibility/2006">
-          <mc:Choice xmlns:p14="http://schemas.microsoft.com/office/powerpoint/2010/main" Requires="p14">
+        <mc:AlternateContent xmlns:mc="http://schemas.openxmlformats.org/markup-compatibility/2006" xmlns:p14="http://schemas.microsoft.com/office/powerpoint/2010/main">
+          <mc:Choice Requires="p14">
             <p:contentPart p14:bwMode="auto" r:id="rId431">
               <p14:nvContentPartPr>
                 <p14:cNvPr id="351" name="Freihand 350">
@@ -21789,7 +21798,7 @@
               </p14:xfrm>
             </p:contentPart>
           </mc:Choice>
-          <mc:Fallback>
+          <mc:Fallback xmlns="">
             <p:pic>
               <p:nvPicPr>
                 <p:cNvPr id="351" name="Freihand 350">
@@ -21820,8 +21829,8 @@
             </p:pic>
           </mc:Fallback>
         </mc:AlternateContent>
-        <mc:AlternateContent xmlns:mc="http://schemas.openxmlformats.org/markup-compatibility/2006">
-          <mc:Choice xmlns:p14="http://schemas.microsoft.com/office/powerpoint/2010/main" Requires="p14">
+        <mc:AlternateContent xmlns:mc="http://schemas.openxmlformats.org/markup-compatibility/2006" xmlns:p14="http://schemas.microsoft.com/office/powerpoint/2010/main">
+          <mc:Choice Requires="p14">
             <p:contentPart p14:bwMode="auto" r:id="rId433">
               <p14:nvContentPartPr>
                 <p14:cNvPr id="352" name="Freihand 351">
@@ -21840,7 +21849,7 @@
               </p14:xfrm>
             </p:contentPart>
           </mc:Choice>
-          <mc:Fallback>
+          <mc:Fallback xmlns="">
             <p:pic>
               <p:nvPicPr>
                 <p:cNvPr id="352" name="Freihand 351">
@@ -21871,8 +21880,8 @@
             </p:pic>
           </mc:Fallback>
         </mc:AlternateContent>
-        <mc:AlternateContent xmlns:mc="http://schemas.openxmlformats.org/markup-compatibility/2006">
-          <mc:Choice xmlns:p14="http://schemas.microsoft.com/office/powerpoint/2010/main" Requires="p14">
+        <mc:AlternateContent xmlns:mc="http://schemas.openxmlformats.org/markup-compatibility/2006" xmlns:p14="http://schemas.microsoft.com/office/powerpoint/2010/main">
+          <mc:Choice Requires="p14">
             <p:contentPart p14:bwMode="auto" r:id="rId435">
               <p14:nvContentPartPr>
                 <p14:cNvPr id="354" name="Freihand 353">
@@ -21891,7 +21900,7 @@
               </p14:xfrm>
             </p:contentPart>
           </mc:Choice>
-          <mc:Fallback>
+          <mc:Fallback xmlns="">
             <p:pic>
               <p:nvPicPr>
                 <p:cNvPr id="354" name="Freihand 353">
@@ -21922,8 +21931,8 @@
             </p:pic>
           </mc:Fallback>
         </mc:AlternateContent>
-        <mc:AlternateContent xmlns:mc="http://schemas.openxmlformats.org/markup-compatibility/2006">
-          <mc:Choice xmlns:p14="http://schemas.microsoft.com/office/powerpoint/2010/main" Requires="p14">
+        <mc:AlternateContent xmlns:mc="http://schemas.openxmlformats.org/markup-compatibility/2006" xmlns:p14="http://schemas.microsoft.com/office/powerpoint/2010/main">
+          <mc:Choice Requires="p14">
             <p:contentPart p14:bwMode="auto" r:id="rId437">
               <p14:nvContentPartPr>
                 <p14:cNvPr id="355" name="Freihand 354">
@@ -21942,7 +21951,7 @@
               </p14:xfrm>
             </p:contentPart>
           </mc:Choice>
-          <mc:Fallback>
+          <mc:Fallback xmlns="">
             <p:pic>
               <p:nvPicPr>
                 <p:cNvPr id="355" name="Freihand 354">
@@ -21973,8 +21982,8 @@
             </p:pic>
           </mc:Fallback>
         </mc:AlternateContent>
-        <mc:AlternateContent xmlns:mc="http://schemas.openxmlformats.org/markup-compatibility/2006">
-          <mc:Choice xmlns:p14="http://schemas.microsoft.com/office/powerpoint/2010/main" Requires="p14">
+        <mc:AlternateContent xmlns:mc="http://schemas.openxmlformats.org/markup-compatibility/2006" xmlns:p14="http://schemas.microsoft.com/office/powerpoint/2010/main">
+          <mc:Choice Requires="p14">
             <p:contentPart p14:bwMode="auto" r:id="rId439">
               <p14:nvContentPartPr>
                 <p14:cNvPr id="358" name="Freihand 357">
@@ -21993,7 +22002,7 @@
               </p14:xfrm>
             </p:contentPart>
           </mc:Choice>
-          <mc:Fallback>
+          <mc:Fallback xmlns="">
             <p:pic>
               <p:nvPicPr>
                 <p:cNvPr id="358" name="Freihand 357">
@@ -22024,8 +22033,8 @@
             </p:pic>
           </mc:Fallback>
         </mc:AlternateContent>
-        <mc:AlternateContent xmlns:mc="http://schemas.openxmlformats.org/markup-compatibility/2006">
-          <mc:Choice xmlns:p14="http://schemas.microsoft.com/office/powerpoint/2010/main" Requires="p14">
+        <mc:AlternateContent xmlns:mc="http://schemas.openxmlformats.org/markup-compatibility/2006" xmlns:p14="http://schemas.microsoft.com/office/powerpoint/2010/main">
+          <mc:Choice Requires="p14">
             <p:contentPart p14:bwMode="auto" r:id="rId441">
               <p14:nvContentPartPr>
                 <p14:cNvPr id="359" name="Freihand 358">
@@ -22044,7 +22053,7 @@
               </p14:xfrm>
             </p:contentPart>
           </mc:Choice>
-          <mc:Fallback>
+          <mc:Fallback xmlns="">
             <p:pic>
               <p:nvPicPr>
                 <p:cNvPr id="359" name="Freihand 358">
@@ -22075,8 +22084,8 @@
             </p:pic>
           </mc:Fallback>
         </mc:AlternateContent>
-        <mc:AlternateContent xmlns:mc="http://schemas.openxmlformats.org/markup-compatibility/2006">
-          <mc:Choice xmlns:p14="http://schemas.microsoft.com/office/powerpoint/2010/main" Requires="p14">
+        <mc:AlternateContent xmlns:mc="http://schemas.openxmlformats.org/markup-compatibility/2006" xmlns:p14="http://schemas.microsoft.com/office/powerpoint/2010/main">
+          <mc:Choice Requires="p14">
             <p:contentPart p14:bwMode="auto" r:id="rId443">
               <p14:nvContentPartPr>
                 <p14:cNvPr id="360" name="Freihand 359">
@@ -22095,7 +22104,7 @@
               </p14:xfrm>
             </p:contentPart>
           </mc:Choice>
-          <mc:Fallback>
+          <mc:Fallback xmlns="">
             <p:pic>
               <p:nvPicPr>
                 <p:cNvPr id="360" name="Freihand 359">
@@ -22126,8 +22135,8 @@
             </p:pic>
           </mc:Fallback>
         </mc:AlternateContent>
-        <mc:AlternateContent xmlns:mc="http://schemas.openxmlformats.org/markup-compatibility/2006">
-          <mc:Choice xmlns:p14="http://schemas.microsoft.com/office/powerpoint/2010/main" Requires="p14">
+        <mc:AlternateContent xmlns:mc="http://schemas.openxmlformats.org/markup-compatibility/2006" xmlns:p14="http://schemas.microsoft.com/office/powerpoint/2010/main">
+          <mc:Choice Requires="p14">
             <p:contentPart p14:bwMode="auto" r:id="rId445">
               <p14:nvContentPartPr>
                 <p14:cNvPr id="361" name="Freihand 360">
@@ -22146,7 +22155,7 @@
               </p14:xfrm>
             </p:contentPart>
           </mc:Choice>
-          <mc:Fallback>
+          <mc:Fallback xmlns="">
             <p:pic>
               <p:nvPicPr>
                 <p:cNvPr id="361" name="Freihand 360">
@@ -22177,8 +22186,8 @@
             </p:pic>
           </mc:Fallback>
         </mc:AlternateContent>
-        <mc:AlternateContent xmlns:mc="http://schemas.openxmlformats.org/markup-compatibility/2006">
-          <mc:Choice xmlns:p14="http://schemas.microsoft.com/office/powerpoint/2010/main" Requires="p14">
+        <mc:AlternateContent xmlns:mc="http://schemas.openxmlformats.org/markup-compatibility/2006" xmlns:p14="http://schemas.microsoft.com/office/powerpoint/2010/main">
+          <mc:Choice Requires="p14">
             <p:contentPart p14:bwMode="auto" r:id="rId447">
               <p14:nvContentPartPr>
                 <p14:cNvPr id="362" name="Freihand 361">
@@ -22197,7 +22206,7 @@
               </p14:xfrm>
             </p:contentPart>
           </mc:Choice>
-          <mc:Fallback>
+          <mc:Fallback xmlns="">
             <p:pic>
               <p:nvPicPr>
                 <p:cNvPr id="362" name="Freihand 361">
@@ -22228,8 +22237,8 @@
             </p:pic>
           </mc:Fallback>
         </mc:AlternateContent>
-        <mc:AlternateContent xmlns:mc="http://schemas.openxmlformats.org/markup-compatibility/2006">
-          <mc:Choice xmlns:p14="http://schemas.microsoft.com/office/powerpoint/2010/main" Requires="p14">
+        <mc:AlternateContent xmlns:mc="http://schemas.openxmlformats.org/markup-compatibility/2006" xmlns:p14="http://schemas.microsoft.com/office/powerpoint/2010/main">
+          <mc:Choice Requires="p14">
             <p:contentPart p14:bwMode="auto" r:id="rId449">
               <p14:nvContentPartPr>
                 <p14:cNvPr id="363" name="Freihand 362">
@@ -22248,7 +22257,7 @@
               </p14:xfrm>
             </p:contentPart>
           </mc:Choice>
-          <mc:Fallback>
+          <mc:Fallback xmlns="">
             <p:pic>
               <p:nvPicPr>
                 <p:cNvPr id="363" name="Freihand 362">
@@ -22279,8 +22288,8 @@
             </p:pic>
           </mc:Fallback>
         </mc:AlternateContent>
-        <mc:AlternateContent xmlns:mc="http://schemas.openxmlformats.org/markup-compatibility/2006">
-          <mc:Choice xmlns:p14="http://schemas.microsoft.com/office/powerpoint/2010/main" Requires="p14">
+        <mc:AlternateContent xmlns:mc="http://schemas.openxmlformats.org/markup-compatibility/2006" xmlns:p14="http://schemas.microsoft.com/office/powerpoint/2010/main">
+          <mc:Choice Requires="p14">
             <p:contentPart p14:bwMode="auto" r:id="rId451">
               <p14:nvContentPartPr>
                 <p14:cNvPr id="365" name="Freihand 364">
@@ -22299,7 +22308,7 @@
               </p14:xfrm>
             </p:contentPart>
           </mc:Choice>
-          <mc:Fallback>
+          <mc:Fallback xmlns="">
             <p:pic>
               <p:nvPicPr>
                 <p:cNvPr id="365" name="Freihand 364">
@@ -22330,8 +22339,8 @@
             </p:pic>
           </mc:Fallback>
         </mc:AlternateContent>
-        <mc:AlternateContent xmlns:mc="http://schemas.openxmlformats.org/markup-compatibility/2006">
-          <mc:Choice xmlns:p14="http://schemas.microsoft.com/office/powerpoint/2010/main" Requires="p14">
+        <mc:AlternateContent xmlns:mc="http://schemas.openxmlformats.org/markup-compatibility/2006" xmlns:p14="http://schemas.microsoft.com/office/powerpoint/2010/main">
+          <mc:Choice Requires="p14">
             <p:contentPart p14:bwMode="auto" r:id="rId453">
               <p14:nvContentPartPr>
                 <p14:cNvPr id="366" name="Freihand 365">
@@ -22350,7 +22359,7 @@
               </p14:xfrm>
             </p:contentPart>
           </mc:Choice>
-          <mc:Fallback>
+          <mc:Fallback xmlns="">
             <p:pic>
               <p:nvPicPr>
                 <p:cNvPr id="366" name="Freihand 365">
@@ -22718,7 +22727,7 @@
           <a:p>
             <a:r>
               <a:rPr lang="de-DE" dirty="0"/>
-              <a:t>Kein Plan</a:t>
+              <a:t>Neuronale Netze</a:t>
             </a:r>
           </a:p>
         </p:txBody>
@@ -22727,6 +22736,108 @@
     <p:extLst>
       <p:ext uri="{BB962C8B-B14F-4D97-AF65-F5344CB8AC3E}">
         <p14:creationId xmlns:p14="http://schemas.microsoft.com/office/powerpoint/2010/main" val="2877789920"/>
+      </p:ext>
+    </p:extLst>
+  </p:cSld>
+  <p:clrMapOvr>
+    <a:masterClrMapping/>
+  </p:clrMapOvr>
+</p:sld>
+</file>
+
+<file path=ppt/slides/slide9.xml><?xml version="1.0" encoding="utf-8"?>
+<p:sld xmlns:a="http://schemas.openxmlformats.org/drawingml/2006/main" xmlns:r="http://schemas.openxmlformats.org/officeDocument/2006/relationships" xmlns:p="http://schemas.openxmlformats.org/presentationml/2006/main">
+  <p:cSld>
+    <p:spTree>
+      <p:nvGrpSpPr>
+        <p:cNvPr id="1" name=""/>
+        <p:cNvGrpSpPr/>
+        <p:nvPr/>
+      </p:nvGrpSpPr>
+      <p:grpSpPr>
+        <a:xfrm>
+          <a:off x="0" y="0"/>
+          <a:ext cx="0" cy="0"/>
+          <a:chOff x="0" y="0"/>
+          <a:chExt cx="0" cy="0"/>
+        </a:xfrm>
+      </p:grpSpPr>
+      <p:sp>
+        <p:nvSpPr>
+          <p:cNvPr id="2" name="Titel 1">
+            <a:extLst>
+              <a:ext uri="{FF2B5EF4-FFF2-40B4-BE49-F238E27FC236}">
+                <a16:creationId xmlns:a16="http://schemas.microsoft.com/office/drawing/2014/main" id="{8281036A-86C7-3A62-D3A4-26B9C8604647}"/>
+              </a:ext>
+            </a:extLst>
+          </p:cNvPr>
+          <p:cNvSpPr>
+            <a:spLocks noGrp="1"/>
+          </p:cNvSpPr>
+          <p:nvPr>
+            <p:ph type="title"/>
+          </p:nvPr>
+        </p:nvSpPr>
+        <p:spPr/>
+        <p:txBody>
+          <a:bodyPr/>
+          <a:lstStyle/>
+          <a:p>
+            <a:r>
+              <a:rPr lang="de-DE" dirty="0"/>
+              <a:t>Planung der nächsten zwei Wochen</a:t>
+            </a:r>
+          </a:p>
+        </p:txBody>
+      </p:sp>
+      <p:sp>
+        <p:nvSpPr>
+          <p:cNvPr id="3" name="Inhaltsplatzhalter 2">
+            <a:extLst>
+              <a:ext uri="{FF2B5EF4-FFF2-40B4-BE49-F238E27FC236}">
+                <a16:creationId xmlns:a16="http://schemas.microsoft.com/office/drawing/2014/main" id="{713027D6-CEAC-DCE9-AC91-FFDB61A3ADD4}"/>
+              </a:ext>
+            </a:extLst>
+          </p:cNvPr>
+          <p:cNvSpPr>
+            <a:spLocks noGrp="1"/>
+          </p:cNvSpPr>
+          <p:nvPr>
+            <p:ph idx="1"/>
+          </p:nvPr>
+        </p:nvSpPr>
+        <p:spPr/>
+        <p:txBody>
+          <a:bodyPr/>
+          <a:lstStyle/>
+          <a:p>
+            <a:r>
+              <a:rPr lang="de-DE" dirty="0" err="1"/>
+              <a:t>Traings</a:t>
+            </a:r>
+            <a:r>
+              <a:rPr lang="de-DE" dirty="0"/>
+              <a:t>- und Testdaten erstellen</a:t>
+            </a:r>
+          </a:p>
+          <a:p>
+            <a:r>
+              <a:rPr lang="de-DE" dirty="0"/>
+              <a:t>Programme zusammenfassen</a:t>
+            </a:r>
+          </a:p>
+          <a:p>
+            <a:endParaRPr lang="de-DE" dirty="0"/>
+          </a:p>
+          <a:p>
+            <a:endParaRPr lang="de-DE" dirty="0"/>
+          </a:p>
+        </p:txBody>
+      </p:sp>
+    </p:spTree>
+    <p:extLst>
+      <p:ext uri="{BB962C8B-B14F-4D97-AF65-F5344CB8AC3E}">
+        <p14:creationId xmlns:p14="http://schemas.microsoft.com/office/powerpoint/2010/main" val="3014193827"/>
       </p:ext>
     </p:extLst>
   </p:cSld>
@@ -23032,6 +23143,21 @@
 </file>
 
 <file path=customXml/item1.xml><?xml version="1.0" encoding="utf-8"?>
+<p:properties xmlns:p="http://schemas.microsoft.com/office/2006/metadata/properties" xmlns:xsi="http://www.w3.org/2001/XMLSchema-instance" xmlns:pc="http://schemas.microsoft.com/office/infopath/2007/PartnerControls">
+  <documentManagement/>
+</p:properties>
+</file>
+
+<file path=customXml/item2.xml><?xml version="1.0" encoding="utf-8"?>
+<?mso-contentType ?>
+<FormTemplates xmlns="http://schemas.microsoft.com/sharepoint/v3/contenttype/forms">
+  <Display>DocumentLibraryForm</Display>
+  <Edit>DocumentLibraryForm</Edit>
+  <New>DocumentLibraryForm</New>
+</FormTemplates>
+</file>
+
+<file path=customXml/item3.xml><?xml version="1.0" encoding="utf-8"?>
 <ct:contentTypeSchema xmlns:ct="http://schemas.microsoft.com/office/2006/metadata/contentType" xmlns:ma="http://schemas.microsoft.com/office/2006/metadata/properties/metaAttributes" ct:_="" ma:_="" ma:contentTypeName="Dokument" ma:contentTypeID="0x01010013DA34FFD23D724DA6D124D232B0C48B" ma:contentTypeVersion="2" ma:contentTypeDescription="Ein neues Dokument erstellen." ma:contentTypeScope="" ma:versionID="12faabf6fdc06e21e8350a32819c1539">
   <xsd:schema xmlns:xsd="http://www.w3.org/2001/XMLSchema" xmlns:xs="http://www.w3.org/2001/XMLSchema" xmlns:p="http://schemas.microsoft.com/office/2006/metadata/properties" xmlns:ns3="2f08a94a-169f-4fb0-94ff-23a1d20791ce" targetNamespace="http://schemas.microsoft.com/office/2006/metadata/properties" ma:root="true" ma:fieldsID="1b976c1922399edfe6145880681cfb33" ns3:_="">
     <xsd:import namespace="2f08a94a-169f-4fb0-94ff-23a1d20791ce"/>
@@ -23163,22 +23289,31 @@
 </ct:contentTypeSchema>
 </file>
 
-<file path=customXml/item2.xml><?xml version="1.0" encoding="utf-8"?>
-<?mso-contentType ?>
-<FormTemplates xmlns="http://schemas.microsoft.com/sharepoint/v3/contenttype/forms">
-  <Display>DocumentLibraryForm</Display>
-  <Edit>DocumentLibraryForm</Edit>
-  <New>DocumentLibraryForm</New>
-</FormTemplates>
-</file>
-
-<file path=customXml/item3.xml><?xml version="1.0" encoding="utf-8"?>
-<p:properties xmlns:p="http://schemas.microsoft.com/office/2006/metadata/properties" xmlns:xsi="http://www.w3.org/2001/XMLSchema-instance" xmlns:pc="http://schemas.microsoft.com/office/infopath/2007/PartnerControls">
-  <documentManagement/>
-</p:properties>
-</file>
-
 <file path=customXml/itemProps1.xml><?xml version="1.0" encoding="utf-8"?>
+<ds:datastoreItem xmlns:ds="http://schemas.openxmlformats.org/officeDocument/2006/customXml" ds:itemID="{FEEEB3F1-E176-4FC4-9649-E7AA324880EA}">
+  <ds:schemaRefs>
+    <ds:schemaRef ds:uri="http://purl.org/dc/dcmitype/"/>
+    <ds:schemaRef ds:uri="http://purl.org/dc/elements/1.1/"/>
+    <ds:schemaRef ds:uri="http://www.w3.org/XML/1998/namespace"/>
+    <ds:schemaRef ds:uri="2f08a94a-169f-4fb0-94ff-23a1d20791ce"/>
+    <ds:schemaRef ds:uri="http://purl.org/dc/terms/"/>
+    <ds:schemaRef ds:uri="http://schemas.microsoft.com/office/2006/documentManagement/types"/>
+    <ds:schemaRef ds:uri="http://schemas.microsoft.com/office/infopath/2007/PartnerControls"/>
+    <ds:schemaRef ds:uri="http://schemas.openxmlformats.org/package/2006/metadata/core-properties"/>
+    <ds:schemaRef ds:uri="http://schemas.microsoft.com/office/2006/metadata/properties"/>
+  </ds:schemaRefs>
+</ds:datastoreItem>
+</file>
+
+<file path=customXml/itemProps2.xml><?xml version="1.0" encoding="utf-8"?>
+<ds:datastoreItem xmlns:ds="http://schemas.openxmlformats.org/officeDocument/2006/customXml" ds:itemID="{1F8D0725-EF16-4B3D-999D-B89425DB8ECA}">
+  <ds:schemaRefs>
+    <ds:schemaRef ds:uri="http://schemas.microsoft.com/sharepoint/v3/contenttype/forms"/>
+  </ds:schemaRefs>
+</ds:datastoreItem>
+</file>
+
+<file path=customXml/itemProps3.xml><?xml version="1.0" encoding="utf-8"?>
 <ds:datastoreItem xmlns:ds="http://schemas.openxmlformats.org/officeDocument/2006/customXml" ds:itemID="{587EC3BD-8604-4FBC-8E1A-76CDAA3DA85F}">
   <ds:schemaRefs>
     <ds:schemaRef ds:uri="http://schemas.microsoft.com/office/2006/metadata/contentType"/>
@@ -23194,28 +23329,4 @@
     <ds:schemaRef ds:uri="http://schemas.microsoft.com/internal/obd"/>
   </ds:schemaRefs>
 </ds:datastoreItem>
-</file>
-
-<file path=customXml/itemProps2.xml><?xml version="1.0" encoding="utf-8"?>
-<ds:datastoreItem xmlns:ds="http://schemas.openxmlformats.org/officeDocument/2006/customXml" ds:itemID="{1F8D0725-EF16-4B3D-999D-B89425DB8ECA}">
-  <ds:schemaRefs>
-    <ds:schemaRef ds:uri="http://schemas.microsoft.com/sharepoint/v3/contenttype/forms"/>
-  </ds:schemaRefs>
-</ds:datastoreItem>
-</file>
-
-<file path=customXml/itemProps3.xml><?xml version="1.0" encoding="utf-8"?>
-<ds:datastoreItem xmlns:ds="http://schemas.openxmlformats.org/officeDocument/2006/customXml" ds:itemID="{FEEEB3F1-E176-4FC4-9649-E7AA324880EA}">
-  <ds:schemaRefs>
-    <ds:schemaRef ds:uri="http://purl.org/dc/dcmitype/"/>
-    <ds:schemaRef ds:uri="http://purl.org/dc/elements/1.1/"/>
-    <ds:schemaRef ds:uri="http://www.w3.org/XML/1998/namespace"/>
-    <ds:schemaRef ds:uri="2f08a94a-169f-4fb0-94ff-23a1d20791ce"/>
-    <ds:schemaRef ds:uri="http://purl.org/dc/terms/"/>
-    <ds:schemaRef ds:uri="http://schemas.microsoft.com/office/2006/documentManagement/types"/>
-    <ds:schemaRef ds:uri="http://schemas.microsoft.com/office/infopath/2007/PartnerControls"/>
-    <ds:schemaRef ds:uri="http://schemas.openxmlformats.org/package/2006/metadata/core-properties"/>
-    <ds:schemaRef ds:uri="http://schemas.microsoft.com/office/2006/metadata/properties"/>
-  </ds:schemaRefs>
-</ds:datastoreItem>
 </file>